--- a/other/Root Cause Analysis Templates (1).pptx
+++ b/other/Root Cause Analysis Templates (1).pptx
@@ -5,30 +5,34 @@
     <p:sldMasterId id="2147483648" r:id="rId1"/>
   </p:sldMasterIdLst>
   <p:notesMasterIdLst>
-    <p:notesMasterId r:id="rId23"/>
+    <p:notesMasterId r:id="rId27"/>
   </p:notesMasterIdLst>
   <p:sldIdLst>
     <p:sldId id="259" r:id="rId2"/>
     <p:sldId id="260" r:id="rId3"/>
-    <p:sldId id="278" r:id="rId4"/>
-    <p:sldId id="280" r:id="rId5"/>
-    <p:sldId id="279" r:id="rId6"/>
-    <p:sldId id="258" r:id="rId7"/>
-    <p:sldId id="264" r:id="rId8"/>
-    <p:sldId id="262" r:id="rId9"/>
-    <p:sldId id="265" r:id="rId10"/>
-    <p:sldId id="266" r:id="rId11"/>
-    <p:sldId id="267" r:id="rId12"/>
-    <p:sldId id="268" r:id="rId13"/>
-    <p:sldId id="269" r:id="rId14"/>
-    <p:sldId id="270" r:id="rId15"/>
-    <p:sldId id="272" r:id="rId16"/>
-    <p:sldId id="273" r:id="rId17"/>
-    <p:sldId id="275" r:id="rId18"/>
-    <p:sldId id="274" r:id="rId19"/>
-    <p:sldId id="276" r:id="rId20"/>
-    <p:sldId id="277" r:id="rId21"/>
-    <p:sldId id="257" r:id="rId22"/>
+    <p:sldId id="281" r:id="rId4"/>
+    <p:sldId id="278" r:id="rId5"/>
+    <p:sldId id="280" r:id="rId6"/>
+    <p:sldId id="279" r:id="rId7"/>
+    <p:sldId id="282" r:id="rId8"/>
+    <p:sldId id="258" r:id="rId9"/>
+    <p:sldId id="264" r:id="rId10"/>
+    <p:sldId id="262" r:id="rId11"/>
+    <p:sldId id="283" r:id="rId12"/>
+    <p:sldId id="266" r:id="rId13"/>
+    <p:sldId id="265" r:id="rId14"/>
+    <p:sldId id="268" r:id="rId15"/>
+    <p:sldId id="267" r:id="rId16"/>
+    <p:sldId id="270" r:id="rId17"/>
+    <p:sldId id="269" r:id="rId18"/>
+    <p:sldId id="284" r:id="rId19"/>
+    <p:sldId id="272" r:id="rId20"/>
+    <p:sldId id="273" r:id="rId21"/>
+    <p:sldId id="275" r:id="rId22"/>
+    <p:sldId id="274" r:id="rId23"/>
+    <p:sldId id="276" r:id="rId24"/>
+    <p:sldId id="277" r:id="rId25"/>
+    <p:sldId id="257" r:id="rId26"/>
   </p:sldIdLst>
   <p:sldSz cx="12192000" cy="6858000"/>
   <p:notesSz cx="6858000" cy="9144000"/>
@@ -3124,6 +3128,753 @@
 </file>
 
 <file path=ppt/diagrams/colors5.xml><?xml version="1.0" encoding="utf-8"?>
+<dgm:colorsDef xmlns:dgm="http://schemas.openxmlformats.org/drawingml/2006/diagram" xmlns:a="http://schemas.openxmlformats.org/drawingml/2006/main" uniqueId="urn:microsoft.com/office/officeart/2005/8/colors/accent1_2">
+  <dgm:title val=""/>
+  <dgm:desc val=""/>
+  <dgm:catLst>
+    <dgm:cat type="accent1" pri="11200"/>
+  </dgm:catLst>
+  <dgm:styleLbl name="node0">
+    <dgm:fillClrLst meth="repeat">
+      <a:schemeClr val="accent1"/>
+    </dgm:fillClrLst>
+    <dgm:linClrLst meth="repeat">
+      <a:schemeClr val="lt1"/>
+    </dgm:linClrLst>
+    <dgm:effectClrLst/>
+    <dgm:txLinClrLst/>
+    <dgm:txFillClrLst/>
+    <dgm:txEffectClrLst/>
+  </dgm:styleLbl>
+  <dgm:styleLbl name="alignNode1">
+    <dgm:fillClrLst meth="repeat">
+      <a:schemeClr val="accent1"/>
+    </dgm:fillClrLst>
+    <dgm:linClrLst meth="repeat">
+      <a:schemeClr val="accent1"/>
+    </dgm:linClrLst>
+    <dgm:effectClrLst/>
+    <dgm:txLinClrLst/>
+    <dgm:txFillClrLst/>
+    <dgm:txEffectClrLst/>
+  </dgm:styleLbl>
+  <dgm:styleLbl name="node1">
+    <dgm:fillClrLst meth="repeat">
+      <a:schemeClr val="accent1"/>
+    </dgm:fillClrLst>
+    <dgm:linClrLst meth="repeat">
+      <a:schemeClr val="lt1"/>
+    </dgm:linClrLst>
+    <dgm:effectClrLst/>
+    <dgm:txLinClrLst/>
+    <dgm:txFillClrLst/>
+    <dgm:txEffectClrLst/>
+  </dgm:styleLbl>
+  <dgm:styleLbl name="lnNode1">
+    <dgm:fillClrLst meth="repeat">
+      <a:schemeClr val="accent1"/>
+    </dgm:fillClrLst>
+    <dgm:linClrLst meth="repeat">
+      <a:schemeClr val="lt1"/>
+    </dgm:linClrLst>
+    <dgm:effectClrLst/>
+    <dgm:txLinClrLst/>
+    <dgm:txFillClrLst/>
+    <dgm:txEffectClrLst/>
+  </dgm:styleLbl>
+  <dgm:styleLbl name="vennNode1">
+    <dgm:fillClrLst meth="repeat">
+      <a:schemeClr val="accent1">
+        <a:alpha val="50000"/>
+      </a:schemeClr>
+    </dgm:fillClrLst>
+    <dgm:linClrLst meth="repeat">
+      <a:schemeClr val="lt1"/>
+    </dgm:linClrLst>
+    <dgm:effectClrLst/>
+    <dgm:txLinClrLst/>
+    <dgm:txFillClrLst/>
+    <dgm:txEffectClrLst/>
+  </dgm:styleLbl>
+  <dgm:styleLbl name="node2">
+    <dgm:fillClrLst meth="repeat">
+      <a:schemeClr val="accent1"/>
+    </dgm:fillClrLst>
+    <dgm:linClrLst meth="repeat">
+      <a:schemeClr val="lt1"/>
+    </dgm:linClrLst>
+    <dgm:effectClrLst/>
+    <dgm:txLinClrLst/>
+    <dgm:txFillClrLst/>
+    <dgm:txEffectClrLst/>
+  </dgm:styleLbl>
+  <dgm:styleLbl name="node3">
+    <dgm:fillClrLst meth="repeat">
+      <a:schemeClr val="accent1"/>
+    </dgm:fillClrLst>
+    <dgm:linClrLst meth="repeat">
+      <a:schemeClr val="lt1"/>
+    </dgm:linClrLst>
+    <dgm:effectClrLst/>
+    <dgm:txLinClrLst/>
+    <dgm:txFillClrLst/>
+    <dgm:txEffectClrLst/>
+  </dgm:styleLbl>
+  <dgm:styleLbl name="node4">
+    <dgm:fillClrLst meth="repeat">
+      <a:schemeClr val="accent1"/>
+    </dgm:fillClrLst>
+    <dgm:linClrLst meth="repeat">
+      <a:schemeClr val="lt1"/>
+    </dgm:linClrLst>
+    <dgm:effectClrLst/>
+    <dgm:txLinClrLst/>
+    <dgm:txFillClrLst/>
+    <dgm:txEffectClrLst/>
+  </dgm:styleLbl>
+  <dgm:styleLbl name="fgImgPlace1">
+    <dgm:fillClrLst meth="repeat">
+      <a:schemeClr val="accent1">
+        <a:tint val="50000"/>
+      </a:schemeClr>
+    </dgm:fillClrLst>
+    <dgm:linClrLst meth="repeat">
+      <a:schemeClr val="lt1"/>
+    </dgm:linClrLst>
+    <dgm:effectClrLst/>
+    <dgm:txLinClrLst/>
+    <dgm:txFillClrLst meth="repeat">
+      <a:schemeClr val="lt1"/>
+    </dgm:txFillClrLst>
+    <dgm:txEffectClrLst/>
+  </dgm:styleLbl>
+  <dgm:styleLbl name="alignImgPlace1">
+    <dgm:fillClrLst meth="repeat">
+      <a:schemeClr val="accent1">
+        <a:tint val="50000"/>
+      </a:schemeClr>
+    </dgm:fillClrLst>
+    <dgm:linClrLst meth="repeat">
+      <a:schemeClr val="lt1"/>
+    </dgm:linClrLst>
+    <dgm:effectClrLst/>
+    <dgm:txLinClrLst/>
+    <dgm:txFillClrLst meth="repeat">
+      <a:schemeClr val="lt1"/>
+    </dgm:txFillClrLst>
+    <dgm:txEffectClrLst/>
+  </dgm:styleLbl>
+  <dgm:styleLbl name="bgImgPlace1">
+    <dgm:fillClrLst meth="repeat">
+      <a:schemeClr val="accent1">
+        <a:tint val="50000"/>
+      </a:schemeClr>
+    </dgm:fillClrLst>
+    <dgm:linClrLst meth="repeat">
+      <a:schemeClr val="lt1"/>
+    </dgm:linClrLst>
+    <dgm:effectClrLst/>
+    <dgm:txLinClrLst/>
+    <dgm:txFillClrLst meth="repeat">
+      <a:schemeClr val="lt1"/>
+    </dgm:txFillClrLst>
+    <dgm:txEffectClrLst/>
+  </dgm:styleLbl>
+  <dgm:styleLbl name="sibTrans2D1">
+    <dgm:fillClrLst meth="repeat">
+      <a:schemeClr val="accent1">
+        <a:tint val="60000"/>
+      </a:schemeClr>
+    </dgm:fillClrLst>
+    <dgm:linClrLst meth="repeat">
+      <a:schemeClr val="accent1">
+        <a:tint val="60000"/>
+      </a:schemeClr>
+    </dgm:linClrLst>
+    <dgm:effectClrLst/>
+    <dgm:txLinClrLst/>
+    <dgm:txFillClrLst/>
+    <dgm:txEffectClrLst/>
+  </dgm:styleLbl>
+  <dgm:styleLbl name="fgSibTrans2D1">
+    <dgm:fillClrLst meth="repeat">
+      <a:schemeClr val="accent1">
+        <a:tint val="60000"/>
+      </a:schemeClr>
+    </dgm:fillClrLst>
+    <dgm:linClrLst meth="repeat">
+      <a:schemeClr val="accent1">
+        <a:tint val="60000"/>
+      </a:schemeClr>
+    </dgm:linClrLst>
+    <dgm:effectClrLst/>
+    <dgm:txLinClrLst/>
+    <dgm:txFillClrLst/>
+    <dgm:txEffectClrLst/>
+  </dgm:styleLbl>
+  <dgm:styleLbl name="bgSibTrans2D1">
+    <dgm:fillClrLst meth="repeat">
+      <a:schemeClr val="accent1">
+        <a:tint val="60000"/>
+      </a:schemeClr>
+    </dgm:fillClrLst>
+    <dgm:linClrLst meth="repeat">
+      <a:schemeClr val="accent1">
+        <a:tint val="60000"/>
+      </a:schemeClr>
+    </dgm:linClrLst>
+    <dgm:effectClrLst/>
+    <dgm:txLinClrLst/>
+    <dgm:txFillClrLst/>
+    <dgm:txEffectClrLst/>
+  </dgm:styleLbl>
+  <dgm:styleLbl name="sibTrans1D1">
+    <dgm:fillClrLst meth="repeat">
+      <a:schemeClr val="accent1"/>
+    </dgm:fillClrLst>
+    <dgm:linClrLst meth="repeat">
+      <a:schemeClr val="accent1"/>
+    </dgm:linClrLst>
+    <dgm:effectClrLst/>
+    <dgm:txLinClrLst/>
+    <dgm:txFillClrLst meth="repeat">
+      <a:schemeClr val="tx1"/>
+    </dgm:txFillClrLst>
+    <dgm:txEffectClrLst/>
+  </dgm:styleLbl>
+  <dgm:styleLbl name="callout">
+    <dgm:fillClrLst meth="repeat">
+      <a:schemeClr val="accent1"/>
+    </dgm:fillClrLst>
+    <dgm:linClrLst meth="repeat">
+      <a:schemeClr val="accent1">
+        <a:tint val="50000"/>
+      </a:schemeClr>
+    </dgm:linClrLst>
+    <dgm:effectClrLst/>
+    <dgm:txLinClrLst/>
+    <dgm:txFillClrLst meth="repeat">
+      <a:schemeClr val="tx1"/>
+    </dgm:txFillClrLst>
+    <dgm:txEffectClrLst/>
+  </dgm:styleLbl>
+  <dgm:styleLbl name="asst0">
+    <dgm:fillClrLst meth="repeat">
+      <a:schemeClr val="accent1"/>
+    </dgm:fillClrLst>
+    <dgm:linClrLst meth="repeat">
+      <a:schemeClr val="lt1"/>
+    </dgm:linClrLst>
+    <dgm:effectClrLst/>
+    <dgm:txLinClrLst/>
+    <dgm:txFillClrLst/>
+    <dgm:txEffectClrLst/>
+  </dgm:styleLbl>
+  <dgm:styleLbl name="asst1">
+    <dgm:fillClrLst meth="repeat">
+      <a:schemeClr val="accent1"/>
+    </dgm:fillClrLst>
+    <dgm:linClrLst meth="repeat">
+      <a:schemeClr val="lt1"/>
+    </dgm:linClrLst>
+    <dgm:effectClrLst/>
+    <dgm:txLinClrLst/>
+    <dgm:txFillClrLst/>
+    <dgm:txEffectClrLst/>
+  </dgm:styleLbl>
+  <dgm:styleLbl name="asst2">
+    <dgm:fillClrLst meth="repeat">
+      <a:schemeClr val="accent1"/>
+    </dgm:fillClrLst>
+    <dgm:linClrLst meth="repeat">
+      <a:schemeClr val="lt1"/>
+    </dgm:linClrLst>
+    <dgm:effectClrLst/>
+    <dgm:txLinClrLst/>
+    <dgm:txFillClrLst/>
+    <dgm:txEffectClrLst/>
+  </dgm:styleLbl>
+  <dgm:styleLbl name="asst3">
+    <dgm:fillClrLst meth="repeat">
+      <a:schemeClr val="accent1"/>
+    </dgm:fillClrLst>
+    <dgm:linClrLst meth="repeat">
+      <a:schemeClr val="lt1"/>
+    </dgm:linClrLst>
+    <dgm:effectClrLst/>
+    <dgm:txLinClrLst/>
+    <dgm:txFillClrLst/>
+    <dgm:txEffectClrLst/>
+  </dgm:styleLbl>
+  <dgm:styleLbl name="asst4">
+    <dgm:fillClrLst meth="repeat">
+      <a:schemeClr val="accent1"/>
+    </dgm:fillClrLst>
+    <dgm:linClrLst meth="repeat">
+      <a:schemeClr val="lt1"/>
+    </dgm:linClrLst>
+    <dgm:effectClrLst/>
+    <dgm:txLinClrLst/>
+    <dgm:txFillClrLst/>
+    <dgm:txEffectClrLst/>
+  </dgm:styleLbl>
+  <dgm:styleLbl name="parChTrans2D1">
+    <dgm:fillClrLst meth="repeat">
+      <a:schemeClr val="accent1">
+        <a:tint val="60000"/>
+      </a:schemeClr>
+    </dgm:fillClrLst>
+    <dgm:linClrLst meth="repeat">
+      <a:schemeClr val="accent1">
+        <a:tint val="60000"/>
+      </a:schemeClr>
+    </dgm:linClrLst>
+    <dgm:effectClrLst/>
+    <dgm:txLinClrLst/>
+    <dgm:txFillClrLst meth="repeat">
+      <a:schemeClr val="lt1"/>
+    </dgm:txFillClrLst>
+    <dgm:txEffectClrLst/>
+  </dgm:styleLbl>
+  <dgm:styleLbl name="parChTrans2D2">
+    <dgm:fillClrLst meth="repeat">
+      <a:schemeClr val="accent1"/>
+    </dgm:fillClrLst>
+    <dgm:linClrLst meth="repeat">
+      <a:schemeClr val="accent1"/>
+    </dgm:linClrLst>
+    <dgm:effectClrLst/>
+    <dgm:txLinClrLst/>
+    <dgm:txFillClrLst meth="repeat">
+      <a:schemeClr val="lt1"/>
+    </dgm:txFillClrLst>
+    <dgm:txEffectClrLst/>
+  </dgm:styleLbl>
+  <dgm:styleLbl name="parChTrans2D3">
+    <dgm:fillClrLst meth="repeat">
+      <a:schemeClr val="accent1"/>
+    </dgm:fillClrLst>
+    <dgm:linClrLst meth="repeat">
+      <a:schemeClr val="accent1"/>
+    </dgm:linClrLst>
+    <dgm:effectClrLst/>
+    <dgm:txLinClrLst/>
+    <dgm:txFillClrLst meth="repeat">
+      <a:schemeClr val="lt1"/>
+    </dgm:txFillClrLst>
+    <dgm:txEffectClrLst/>
+  </dgm:styleLbl>
+  <dgm:styleLbl name="parChTrans2D4">
+    <dgm:fillClrLst meth="repeat">
+      <a:schemeClr val="accent1"/>
+    </dgm:fillClrLst>
+    <dgm:linClrLst meth="repeat">
+      <a:schemeClr val="accent1"/>
+    </dgm:linClrLst>
+    <dgm:effectClrLst/>
+    <dgm:txLinClrLst/>
+    <dgm:txFillClrLst meth="repeat">
+      <a:schemeClr val="lt1"/>
+    </dgm:txFillClrLst>
+    <dgm:txEffectClrLst/>
+  </dgm:styleLbl>
+  <dgm:styleLbl name="parChTrans1D1">
+    <dgm:fillClrLst meth="repeat">
+      <a:schemeClr val="accent1"/>
+    </dgm:fillClrLst>
+    <dgm:linClrLst meth="repeat">
+      <a:schemeClr val="accent1">
+        <a:shade val="60000"/>
+      </a:schemeClr>
+    </dgm:linClrLst>
+    <dgm:effectClrLst/>
+    <dgm:txLinClrLst/>
+    <dgm:txFillClrLst meth="repeat">
+      <a:schemeClr val="tx1"/>
+    </dgm:txFillClrLst>
+    <dgm:txEffectClrLst/>
+  </dgm:styleLbl>
+  <dgm:styleLbl name="parChTrans1D2">
+    <dgm:fillClrLst meth="repeat">
+      <a:schemeClr val="accent1"/>
+    </dgm:fillClrLst>
+    <dgm:linClrLst meth="repeat">
+      <a:schemeClr val="accent1">
+        <a:shade val="60000"/>
+      </a:schemeClr>
+    </dgm:linClrLst>
+    <dgm:effectClrLst/>
+    <dgm:txLinClrLst/>
+    <dgm:txFillClrLst meth="repeat">
+      <a:schemeClr val="tx1"/>
+    </dgm:txFillClrLst>
+    <dgm:txEffectClrLst/>
+  </dgm:styleLbl>
+  <dgm:styleLbl name="parChTrans1D3">
+    <dgm:fillClrLst meth="repeat">
+      <a:schemeClr val="accent1"/>
+    </dgm:fillClrLst>
+    <dgm:linClrLst meth="repeat">
+      <a:schemeClr val="accent1">
+        <a:shade val="80000"/>
+      </a:schemeClr>
+    </dgm:linClrLst>
+    <dgm:effectClrLst/>
+    <dgm:txLinClrLst/>
+    <dgm:txFillClrLst meth="repeat">
+      <a:schemeClr val="tx1"/>
+    </dgm:txFillClrLst>
+    <dgm:txEffectClrLst/>
+  </dgm:styleLbl>
+  <dgm:styleLbl name="parChTrans1D4">
+    <dgm:fillClrLst meth="repeat">
+      <a:schemeClr val="accent1"/>
+    </dgm:fillClrLst>
+    <dgm:linClrLst meth="repeat">
+      <a:schemeClr val="accent1">
+        <a:shade val="80000"/>
+      </a:schemeClr>
+    </dgm:linClrLst>
+    <dgm:effectClrLst/>
+    <dgm:txLinClrLst/>
+    <dgm:txFillClrLst meth="repeat">
+      <a:schemeClr val="tx1"/>
+    </dgm:txFillClrLst>
+    <dgm:txEffectClrLst/>
+  </dgm:styleLbl>
+  <dgm:styleLbl name="fgAcc1">
+    <dgm:fillClrLst meth="repeat">
+      <a:schemeClr val="lt1">
+        <a:alpha val="90000"/>
+      </a:schemeClr>
+    </dgm:fillClrLst>
+    <dgm:linClrLst meth="repeat">
+      <a:schemeClr val="accent1"/>
+    </dgm:linClrLst>
+    <dgm:effectClrLst/>
+    <dgm:txLinClrLst/>
+    <dgm:txFillClrLst meth="repeat">
+      <a:schemeClr val="dk1"/>
+    </dgm:txFillClrLst>
+    <dgm:txEffectClrLst/>
+  </dgm:styleLbl>
+  <dgm:styleLbl name="conFgAcc1">
+    <dgm:fillClrLst meth="repeat">
+      <a:schemeClr val="lt1">
+        <a:alpha val="90000"/>
+      </a:schemeClr>
+    </dgm:fillClrLst>
+    <dgm:linClrLst meth="repeat">
+      <a:schemeClr val="accent1"/>
+    </dgm:linClrLst>
+    <dgm:effectClrLst/>
+    <dgm:txLinClrLst/>
+    <dgm:txFillClrLst meth="repeat">
+      <a:schemeClr val="dk1"/>
+    </dgm:txFillClrLst>
+    <dgm:txEffectClrLst/>
+  </dgm:styleLbl>
+  <dgm:styleLbl name="alignAcc1">
+    <dgm:fillClrLst meth="repeat">
+      <a:schemeClr val="lt1">
+        <a:alpha val="90000"/>
+      </a:schemeClr>
+    </dgm:fillClrLst>
+    <dgm:linClrLst meth="repeat">
+      <a:schemeClr val="accent1"/>
+    </dgm:linClrLst>
+    <dgm:effectClrLst/>
+    <dgm:txLinClrLst/>
+    <dgm:txFillClrLst meth="repeat">
+      <a:schemeClr val="dk1"/>
+    </dgm:txFillClrLst>
+    <dgm:txEffectClrLst/>
+  </dgm:styleLbl>
+  <dgm:styleLbl name="trAlignAcc1">
+    <dgm:fillClrLst meth="repeat">
+      <a:schemeClr val="lt1">
+        <a:alpha val="40000"/>
+      </a:schemeClr>
+    </dgm:fillClrLst>
+    <dgm:linClrLst meth="repeat">
+      <a:schemeClr val="accent1"/>
+    </dgm:linClrLst>
+    <dgm:effectClrLst/>
+    <dgm:txLinClrLst/>
+    <dgm:txFillClrLst meth="repeat">
+      <a:schemeClr val="dk1"/>
+    </dgm:txFillClrLst>
+    <dgm:txEffectClrLst/>
+  </dgm:styleLbl>
+  <dgm:styleLbl name="bgAcc1">
+    <dgm:fillClrLst meth="repeat">
+      <a:schemeClr val="lt1">
+        <a:alpha val="90000"/>
+      </a:schemeClr>
+    </dgm:fillClrLst>
+    <dgm:linClrLst meth="repeat">
+      <a:schemeClr val="accent1"/>
+    </dgm:linClrLst>
+    <dgm:effectClrLst/>
+    <dgm:txLinClrLst/>
+    <dgm:txFillClrLst meth="repeat">
+      <a:schemeClr val="dk1"/>
+    </dgm:txFillClrLst>
+    <dgm:txEffectClrLst/>
+  </dgm:styleLbl>
+  <dgm:styleLbl name="solidFgAcc1">
+    <dgm:fillClrLst meth="repeat">
+      <a:schemeClr val="lt1"/>
+    </dgm:fillClrLst>
+    <dgm:linClrLst meth="repeat">
+      <a:schemeClr val="accent1"/>
+    </dgm:linClrLst>
+    <dgm:effectClrLst/>
+    <dgm:txLinClrLst/>
+    <dgm:txFillClrLst meth="repeat">
+      <a:schemeClr val="dk1"/>
+    </dgm:txFillClrLst>
+    <dgm:txEffectClrLst/>
+  </dgm:styleLbl>
+  <dgm:styleLbl name="solidAlignAcc1">
+    <dgm:fillClrLst meth="repeat">
+      <a:schemeClr val="lt1"/>
+    </dgm:fillClrLst>
+    <dgm:linClrLst meth="repeat">
+      <a:schemeClr val="accent1"/>
+    </dgm:linClrLst>
+    <dgm:effectClrLst/>
+    <dgm:txLinClrLst/>
+    <dgm:txFillClrLst meth="repeat">
+      <a:schemeClr val="dk1"/>
+    </dgm:txFillClrLst>
+    <dgm:txEffectClrLst/>
+  </dgm:styleLbl>
+  <dgm:styleLbl name="solidBgAcc1">
+    <dgm:fillClrLst meth="repeat">
+      <a:schemeClr val="lt1"/>
+    </dgm:fillClrLst>
+    <dgm:linClrLst meth="repeat">
+      <a:schemeClr val="accent1"/>
+    </dgm:linClrLst>
+    <dgm:effectClrLst/>
+    <dgm:txLinClrLst/>
+    <dgm:txFillClrLst meth="repeat">
+      <a:schemeClr val="dk1"/>
+    </dgm:txFillClrLst>
+    <dgm:txEffectClrLst/>
+  </dgm:styleLbl>
+  <dgm:styleLbl name="fgAccFollowNode1">
+    <dgm:fillClrLst meth="repeat">
+      <a:schemeClr val="accent1">
+        <a:alpha val="90000"/>
+        <a:tint val="40000"/>
+      </a:schemeClr>
+    </dgm:fillClrLst>
+    <dgm:linClrLst meth="repeat">
+      <a:schemeClr val="accent1">
+        <a:alpha val="90000"/>
+        <a:tint val="40000"/>
+      </a:schemeClr>
+    </dgm:linClrLst>
+    <dgm:effectClrLst/>
+    <dgm:txLinClrLst/>
+    <dgm:txFillClrLst meth="repeat">
+      <a:schemeClr val="dk1"/>
+    </dgm:txFillClrLst>
+    <dgm:txEffectClrLst/>
+  </dgm:styleLbl>
+  <dgm:styleLbl name="alignAccFollowNode1">
+    <dgm:fillClrLst meth="repeat">
+      <a:schemeClr val="accent1">
+        <a:alpha val="90000"/>
+        <a:tint val="40000"/>
+      </a:schemeClr>
+    </dgm:fillClrLst>
+    <dgm:linClrLst meth="repeat">
+      <a:schemeClr val="accent1">
+        <a:alpha val="90000"/>
+        <a:tint val="40000"/>
+      </a:schemeClr>
+    </dgm:linClrLst>
+    <dgm:effectClrLst/>
+    <dgm:txLinClrLst/>
+    <dgm:txFillClrLst meth="repeat">
+      <a:schemeClr val="dk1"/>
+    </dgm:txFillClrLst>
+    <dgm:txEffectClrLst/>
+  </dgm:styleLbl>
+  <dgm:styleLbl name="bgAccFollowNode1">
+    <dgm:fillClrLst meth="repeat">
+      <a:schemeClr val="accent1">
+        <a:alpha val="90000"/>
+        <a:tint val="40000"/>
+      </a:schemeClr>
+    </dgm:fillClrLst>
+    <dgm:linClrLst meth="repeat">
+      <a:schemeClr val="accent1">
+        <a:alpha val="90000"/>
+        <a:tint val="40000"/>
+      </a:schemeClr>
+    </dgm:linClrLst>
+    <dgm:effectClrLst/>
+    <dgm:txLinClrLst/>
+    <dgm:txFillClrLst meth="repeat">
+      <a:schemeClr val="dk1"/>
+    </dgm:txFillClrLst>
+    <dgm:txEffectClrLst/>
+  </dgm:styleLbl>
+  <dgm:styleLbl name="fgAcc0">
+    <dgm:fillClrLst meth="repeat">
+      <a:schemeClr val="lt1">
+        <a:alpha val="90000"/>
+      </a:schemeClr>
+    </dgm:fillClrLst>
+    <dgm:linClrLst meth="repeat">
+      <a:schemeClr val="accent1"/>
+    </dgm:linClrLst>
+    <dgm:effectClrLst/>
+    <dgm:txLinClrLst/>
+    <dgm:txFillClrLst meth="repeat">
+      <a:schemeClr val="dk1"/>
+    </dgm:txFillClrLst>
+    <dgm:txEffectClrLst/>
+  </dgm:styleLbl>
+  <dgm:styleLbl name="fgAcc2">
+    <dgm:fillClrLst meth="repeat">
+      <a:schemeClr val="lt1">
+        <a:alpha val="90000"/>
+      </a:schemeClr>
+    </dgm:fillClrLst>
+    <dgm:linClrLst meth="repeat">
+      <a:schemeClr val="accent1"/>
+    </dgm:linClrLst>
+    <dgm:effectClrLst/>
+    <dgm:txLinClrLst/>
+    <dgm:txFillClrLst meth="repeat">
+      <a:schemeClr val="dk1"/>
+    </dgm:txFillClrLst>
+    <dgm:txEffectClrLst/>
+  </dgm:styleLbl>
+  <dgm:styleLbl name="fgAcc3">
+    <dgm:fillClrLst meth="repeat">
+      <a:schemeClr val="lt1">
+        <a:alpha val="90000"/>
+      </a:schemeClr>
+    </dgm:fillClrLst>
+    <dgm:linClrLst meth="repeat">
+      <a:schemeClr val="accent1"/>
+    </dgm:linClrLst>
+    <dgm:effectClrLst/>
+    <dgm:txLinClrLst/>
+    <dgm:txFillClrLst meth="repeat">
+      <a:schemeClr val="dk1"/>
+    </dgm:txFillClrLst>
+    <dgm:txEffectClrLst/>
+  </dgm:styleLbl>
+  <dgm:styleLbl name="fgAcc4">
+    <dgm:fillClrLst meth="repeat">
+      <a:schemeClr val="lt1">
+        <a:alpha val="90000"/>
+      </a:schemeClr>
+    </dgm:fillClrLst>
+    <dgm:linClrLst meth="repeat">
+      <a:schemeClr val="accent1"/>
+    </dgm:linClrLst>
+    <dgm:effectClrLst/>
+    <dgm:txLinClrLst/>
+    <dgm:txFillClrLst meth="repeat">
+      <a:schemeClr val="dk1"/>
+    </dgm:txFillClrLst>
+    <dgm:txEffectClrLst/>
+  </dgm:styleLbl>
+  <dgm:styleLbl name="bgShp">
+    <dgm:fillClrLst meth="repeat">
+      <a:schemeClr val="accent1">
+        <a:tint val="40000"/>
+      </a:schemeClr>
+    </dgm:fillClrLst>
+    <dgm:linClrLst meth="repeat">
+      <a:schemeClr val="accent1"/>
+    </dgm:linClrLst>
+    <dgm:effectClrLst/>
+    <dgm:txLinClrLst/>
+    <dgm:txFillClrLst meth="repeat">
+      <a:schemeClr val="dk1"/>
+    </dgm:txFillClrLst>
+    <dgm:txEffectClrLst/>
+  </dgm:styleLbl>
+  <dgm:styleLbl name="dkBgShp">
+    <dgm:fillClrLst meth="repeat">
+      <a:schemeClr val="accent1">
+        <a:shade val="80000"/>
+      </a:schemeClr>
+    </dgm:fillClrLst>
+    <dgm:linClrLst meth="repeat">
+      <a:schemeClr val="accent1"/>
+    </dgm:linClrLst>
+    <dgm:effectClrLst/>
+    <dgm:txLinClrLst/>
+    <dgm:txFillClrLst meth="repeat">
+      <a:schemeClr val="lt1"/>
+    </dgm:txFillClrLst>
+    <dgm:txEffectClrLst/>
+  </dgm:styleLbl>
+  <dgm:styleLbl name="trBgShp">
+    <dgm:fillClrLst meth="repeat">
+      <a:schemeClr val="accent1">
+        <a:tint val="50000"/>
+        <a:alpha val="40000"/>
+      </a:schemeClr>
+    </dgm:fillClrLst>
+    <dgm:linClrLst meth="repeat">
+      <a:schemeClr val="accent1"/>
+    </dgm:linClrLst>
+    <dgm:effectClrLst/>
+    <dgm:txLinClrLst/>
+    <dgm:txFillClrLst meth="repeat">
+      <a:schemeClr val="lt1"/>
+    </dgm:txFillClrLst>
+    <dgm:txEffectClrLst/>
+  </dgm:styleLbl>
+  <dgm:styleLbl name="fgShp">
+    <dgm:fillClrLst meth="repeat">
+      <a:schemeClr val="accent1">
+        <a:tint val="60000"/>
+      </a:schemeClr>
+    </dgm:fillClrLst>
+    <dgm:linClrLst meth="repeat">
+      <a:schemeClr val="lt1"/>
+    </dgm:linClrLst>
+    <dgm:effectClrLst/>
+    <dgm:txLinClrLst/>
+    <dgm:txFillClrLst meth="repeat">
+      <a:schemeClr val="dk1"/>
+    </dgm:txFillClrLst>
+    <dgm:txEffectClrLst/>
+  </dgm:styleLbl>
+  <dgm:styleLbl name="revTx">
+    <dgm:fillClrLst meth="repeat">
+      <a:schemeClr val="lt1">
+        <a:alpha val="0"/>
+      </a:schemeClr>
+    </dgm:fillClrLst>
+    <dgm:linClrLst meth="repeat">
+      <a:schemeClr val="dk1">
+        <a:alpha val="0"/>
+      </a:schemeClr>
+    </dgm:linClrLst>
+    <dgm:effectClrLst/>
+    <dgm:txLinClrLst/>
+    <dgm:txFillClrLst meth="repeat">
+      <a:schemeClr val="tx1"/>
+    </dgm:txFillClrLst>
+    <dgm:txEffectClrLst/>
+  </dgm:styleLbl>
+</dgm:colorsDef>
+</file>
+
+<file path=ppt/diagrams/colors6.xml><?xml version="1.0" encoding="utf-8"?>
 <dgm:colorsDef xmlns:dgm="http://schemas.openxmlformats.org/drawingml/2006/diagram" xmlns:a="http://schemas.openxmlformats.org/drawingml/2006/main" uniqueId="urn:microsoft.com/office/officeart/2005/8/colors/accent1_2">
   <dgm:title val=""/>
   <dgm:desc val=""/>
@@ -4036,10 +4787,9 @@
         <a:lstStyle/>
         <a:p>
           <a:r>
-            <a:rPr lang="en-US"/>
+            <a:rPr lang="en-US" dirty="0"/>
             <a:t>Why?</a:t>
           </a:r>
-          <a:endParaRPr lang="en-US" dirty="0"/>
         </a:p>
       </dgm:t>
     </dgm:pt>
@@ -4055,6 +4805,43 @@
       </dgm:t>
     </dgm:pt>
     <dgm:pt modelId="{993E51B0-2A5D-40EB-B732-3BDA542C9E75}" type="sibTrans" cxnId="{4EDCAF09-B0C5-4E2F-8DF4-0DEF12DC6946}">
+      <dgm:prSet/>
+      <dgm:spPr/>
+      <dgm:t>
+        <a:bodyPr/>
+        <a:lstStyle/>
+        <a:p>
+          <a:endParaRPr lang="en-US"/>
+        </a:p>
+      </dgm:t>
+    </dgm:pt>
+    <dgm:pt modelId="{9F2EE37A-86DC-4D2E-B0AE-853D85DC468E}">
+      <dgm:prSet/>
+      <dgm:spPr/>
+      <dgm:t>
+        <a:bodyPr/>
+        <a:lstStyle/>
+        <a:p>
+          <a:r>
+            <a:rPr lang="en-US"/>
+            <a:t>Why?</a:t>
+          </a:r>
+          <a:endParaRPr lang="en-US" dirty="0"/>
+        </a:p>
+      </dgm:t>
+    </dgm:pt>
+    <dgm:pt modelId="{B767E75B-9C0C-413C-8117-7094EB12DC38}" type="parTrans" cxnId="{A6837A7D-C79D-4CED-8509-F9BE69D6F21C}">
+      <dgm:prSet/>
+      <dgm:spPr/>
+      <dgm:t>
+        <a:bodyPr/>
+        <a:lstStyle/>
+        <a:p>
+          <a:endParaRPr lang="en-US"/>
+        </a:p>
+      </dgm:t>
+    </dgm:pt>
+    <dgm:pt modelId="{DA6FE9DD-452B-437F-A933-70F86463B44D}" type="sibTrans" cxnId="{A6837A7D-C79D-4CED-8509-F9BE69D6F21C}">
       <dgm:prSet/>
       <dgm:spPr/>
       <dgm:t>
@@ -4083,7 +4870,7 @@
       <dgm:spPr/>
     </dgm:pt>
     <dgm:pt modelId="{5A95907D-6C9B-48C2-ADCB-BE1DF163DB44}" type="pres">
-      <dgm:prSet presAssocID="{0AB8FABF-FB56-422C-8F07-8BC7D1D0E066}" presName="textNode" presStyleLbl="node1" presStyleIdx="0" presStyleCnt="5">
+      <dgm:prSet presAssocID="{0AB8FABF-FB56-422C-8F07-8BC7D1D0E066}" presName="textNode" presStyleLbl="node1" presStyleIdx="0" presStyleCnt="6">
         <dgm:presLayoutVars>
           <dgm:bulletEnabled val="1"/>
         </dgm:presLayoutVars>
@@ -4095,7 +4882,7 @@
       <dgm:spPr/>
     </dgm:pt>
     <dgm:pt modelId="{0F43F693-C6FB-410D-B7BE-FE9A4EE927D4}" type="pres">
-      <dgm:prSet presAssocID="{94472A77-E0DA-4216-938C-8F28A986A096}" presName="textNode" presStyleLbl="node1" presStyleIdx="1" presStyleCnt="5">
+      <dgm:prSet presAssocID="{94472A77-E0DA-4216-938C-8F28A986A096}" presName="textNode" presStyleLbl="node1" presStyleIdx="1" presStyleCnt="6">
         <dgm:presLayoutVars>
           <dgm:bulletEnabled val="1"/>
         </dgm:presLayoutVars>
@@ -4107,7 +4894,7 @@
       <dgm:spPr/>
     </dgm:pt>
     <dgm:pt modelId="{8BEC28F8-DC8D-43D0-BB81-7CF1442B9EE1}" type="pres">
-      <dgm:prSet presAssocID="{932453DF-8CEB-422B-8E69-0B5474075910}" presName="textNode" presStyleLbl="node1" presStyleIdx="2" presStyleCnt="5">
+      <dgm:prSet presAssocID="{932453DF-8CEB-422B-8E69-0B5474075910}" presName="textNode" presStyleLbl="node1" presStyleIdx="2" presStyleCnt="6">
         <dgm:presLayoutVars>
           <dgm:bulletEnabled val="1"/>
         </dgm:presLayoutVars>
@@ -4119,7 +4906,7 @@
       <dgm:spPr/>
     </dgm:pt>
     <dgm:pt modelId="{62174BA3-17A2-40C2-A6E3-39AADDF9A4FA}" type="pres">
-      <dgm:prSet presAssocID="{2CBD2C8E-CEE9-4A35-B96A-BBA8AC9D2BB1}" presName="textNode" presStyleLbl="node1" presStyleIdx="3" presStyleCnt="5">
+      <dgm:prSet presAssocID="{2CBD2C8E-CEE9-4A35-B96A-BBA8AC9D2BB1}" presName="textNode" presStyleLbl="node1" presStyleIdx="3" presStyleCnt="6">
         <dgm:presLayoutVars>
           <dgm:bulletEnabled val="1"/>
         </dgm:presLayoutVars>
@@ -4131,7 +4918,19 @@
       <dgm:spPr/>
     </dgm:pt>
     <dgm:pt modelId="{A4CAA7AB-EDED-400F-8880-563983D3A416}" type="pres">
-      <dgm:prSet presAssocID="{9D0245AC-A82B-49DD-AC42-B084A32A7D4A}" presName="textNode" presStyleLbl="node1" presStyleIdx="4" presStyleCnt="5">
+      <dgm:prSet presAssocID="{9D0245AC-A82B-49DD-AC42-B084A32A7D4A}" presName="textNode" presStyleLbl="node1" presStyleIdx="4" presStyleCnt="6">
+        <dgm:presLayoutVars>
+          <dgm:bulletEnabled val="1"/>
+        </dgm:presLayoutVars>
+      </dgm:prSet>
+      <dgm:spPr/>
+    </dgm:pt>
+    <dgm:pt modelId="{AFDA743E-D7BF-436A-8C5E-94B12A492A90}" type="pres">
+      <dgm:prSet presAssocID="{993E51B0-2A5D-40EB-B732-3BDA542C9E75}" presName="sibTrans" presStyleCnt="0"/>
+      <dgm:spPr/>
+    </dgm:pt>
+    <dgm:pt modelId="{01680878-ECC5-4263-BA20-93906B5D7954}" type="pres">
+      <dgm:prSet presAssocID="{9F2EE37A-86DC-4D2E-B0AE-853D85DC468E}" presName="textNode" presStyleLbl="node1" presStyleIdx="5" presStyleCnt="6">
         <dgm:presLayoutVars>
           <dgm:bulletEnabled val="1"/>
         </dgm:presLayoutVars>
@@ -4146,10 +4945,12 @@
     <dgm:cxn modelId="{9107F260-CD18-49AF-8084-E8D6609EFE5F}" type="presOf" srcId="{9D0245AC-A82B-49DD-AC42-B084A32A7D4A}" destId="{A4CAA7AB-EDED-400F-8880-563983D3A416}" srcOrd="0" destOrd="0" presId="urn:microsoft.com/office/officeart/2005/8/layout/hProcess9"/>
     <dgm:cxn modelId="{AE600D55-EE69-497B-AAEF-4BA440A9D22F}" type="presOf" srcId="{095FFCB8-2037-4652-8389-840574AC88E9}" destId="{F2E5BC16-7B83-46E0-A487-78C44DB12DF2}" srcOrd="0" destOrd="0" presId="urn:microsoft.com/office/officeart/2005/8/layout/hProcess9"/>
     <dgm:cxn modelId="{1560C057-7EB7-4A01-A5FC-8AD418F0B7BD}" type="presOf" srcId="{2CBD2C8E-CEE9-4A35-B96A-BBA8AC9D2BB1}" destId="{62174BA3-17A2-40C2-A6E3-39AADDF9A4FA}" srcOrd="0" destOrd="0" presId="urn:microsoft.com/office/officeart/2005/8/layout/hProcess9"/>
+    <dgm:cxn modelId="{A6837A7D-C79D-4CED-8509-F9BE69D6F21C}" srcId="{095FFCB8-2037-4652-8389-840574AC88E9}" destId="{9F2EE37A-86DC-4D2E-B0AE-853D85DC468E}" srcOrd="5" destOrd="0" parTransId="{B767E75B-9C0C-413C-8117-7094EB12DC38}" sibTransId="{DA6FE9DD-452B-437F-A933-70F86463B44D}"/>
     <dgm:cxn modelId="{5570FE8F-99BA-48D6-9646-D74F257BC44C}" srcId="{095FFCB8-2037-4652-8389-840574AC88E9}" destId="{94472A77-E0DA-4216-938C-8F28A986A096}" srcOrd="1" destOrd="0" parTransId="{8BE6AFE7-C9CD-42BD-9247-4B0BC9DA4F8B}" sibTransId="{05A8A2D0-503F-43C5-BAE1-F8B0F739E00E}"/>
     <dgm:cxn modelId="{82D1BA99-6EC2-4C79-8C0A-AEBD7AFAF540}" srcId="{095FFCB8-2037-4652-8389-840574AC88E9}" destId="{2CBD2C8E-CEE9-4A35-B96A-BBA8AC9D2BB1}" srcOrd="3" destOrd="0" parTransId="{F1AFEF39-49D5-40AE-B53E-150D47327242}" sibTransId="{3EDDD97F-7E71-4E8B-BA85-651555C16F6F}"/>
     <dgm:cxn modelId="{25C41EC4-02DE-4D21-A71F-8B512024F435}" srcId="{095FFCB8-2037-4652-8389-840574AC88E9}" destId="{0AB8FABF-FB56-422C-8F07-8BC7D1D0E066}" srcOrd="0" destOrd="0" parTransId="{87F9E8D2-E571-42B6-8F08-8CCDD9910E83}" sibTransId="{0F14043A-E806-41CE-99AB-4D7B9C87B1A5}"/>
     <dgm:cxn modelId="{8B49A1E8-A3F3-441D-A8D3-C6956EC269BE}" type="presOf" srcId="{932453DF-8CEB-422B-8E69-0B5474075910}" destId="{8BEC28F8-DC8D-43D0-BB81-7CF1442B9EE1}" srcOrd="0" destOrd="0" presId="urn:microsoft.com/office/officeart/2005/8/layout/hProcess9"/>
+    <dgm:cxn modelId="{CD0F05ED-DE3E-4D80-838A-B3F8DB88EE87}" type="presOf" srcId="{9F2EE37A-86DC-4D2E-B0AE-853D85DC468E}" destId="{01680878-ECC5-4263-BA20-93906B5D7954}" srcOrd="0" destOrd="0" presId="urn:microsoft.com/office/officeart/2005/8/layout/hProcess9"/>
     <dgm:cxn modelId="{9DAC30FB-6469-4F10-9564-D7BD20AFA93F}" type="presOf" srcId="{94472A77-E0DA-4216-938C-8F28A986A096}" destId="{0F43F693-C6FB-410D-B7BE-FE9A4EE927D4}" srcOrd="0" destOrd="0" presId="urn:microsoft.com/office/officeart/2005/8/layout/hProcess9"/>
     <dgm:cxn modelId="{2FCD633B-ADAD-4E3A-B70C-78EFA58B4955}" type="presParOf" srcId="{F2E5BC16-7B83-46E0-A487-78C44DB12DF2}" destId="{2DDB6632-7505-42DC-AA16-58132FBA225E}" srcOrd="0" destOrd="0" presId="urn:microsoft.com/office/officeart/2005/8/layout/hProcess9"/>
     <dgm:cxn modelId="{022AB1D1-EC90-434E-AB10-8D0252EF59F8}" type="presParOf" srcId="{F2E5BC16-7B83-46E0-A487-78C44DB12DF2}" destId="{B3EEFE3A-89CB-4ED5-9CAC-9DD47637ACC3}" srcOrd="1" destOrd="0" presId="urn:microsoft.com/office/officeart/2005/8/layout/hProcess9"/>
@@ -4162,6 +4963,8 @@
     <dgm:cxn modelId="{0824310C-3424-4220-915D-280B92C1AE33}" type="presParOf" srcId="{B3EEFE3A-89CB-4ED5-9CAC-9DD47637ACC3}" destId="{62174BA3-17A2-40C2-A6E3-39AADDF9A4FA}" srcOrd="6" destOrd="0" presId="urn:microsoft.com/office/officeart/2005/8/layout/hProcess9"/>
     <dgm:cxn modelId="{7A1A4FCB-AB92-42CC-939C-AE7F704C60A9}" type="presParOf" srcId="{B3EEFE3A-89CB-4ED5-9CAC-9DD47637ACC3}" destId="{A791B75D-E3A7-43E0-BC37-70457669A910}" srcOrd="7" destOrd="0" presId="urn:microsoft.com/office/officeart/2005/8/layout/hProcess9"/>
     <dgm:cxn modelId="{BF2C1205-9CB9-46FB-877D-BFABD0491E01}" type="presParOf" srcId="{B3EEFE3A-89CB-4ED5-9CAC-9DD47637ACC3}" destId="{A4CAA7AB-EDED-400F-8880-563983D3A416}" srcOrd="8" destOrd="0" presId="urn:microsoft.com/office/officeart/2005/8/layout/hProcess9"/>
+    <dgm:cxn modelId="{D5E8483D-1CC1-425B-839B-5E2C5682E3EF}" type="presParOf" srcId="{B3EEFE3A-89CB-4ED5-9CAC-9DD47637ACC3}" destId="{AFDA743E-D7BF-436A-8C5E-94B12A492A90}" srcOrd="9" destOrd="0" presId="urn:microsoft.com/office/officeart/2005/8/layout/hProcess9"/>
+    <dgm:cxn modelId="{DC042876-E767-4514-999D-51773D73913B}" type="presParOf" srcId="{B3EEFE3A-89CB-4ED5-9CAC-9DD47637ACC3}" destId="{01680878-ECC5-4263-BA20-93906B5D7954}" srcOrd="10" destOrd="0" presId="urn:microsoft.com/office/officeart/2005/8/layout/hProcess9"/>
   </dgm:cxnLst>
   <dgm:bg/>
   <dgm:whole/>
@@ -4371,6 +5174,43 @@
         </a:p>
       </dgm:t>
     </dgm:pt>
+    <dgm:pt modelId="{3FFFF85B-125B-411C-A23C-6BC1D0685C53}">
+      <dgm:prSet/>
+      <dgm:spPr/>
+      <dgm:t>
+        <a:bodyPr/>
+        <a:lstStyle/>
+        <a:p>
+          <a:r>
+            <a:rPr lang="en-US"/>
+            <a:t>Why?</a:t>
+          </a:r>
+          <a:endParaRPr lang="en-US" dirty="0"/>
+        </a:p>
+      </dgm:t>
+    </dgm:pt>
+    <dgm:pt modelId="{314829DC-AE4B-4F0F-B32C-79F9B753F50A}" type="parTrans" cxnId="{28528546-D864-4269-800F-85F9D84AD24A}">
+      <dgm:prSet/>
+      <dgm:spPr/>
+      <dgm:t>
+        <a:bodyPr/>
+        <a:lstStyle/>
+        <a:p>
+          <a:endParaRPr lang="en-US"/>
+        </a:p>
+      </dgm:t>
+    </dgm:pt>
+    <dgm:pt modelId="{873E79D4-4EF6-4977-B6FC-F26C15E88BAC}" type="sibTrans" cxnId="{28528546-D864-4269-800F-85F9D84AD24A}">
+      <dgm:prSet/>
+      <dgm:spPr/>
+      <dgm:t>
+        <a:bodyPr/>
+        <a:lstStyle/>
+        <a:p>
+          <a:endParaRPr lang="en-US"/>
+        </a:p>
+      </dgm:t>
+    </dgm:pt>
     <dgm:pt modelId="{F2E5BC16-7B83-46E0-A487-78C44DB12DF2}" type="pres">
       <dgm:prSet presAssocID="{095FFCB8-2037-4652-8389-840574AC88E9}" presName="CompostProcess" presStyleCnt="0">
         <dgm:presLayoutVars>
@@ -4389,7 +5229,7 @@
       <dgm:spPr/>
     </dgm:pt>
     <dgm:pt modelId="{5A95907D-6C9B-48C2-ADCB-BE1DF163DB44}" type="pres">
-      <dgm:prSet presAssocID="{0AB8FABF-FB56-422C-8F07-8BC7D1D0E066}" presName="textNode" presStyleLbl="node1" presStyleIdx="0" presStyleCnt="5">
+      <dgm:prSet presAssocID="{0AB8FABF-FB56-422C-8F07-8BC7D1D0E066}" presName="textNode" presStyleLbl="node1" presStyleIdx="0" presStyleCnt="6">
         <dgm:presLayoutVars>
           <dgm:bulletEnabled val="1"/>
         </dgm:presLayoutVars>
@@ -4401,7 +5241,7 @@
       <dgm:spPr/>
     </dgm:pt>
     <dgm:pt modelId="{0F43F693-C6FB-410D-B7BE-FE9A4EE927D4}" type="pres">
-      <dgm:prSet presAssocID="{94472A77-E0DA-4216-938C-8F28A986A096}" presName="textNode" presStyleLbl="node1" presStyleIdx="1" presStyleCnt="5">
+      <dgm:prSet presAssocID="{94472A77-E0DA-4216-938C-8F28A986A096}" presName="textNode" presStyleLbl="node1" presStyleIdx="1" presStyleCnt="6">
         <dgm:presLayoutVars>
           <dgm:bulletEnabled val="1"/>
         </dgm:presLayoutVars>
@@ -4413,7 +5253,7 @@
       <dgm:spPr/>
     </dgm:pt>
     <dgm:pt modelId="{8BEC28F8-DC8D-43D0-BB81-7CF1442B9EE1}" type="pres">
-      <dgm:prSet presAssocID="{932453DF-8CEB-422B-8E69-0B5474075910}" presName="textNode" presStyleLbl="node1" presStyleIdx="2" presStyleCnt="5">
+      <dgm:prSet presAssocID="{932453DF-8CEB-422B-8E69-0B5474075910}" presName="textNode" presStyleLbl="node1" presStyleIdx="2" presStyleCnt="6">
         <dgm:presLayoutVars>
           <dgm:bulletEnabled val="1"/>
         </dgm:presLayoutVars>
@@ -4425,7 +5265,7 @@
       <dgm:spPr/>
     </dgm:pt>
     <dgm:pt modelId="{62174BA3-17A2-40C2-A6E3-39AADDF9A4FA}" type="pres">
-      <dgm:prSet presAssocID="{2CBD2C8E-CEE9-4A35-B96A-BBA8AC9D2BB1}" presName="textNode" presStyleLbl="node1" presStyleIdx="3" presStyleCnt="5">
+      <dgm:prSet presAssocID="{2CBD2C8E-CEE9-4A35-B96A-BBA8AC9D2BB1}" presName="textNode" presStyleLbl="node1" presStyleIdx="3" presStyleCnt="6">
         <dgm:presLayoutVars>
           <dgm:bulletEnabled val="1"/>
         </dgm:presLayoutVars>
@@ -4437,7 +5277,19 @@
       <dgm:spPr/>
     </dgm:pt>
     <dgm:pt modelId="{A4CAA7AB-EDED-400F-8880-563983D3A416}" type="pres">
-      <dgm:prSet presAssocID="{9D0245AC-A82B-49DD-AC42-B084A32A7D4A}" presName="textNode" presStyleLbl="node1" presStyleIdx="4" presStyleCnt="5">
+      <dgm:prSet presAssocID="{9D0245AC-A82B-49DD-AC42-B084A32A7D4A}" presName="textNode" presStyleLbl="node1" presStyleIdx="4" presStyleCnt="6">
+        <dgm:presLayoutVars>
+          <dgm:bulletEnabled val="1"/>
+        </dgm:presLayoutVars>
+      </dgm:prSet>
+      <dgm:spPr/>
+    </dgm:pt>
+    <dgm:pt modelId="{B4F30E6A-57CC-4E1E-A831-3F5450EEB477}" type="pres">
+      <dgm:prSet presAssocID="{993E51B0-2A5D-40EB-B732-3BDA542C9E75}" presName="sibTrans" presStyleCnt="0"/>
+      <dgm:spPr/>
+    </dgm:pt>
+    <dgm:pt modelId="{ADFA3215-0FC3-4E40-BD82-D67FCF054F96}" type="pres">
+      <dgm:prSet presAssocID="{3FFFF85B-125B-411C-A23C-6BC1D0685C53}" presName="textNode" presStyleLbl="node1" presStyleIdx="5" presStyleCnt="6">
         <dgm:presLayoutVars>
           <dgm:bulletEnabled val="1"/>
         </dgm:presLayoutVars>
@@ -4450,12 +5302,14 @@
     <dgm:cxn modelId="{5E53EA3B-EC89-45FB-BB88-13A0575B01BA}" srcId="{095FFCB8-2037-4652-8389-840574AC88E9}" destId="{932453DF-8CEB-422B-8E69-0B5474075910}" srcOrd="2" destOrd="0" parTransId="{C2BD43CF-94D3-4AB7-ABBF-70230989842B}" sibTransId="{3EFB0994-74AB-428E-B6F0-341815212DD6}"/>
     <dgm:cxn modelId="{98F3255B-D143-4375-83A9-7D4E8F12355B}" type="presOf" srcId="{0AB8FABF-FB56-422C-8F07-8BC7D1D0E066}" destId="{5A95907D-6C9B-48C2-ADCB-BE1DF163DB44}" srcOrd="0" destOrd="0" presId="urn:microsoft.com/office/officeart/2005/8/layout/hProcess9"/>
     <dgm:cxn modelId="{9107F260-CD18-49AF-8084-E8D6609EFE5F}" type="presOf" srcId="{9D0245AC-A82B-49DD-AC42-B084A32A7D4A}" destId="{A4CAA7AB-EDED-400F-8880-563983D3A416}" srcOrd="0" destOrd="0" presId="urn:microsoft.com/office/officeart/2005/8/layout/hProcess9"/>
+    <dgm:cxn modelId="{28528546-D864-4269-800F-85F9D84AD24A}" srcId="{095FFCB8-2037-4652-8389-840574AC88E9}" destId="{3FFFF85B-125B-411C-A23C-6BC1D0685C53}" srcOrd="5" destOrd="0" parTransId="{314829DC-AE4B-4F0F-B32C-79F9B753F50A}" sibTransId="{873E79D4-4EF6-4977-B6FC-F26C15E88BAC}"/>
     <dgm:cxn modelId="{AE600D55-EE69-497B-AAEF-4BA440A9D22F}" type="presOf" srcId="{095FFCB8-2037-4652-8389-840574AC88E9}" destId="{F2E5BC16-7B83-46E0-A487-78C44DB12DF2}" srcOrd="0" destOrd="0" presId="urn:microsoft.com/office/officeart/2005/8/layout/hProcess9"/>
     <dgm:cxn modelId="{1560C057-7EB7-4A01-A5FC-8AD418F0B7BD}" type="presOf" srcId="{2CBD2C8E-CEE9-4A35-B96A-BBA8AC9D2BB1}" destId="{62174BA3-17A2-40C2-A6E3-39AADDF9A4FA}" srcOrd="0" destOrd="0" presId="urn:microsoft.com/office/officeart/2005/8/layout/hProcess9"/>
     <dgm:cxn modelId="{5570FE8F-99BA-48D6-9646-D74F257BC44C}" srcId="{095FFCB8-2037-4652-8389-840574AC88E9}" destId="{94472A77-E0DA-4216-938C-8F28A986A096}" srcOrd="1" destOrd="0" parTransId="{8BE6AFE7-C9CD-42BD-9247-4B0BC9DA4F8B}" sibTransId="{05A8A2D0-503F-43C5-BAE1-F8B0F739E00E}"/>
     <dgm:cxn modelId="{82D1BA99-6EC2-4C79-8C0A-AEBD7AFAF540}" srcId="{095FFCB8-2037-4652-8389-840574AC88E9}" destId="{2CBD2C8E-CEE9-4A35-B96A-BBA8AC9D2BB1}" srcOrd="3" destOrd="0" parTransId="{F1AFEF39-49D5-40AE-B53E-150D47327242}" sibTransId="{3EDDD97F-7E71-4E8B-BA85-651555C16F6F}"/>
     <dgm:cxn modelId="{25C41EC4-02DE-4D21-A71F-8B512024F435}" srcId="{095FFCB8-2037-4652-8389-840574AC88E9}" destId="{0AB8FABF-FB56-422C-8F07-8BC7D1D0E066}" srcOrd="0" destOrd="0" parTransId="{87F9E8D2-E571-42B6-8F08-8CCDD9910E83}" sibTransId="{0F14043A-E806-41CE-99AB-4D7B9C87B1A5}"/>
     <dgm:cxn modelId="{8B49A1E8-A3F3-441D-A8D3-C6956EC269BE}" type="presOf" srcId="{932453DF-8CEB-422B-8E69-0B5474075910}" destId="{8BEC28F8-DC8D-43D0-BB81-7CF1442B9EE1}" srcOrd="0" destOrd="0" presId="urn:microsoft.com/office/officeart/2005/8/layout/hProcess9"/>
+    <dgm:cxn modelId="{86F8F5F2-8D8B-4539-853F-1C071BD8F7E3}" type="presOf" srcId="{3FFFF85B-125B-411C-A23C-6BC1D0685C53}" destId="{ADFA3215-0FC3-4E40-BD82-D67FCF054F96}" srcOrd="0" destOrd="0" presId="urn:microsoft.com/office/officeart/2005/8/layout/hProcess9"/>
     <dgm:cxn modelId="{9DAC30FB-6469-4F10-9564-D7BD20AFA93F}" type="presOf" srcId="{94472A77-E0DA-4216-938C-8F28A986A096}" destId="{0F43F693-C6FB-410D-B7BE-FE9A4EE927D4}" srcOrd="0" destOrd="0" presId="urn:microsoft.com/office/officeart/2005/8/layout/hProcess9"/>
     <dgm:cxn modelId="{2FCD633B-ADAD-4E3A-B70C-78EFA58B4955}" type="presParOf" srcId="{F2E5BC16-7B83-46E0-A487-78C44DB12DF2}" destId="{2DDB6632-7505-42DC-AA16-58132FBA225E}" srcOrd="0" destOrd="0" presId="urn:microsoft.com/office/officeart/2005/8/layout/hProcess9"/>
     <dgm:cxn modelId="{022AB1D1-EC90-434E-AB10-8D0252EF59F8}" type="presParOf" srcId="{F2E5BC16-7B83-46E0-A487-78C44DB12DF2}" destId="{B3EEFE3A-89CB-4ED5-9CAC-9DD47637ACC3}" srcOrd="1" destOrd="0" presId="urn:microsoft.com/office/officeart/2005/8/layout/hProcess9"/>
@@ -4468,6 +5322,8 @@
     <dgm:cxn modelId="{0824310C-3424-4220-915D-280B92C1AE33}" type="presParOf" srcId="{B3EEFE3A-89CB-4ED5-9CAC-9DD47637ACC3}" destId="{62174BA3-17A2-40C2-A6E3-39AADDF9A4FA}" srcOrd="6" destOrd="0" presId="urn:microsoft.com/office/officeart/2005/8/layout/hProcess9"/>
     <dgm:cxn modelId="{7A1A4FCB-AB92-42CC-939C-AE7F704C60A9}" type="presParOf" srcId="{B3EEFE3A-89CB-4ED5-9CAC-9DD47637ACC3}" destId="{A791B75D-E3A7-43E0-BC37-70457669A910}" srcOrd="7" destOrd="0" presId="urn:microsoft.com/office/officeart/2005/8/layout/hProcess9"/>
     <dgm:cxn modelId="{BF2C1205-9CB9-46FB-877D-BFABD0491E01}" type="presParOf" srcId="{B3EEFE3A-89CB-4ED5-9CAC-9DD47637ACC3}" destId="{A4CAA7AB-EDED-400F-8880-563983D3A416}" srcOrd="8" destOrd="0" presId="urn:microsoft.com/office/officeart/2005/8/layout/hProcess9"/>
+    <dgm:cxn modelId="{EBDBF14C-C52A-4A03-BD5C-438CF58D4E4C}" type="presParOf" srcId="{B3EEFE3A-89CB-4ED5-9CAC-9DD47637ACC3}" destId="{B4F30E6A-57CC-4E1E-A831-3F5450EEB477}" srcOrd="9" destOrd="0" presId="urn:microsoft.com/office/officeart/2005/8/layout/hProcess9"/>
+    <dgm:cxn modelId="{B64A5B64-586D-49D9-8799-1D367240F288}" type="presParOf" srcId="{B3EEFE3A-89CB-4ED5-9CAC-9DD47637ACC3}" destId="{ADFA3215-0FC3-4E40-BD82-D67FCF054F96}" srcOrd="10" destOrd="0" presId="urn:microsoft.com/office/officeart/2005/8/layout/hProcess9"/>
   </dgm:cxnLst>
   <dgm:bg/>
   <dgm:whole/>
@@ -4681,6 +5537,43 @@
         </a:p>
       </dgm:t>
     </dgm:pt>
+    <dgm:pt modelId="{D02D8234-68AA-4FDE-84E4-98CE9C42DB21}">
+      <dgm:prSet/>
+      <dgm:spPr/>
+      <dgm:t>
+        <a:bodyPr/>
+        <a:lstStyle/>
+        <a:p>
+          <a:r>
+            <a:rPr lang="en-US"/>
+            <a:t>Why?</a:t>
+          </a:r>
+          <a:endParaRPr lang="en-US" dirty="0"/>
+        </a:p>
+      </dgm:t>
+    </dgm:pt>
+    <dgm:pt modelId="{5E9B57D9-ECBF-4717-9A80-6F1938B33C53}" type="parTrans" cxnId="{87B14020-EC7E-4277-99D3-1FE05B5F942C}">
+      <dgm:prSet/>
+      <dgm:spPr/>
+      <dgm:t>
+        <a:bodyPr/>
+        <a:lstStyle/>
+        <a:p>
+          <a:endParaRPr lang="en-US"/>
+        </a:p>
+      </dgm:t>
+    </dgm:pt>
+    <dgm:pt modelId="{1323F7AD-93F8-42D4-86B1-127717E861DB}" type="sibTrans" cxnId="{87B14020-EC7E-4277-99D3-1FE05B5F942C}">
+      <dgm:prSet/>
+      <dgm:spPr/>
+      <dgm:t>
+        <a:bodyPr/>
+        <a:lstStyle/>
+        <a:p>
+          <a:endParaRPr lang="en-US"/>
+        </a:p>
+      </dgm:t>
+    </dgm:pt>
     <dgm:pt modelId="{F2E5BC16-7B83-46E0-A487-78C44DB12DF2}" type="pres">
       <dgm:prSet presAssocID="{095FFCB8-2037-4652-8389-840574AC88E9}" presName="CompostProcess" presStyleCnt="0">
         <dgm:presLayoutVars>
@@ -4699,7 +5592,7 @@
       <dgm:spPr/>
     </dgm:pt>
     <dgm:pt modelId="{5A95907D-6C9B-48C2-ADCB-BE1DF163DB44}" type="pres">
-      <dgm:prSet presAssocID="{0AB8FABF-FB56-422C-8F07-8BC7D1D0E066}" presName="textNode" presStyleLbl="node1" presStyleIdx="0" presStyleCnt="5">
+      <dgm:prSet presAssocID="{0AB8FABF-FB56-422C-8F07-8BC7D1D0E066}" presName="textNode" presStyleLbl="node1" presStyleIdx="0" presStyleCnt="6">
         <dgm:presLayoutVars>
           <dgm:bulletEnabled val="1"/>
         </dgm:presLayoutVars>
@@ -4711,7 +5604,7 @@
       <dgm:spPr/>
     </dgm:pt>
     <dgm:pt modelId="{0F43F693-C6FB-410D-B7BE-FE9A4EE927D4}" type="pres">
-      <dgm:prSet presAssocID="{94472A77-E0DA-4216-938C-8F28A986A096}" presName="textNode" presStyleLbl="node1" presStyleIdx="1" presStyleCnt="5">
+      <dgm:prSet presAssocID="{94472A77-E0DA-4216-938C-8F28A986A096}" presName="textNode" presStyleLbl="node1" presStyleIdx="1" presStyleCnt="6">
         <dgm:presLayoutVars>
           <dgm:bulletEnabled val="1"/>
         </dgm:presLayoutVars>
@@ -4723,7 +5616,7 @@
       <dgm:spPr/>
     </dgm:pt>
     <dgm:pt modelId="{8BEC28F8-DC8D-43D0-BB81-7CF1442B9EE1}" type="pres">
-      <dgm:prSet presAssocID="{932453DF-8CEB-422B-8E69-0B5474075910}" presName="textNode" presStyleLbl="node1" presStyleIdx="2" presStyleCnt="5">
+      <dgm:prSet presAssocID="{932453DF-8CEB-422B-8E69-0B5474075910}" presName="textNode" presStyleLbl="node1" presStyleIdx="2" presStyleCnt="6">
         <dgm:presLayoutVars>
           <dgm:bulletEnabled val="1"/>
         </dgm:presLayoutVars>
@@ -4735,7 +5628,7 @@
       <dgm:spPr/>
     </dgm:pt>
     <dgm:pt modelId="{62174BA3-17A2-40C2-A6E3-39AADDF9A4FA}" type="pres">
-      <dgm:prSet presAssocID="{2CBD2C8E-CEE9-4A35-B96A-BBA8AC9D2BB1}" presName="textNode" presStyleLbl="node1" presStyleIdx="3" presStyleCnt="5">
+      <dgm:prSet presAssocID="{2CBD2C8E-CEE9-4A35-B96A-BBA8AC9D2BB1}" presName="textNode" presStyleLbl="node1" presStyleIdx="3" presStyleCnt="6">
         <dgm:presLayoutVars>
           <dgm:bulletEnabled val="1"/>
         </dgm:presLayoutVars>
@@ -4747,7 +5640,19 @@
       <dgm:spPr/>
     </dgm:pt>
     <dgm:pt modelId="{A4CAA7AB-EDED-400F-8880-563983D3A416}" type="pres">
-      <dgm:prSet presAssocID="{9D0245AC-A82B-49DD-AC42-B084A32A7D4A}" presName="textNode" presStyleLbl="node1" presStyleIdx="4" presStyleCnt="5">
+      <dgm:prSet presAssocID="{9D0245AC-A82B-49DD-AC42-B084A32A7D4A}" presName="textNode" presStyleLbl="node1" presStyleIdx="4" presStyleCnt="6">
+        <dgm:presLayoutVars>
+          <dgm:bulletEnabled val="1"/>
+        </dgm:presLayoutVars>
+      </dgm:prSet>
+      <dgm:spPr/>
+    </dgm:pt>
+    <dgm:pt modelId="{5AD48DEB-9677-471C-AA6A-36A68EED6E38}" type="pres">
+      <dgm:prSet presAssocID="{993E51B0-2A5D-40EB-B732-3BDA542C9E75}" presName="sibTrans" presStyleCnt="0"/>
+      <dgm:spPr/>
+    </dgm:pt>
+    <dgm:pt modelId="{6C877BB7-AAAB-4867-A6E1-60DDDDE7DC0A}" type="pres">
+      <dgm:prSet presAssocID="{D02D8234-68AA-4FDE-84E4-98CE9C42DB21}" presName="textNode" presStyleLbl="node1" presStyleIdx="5" presStyleCnt="6">
         <dgm:presLayoutVars>
           <dgm:bulletEnabled val="1"/>
         </dgm:presLayoutVars>
@@ -4757,6 +5662,7 @@
   </dgm:ptLst>
   <dgm:cxnLst>
     <dgm:cxn modelId="{4EDCAF09-B0C5-4E2F-8DF4-0DEF12DC6946}" srcId="{095FFCB8-2037-4652-8389-840574AC88E9}" destId="{9D0245AC-A82B-49DD-AC42-B084A32A7D4A}" srcOrd="4" destOrd="0" parTransId="{4F3F1232-31D2-48DE-AD68-09F1325997AA}" sibTransId="{993E51B0-2A5D-40EB-B732-3BDA542C9E75}"/>
+    <dgm:cxn modelId="{87B14020-EC7E-4277-99D3-1FE05B5F942C}" srcId="{095FFCB8-2037-4652-8389-840574AC88E9}" destId="{D02D8234-68AA-4FDE-84E4-98CE9C42DB21}" srcOrd="5" destOrd="0" parTransId="{5E9B57D9-ECBF-4717-9A80-6F1938B33C53}" sibTransId="{1323F7AD-93F8-42D4-86B1-127717E861DB}"/>
     <dgm:cxn modelId="{5E53EA3B-EC89-45FB-BB88-13A0575B01BA}" srcId="{095FFCB8-2037-4652-8389-840574AC88E9}" destId="{932453DF-8CEB-422B-8E69-0B5474075910}" srcOrd="2" destOrd="0" parTransId="{C2BD43CF-94D3-4AB7-ABBF-70230989842B}" sibTransId="{3EFB0994-74AB-428E-B6F0-341815212DD6}"/>
     <dgm:cxn modelId="{98F3255B-D143-4375-83A9-7D4E8F12355B}" type="presOf" srcId="{0AB8FABF-FB56-422C-8F07-8BC7D1D0E066}" destId="{5A95907D-6C9B-48C2-ADCB-BE1DF163DB44}" srcOrd="0" destOrd="0" presId="urn:microsoft.com/office/officeart/2005/8/layout/hProcess9"/>
     <dgm:cxn modelId="{9107F260-CD18-49AF-8084-E8D6609EFE5F}" type="presOf" srcId="{9D0245AC-A82B-49DD-AC42-B084A32A7D4A}" destId="{A4CAA7AB-EDED-400F-8880-563983D3A416}" srcOrd="0" destOrd="0" presId="urn:microsoft.com/office/officeart/2005/8/layout/hProcess9"/>
@@ -4764,6 +5670,7 @@
     <dgm:cxn modelId="{1560C057-7EB7-4A01-A5FC-8AD418F0B7BD}" type="presOf" srcId="{2CBD2C8E-CEE9-4A35-B96A-BBA8AC9D2BB1}" destId="{62174BA3-17A2-40C2-A6E3-39AADDF9A4FA}" srcOrd="0" destOrd="0" presId="urn:microsoft.com/office/officeart/2005/8/layout/hProcess9"/>
     <dgm:cxn modelId="{5570FE8F-99BA-48D6-9646-D74F257BC44C}" srcId="{095FFCB8-2037-4652-8389-840574AC88E9}" destId="{94472A77-E0DA-4216-938C-8F28A986A096}" srcOrd="1" destOrd="0" parTransId="{8BE6AFE7-C9CD-42BD-9247-4B0BC9DA4F8B}" sibTransId="{05A8A2D0-503F-43C5-BAE1-F8B0F739E00E}"/>
     <dgm:cxn modelId="{82D1BA99-6EC2-4C79-8C0A-AEBD7AFAF540}" srcId="{095FFCB8-2037-4652-8389-840574AC88E9}" destId="{2CBD2C8E-CEE9-4A35-B96A-BBA8AC9D2BB1}" srcOrd="3" destOrd="0" parTransId="{F1AFEF39-49D5-40AE-B53E-150D47327242}" sibTransId="{3EDDD97F-7E71-4E8B-BA85-651555C16F6F}"/>
+    <dgm:cxn modelId="{3F128BA1-CB02-4637-ACBF-AAEED60E8987}" type="presOf" srcId="{D02D8234-68AA-4FDE-84E4-98CE9C42DB21}" destId="{6C877BB7-AAAB-4867-A6E1-60DDDDE7DC0A}" srcOrd="0" destOrd="0" presId="urn:microsoft.com/office/officeart/2005/8/layout/hProcess9"/>
     <dgm:cxn modelId="{25C41EC4-02DE-4D21-A71F-8B512024F435}" srcId="{095FFCB8-2037-4652-8389-840574AC88E9}" destId="{0AB8FABF-FB56-422C-8F07-8BC7D1D0E066}" srcOrd="0" destOrd="0" parTransId="{87F9E8D2-E571-42B6-8F08-8CCDD9910E83}" sibTransId="{0F14043A-E806-41CE-99AB-4D7B9C87B1A5}"/>
     <dgm:cxn modelId="{8B49A1E8-A3F3-441D-A8D3-C6956EC269BE}" type="presOf" srcId="{932453DF-8CEB-422B-8E69-0B5474075910}" destId="{8BEC28F8-DC8D-43D0-BB81-7CF1442B9EE1}" srcOrd="0" destOrd="0" presId="urn:microsoft.com/office/officeart/2005/8/layout/hProcess9"/>
     <dgm:cxn modelId="{9DAC30FB-6469-4F10-9564-D7BD20AFA93F}" type="presOf" srcId="{94472A77-E0DA-4216-938C-8F28A986A096}" destId="{0F43F693-C6FB-410D-B7BE-FE9A4EE927D4}" srcOrd="0" destOrd="0" presId="urn:microsoft.com/office/officeart/2005/8/layout/hProcess9"/>
@@ -4778,6 +5685,8 @@
     <dgm:cxn modelId="{0824310C-3424-4220-915D-280B92C1AE33}" type="presParOf" srcId="{B3EEFE3A-89CB-4ED5-9CAC-9DD47637ACC3}" destId="{62174BA3-17A2-40C2-A6E3-39AADDF9A4FA}" srcOrd="6" destOrd="0" presId="urn:microsoft.com/office/officeart/2005/8/layout/hProcess9"/>
     <dgm:cxn modelId="{7A1A4FCB-AB92-42CC-939C-AE7F704C60A9}" type="presParOf" srcId="{B3EEFE3A-89CB-4ED5-9CAC-9DD47637ACC3}" destId="{A791B75D-E3A7-43E0-BC37-70457669A910}" srcOrd="7" destOrd="0" presId="urn:microsoft.com/office/officeart/2005/8/layout/hProcess9"/>
     <dgm:cxn modelId="{BF2C1205-9CB9-46FB-877D-BFABD0491E01}" type="presParOf" srcId="{B3EEFE3A-89CB-4ED5-9CAC-9DD47637ACC3}" destId="{A4CAA7AB-EDED-400F-8880-563983D3A416}" srcOrd="8" destOrd="0" presId="urn:microsoft.com/office/officeart/2005/8/layout/hProcess9"/>
+    <dgm:cxn modelId="{E62C853C-697A-4F37-BC9B-076D28D0D1E3}" type="presParOf" srcId="{B3EEFE3A-89CB-4ED5-9CAC-9DD47637ACC3}" destId="{5AD48DEB-9677-471C-AA6A-36A68EED6E38}" srcOrd="9" destOrd="0" presId="urn:microsoft.com/office/officeart/2005/8/layout/hProcess9"/>
+    <dgm:cxn modelId="{5ACD4B38-A106-4633-9689-3A859061DF58}" type="presParOf" srcId="{B3EEFE3A-89CB-4ED5-9CAC-9DD47637ACC3}" destId="{6C877BB7-AAAB-4867-A6E1-60DDDDE7DC0A}" srcOrd="10" destOrd="0" presId="urn:microsoft.com/office/officeart/2005/8/layout/hProcess9"/>
   </dgm:cxnLst>
   <dgm:bg/>
   <dgm:whole/>
@@ -4994,6 +5903,43 @@
         </a:p>
       </dgm:t>
     </dgm:pt>
+    <dgm:pt modelId="{1DE4DF0F-78B6-4FB6-85F1-6BBC3FCF88AD}">
+      <dgm:prSet/>
+      <dgm:spPr/>
+      <dgm:t>
+        <a:bodyPr/>
+        <a:lstStyle/>
+        <a:p>
+          <a:r>
+            <a:rPr lang="en-US"/>
+            <a:t>Why?</a:t>
+          </a:r>
+          <a:endParaRPr lang="en-US" dirty="0"/>
+        </a:p>
+      </dgm:t>
+    </dgm:pt>
+    <dgm:pt modelId="{B6554CFD-502D-4AC1-A806-77B250100C49}" type="parTrans" cxnId="{80CAB22B-5F04-4FB6-B015-FEF5C0A730A3}">
+      <dgm:prSet/>
+      <dgm:spPr/>
+      <dgm:t>
+        <a:bodyPr/>
+        <a:lstStyle/>
+        <a:p>
+          <a:endParaRPr lang="en-US"/>
+        </a:p>
+      </dgm:t>
+    </dgm:pt>
+    <dgm:pt modelId="{56ACBC67-28BB-4461-9E80-DD91EE67EDEE}" type="sibTrans" cxnId="{80CAB22B-5F04-4FB6-B015-FEF5C0A730A3}">
+      <dgm:prSet/>
+      <dgm:spPr/>
+      <dgm:t>
+        <a:bodyPr/>
+        <a:lstStyle/>
+        <a:p>
+          <a:endParaRPr lang="en-US"/>
+        </a:p>
+      </dgm:t>
+    </dgm:pt>
     <dgm:pt modelId="{F2E5BC16-7B83-46E0-A487-78C44DB12DF2}" type="pres">
       <dgm:prSet presAssocID="{095FFCB8-2037-4652-8389-840574AC88E9}" presName="CompostProcess" presStyleCnt="0">
         <dgm:presLayoutVars>
@@ -5012,7 +5958,7 @@
       <dgm:spPr/>
     </dgm:pt>
     <dgm:pt modelId="{5A95907D-6C9B-48C2-ADCB-BE1DF163DB44}" type="pres">
-      <dgm:prSet presAssocID="{0AB8FABF-FB56-422C-8F07-8BC7D1D0E066}" presName="textNode" presStyleLbl="node1" presStyleIdx="0" presStyleCnt="5">
+      <dgm:prSet presAssocID="{0AB8FABF-FB56-422C-8F07-8BC7D1D0E066}" presName="textNode" presStyleLbl="node1" presStyleIdx="0" presStyleCnt="6">
         <dgm:presLayoutVars>
           <dgm:bulletEnabled val="1"/>
         </dgm:presLayoutVars>
@@ -5024,7 +5970,7 @@
       <dgm:spPr/>
     </dgm:pt>
     <dgm:pt modelId="{0F43F693-C6FB-410D-B7BE-FE9A4EE927D4}" type="pres">
-      <dgm:prSet presAssocID="{94472A77-E0DA-4216-938C-8F28A986A096}" presName="textNode" presStyleLbl="node1" presStyleIdx="1" presStyleCnt="5">
+      <dgm:prSet presAssocID="{94472A77-E0DA-4216-938C-8F28A986A096}" presName="textNode" presStyleLbl="node1" presStyleIdx="1" presStyleCnt="6">
         <dgm:presLayoutVars>
           <dgm:bulletEnabled val="1"/>
         </dgm:presLayoutVars>
@@ -5036,7 +5982,7 @@
       <dgm:spPr/>
     </dgm:pt>
     <dgm:pt modelId="{8BEC28F8-DC8D-43D0-BB81-7CF1442B9EE1}" type="pres">
-      <dgm:prSet presAssocID="{932453DF-8CEB-422B-8E69-0B5474075910}" presName="textNode" presStyleLbl="node1" presStyleIdx="2" presStyleCnt="5">
+      <dgm:prSet presAssocID="{932453DF-8CEB-422B-8E69-0B5474075910}" presName="textNode" presStyleLbl="node1" presStyleIdx="2" presStyleCnt="6">
         <dgm:presLayoutVars>
           <dgm:bulletEnabled val="1"/>
         </dgm:presLayoutVars>
@@ -5048,7 +5994,7 @@
       <dgm:spPr/>
     </dgm:pt>
     <dgm:pt modelId="{62174BA3-17A2-40C2-A6E3-39AADDF9A4FA}" type="pres">
-      <dgm:prSet presAssocID="{2CBD2C8E-CEE9-4A35-B96A-BBA8AC9D2BB1}" presName="textNode" presStyleLbl="node1" presStyleIdx="3" presStyleCnt="5">
+      <dgm:prSet presAssocID="{2CBD2C8E-CEE9-4A35-B96A-BBA8AC9D2BB1}" presName="textNode" presStyleLbl="node1" presStyleIdx="3" presStyleCnt="6">
         <dgm:presLayoutVars>
           <dgm:bulletEnabled val="1"/>
         </dgm:presLayoutVars>
@@ -5060,7 +6006,19 @@
       <dgm:spPr/>
     </dgm:pt>
     <dgm:pt modelId="{A4CAA7AB-EDED-400F-8880-563983D3A416}" type="pres">
-      <dgm:prSet presAssocID="{9D0245AC-A82B-49DD-AC42-B084A32A7D4A}" presName="textNode" presStyleLbl="node1" presStyleIdx="4" presStyleCnt="5">
+      <dgm:prSet presAssocID="{9D0245AC-A82B-49DD-AC42-B084A32A7D4A}" presName="textNode" presStyleLbl="node1" presStyleIdx="4" presStyleCnt="6">
+        <dgm:presLayoutVars>
+          <dgm:bulletEnabled val="1"/>
+        </dgm:presLayoutVars>
+      </dgm:prSet>
+      <dgm:spPr/>
+    </dgm:pt>
+    <dgm:pt modelId="{9C5A8D01-81B9-4ED2-836B-7E31CE65C325}" type="pres">
+      <dgm:prSet presAssocID="{993E51B0-2A5D-40EB-B732-3BDA542C9E75}" presName="sibTrans" presStyleCnt="0"/>
+      <dgm:spPr/>
+    </dgm:pt>
+    <dgm:pt modelId="{4B78E69C-3487-4D16-8573-CCD0D5227069}" type="pres">
+      <dgm:prSet presAssocID="{1DE4DF0F-78B6-4FB6-85F1-6BBC3FCF88AD}" presName="textNode" presStyleLbl="node1" presStyleIdx="5" presStyleCnt="6">
         <dgm:presLayoutVars>
           <dgm:bulletEnabled val="1"/>
         </dgm:presLayoutVars>
@@ -5070,6 +6028,7 @@
   </dgm:ptLst>
   <dgm:cxnLst>
     <dgm:cxn modelId="{4EDCAF09-B0C5-4E2F-8DF4-0DEF12DC6946}" srcId="{095FFCB8-2037-4652-8389-840574AC88E9}" destId="{9D0245AC-A82B-49DD-AC42-B084A32A7D4A}" srcOrd="4" destOrd="0" parTransId="{4F3F1232-31D2-48DE-AD68-09F1325997AA}" sibTransId="{993E51B0-2A5D-40EB-B732-3BDA542C9E75}"/>
+    <dgm:cxn modelId="{80CAB22B-5F04-4FB6-B015-FEF5C0A730A3}" srcId="{095FFCB8-2037-4652-8389-840574AC88E9}" destId="{1DE4DF0F-78B6-4FB6-85F1-6BBC3FCF88AD}" srcOrd="5" destOrd="0" parTransId="{B6554CFD-502D-4AC1-A806-77B250100C49}" sibTransId="{56ACBC67-28BB-4461-9E80-DD91EE67EDEE}"/>
     <dgm:cxn modelId="{5E53EA3B-EC89-45FB-BB88-13A0575B01BA}" srcId="{095FFCB8-2037-4652-8389-840574AC88E9}" destId="{932453DF-8CEB-422B-8E69-0B5474075910}" srcOrd="2" destOrd="0" parTransId="{C2BD43CF-94D3-4AB7-ABBF-70230989842B}" sibTransId="{3EFB0994-74AB-428E-B6F0-341815212DD6}"/>
     <dgm:cxn modelId="{98F3255B-D143-4375-83A9-7D4E8F12355B}" type="presOf" srcId="{0AB8FABF-FB56-422C-8F07-8BC7D1D0E066}" destId="{5A95907D-6C9B-48C2-ADCB-BE1DF163DB44}" srcOrd="0" destOrd="0" presId="urn:microsoft.com/office/officeart/2005/8/layout/hProcess9"/>
     <dgm:cxn modelId="{9107F260-CD18-49AF-8084-E8D6609EFE5F}" type="presOf" srcId="{9D0245AC-A82B-49DD-AC42-B084A32A7D4A}" destId="{A4CAA7AB-EDED-400F-8880-563983D3A416}" srcOrd="0" destOrd="0" presId="urn:microsoft.com/office/officeart/2005/8/layout/hProcess9"/>
@@ -5078,6 +6037,7 @@
     <dgm:cxn modelId="{5570FE8F-99BA-48D6-9646-D74F257BC44C}" srcId="{095FFCB8-2037-4652-8389-840574AC88E9}" destId="{94472A77-E0DA-4216-938C-8F28A986A096}" srcOrd="1" destOrd="0" parTransId="{8BE6AFE7-C9CD-42BD-9247-4B0BC9DA4F8B}" sibTransId="{05A8A2D0-503F-43C5-BAE1-F8B0F739E00E}"/>
     <dgm:cxn modelId="{82D1BA99-6EC2-4C79-8C0A-AEBD7AFAF540}" srcId="{095FFCB8-2037-4652-8389-840574AC88E9}" destId="{2CBD2C8E-CEE9-4A35-B96A-BBA8AC9D2BB1}" srcOrd="3" destOrd="0" parTransId="{F1AFEF39-49D5-40AE-B53E-150D47327242}" sibTransId="{3EDDD97F-7E71-4E8B-BA85-651555C16F6F}"/>
     <dgm:cxn modelId="{25C41EC4-02DE-4D21-A71F-8B512024F435}" srcId="{095FFCB8-2037-4652-8389-840574AC88E9}" destId="{0AB8FABF-FB56-422C-8F07-8BC7D1D0E066}" srcOrd="0" destOrd="0" parTransId="{87F9E8D2-E571-42B6-8F08-8CCDD9910E83}" sibTransId="{0F14043A-E806-41CE-99AB-4D7B9C87B1A5}"/>
+    <dgm:cxn modelId="{16C6F3E3-3041-4FAA-A952-C597241B1A9E}" type="presOf" srcId="{1DE4DF0F-78B6-4FB6-85F1-6BBC3FCF88AD}" destId="{4B78E69C-3487-4D16-8573-CCD0D5227069}" srcOrd="0" destOrd="0" presId="urn:microsoft.com/office/officeart/2005/8/layout/hProcess9"/>
     <dgm:cxn modelId="{8B49A1E8-A3F3-441D-A8D3-C6956EC269BE}" type="presOf" srcId="{932453DF-8CEB-422B-8E69-0B5474075910}" destId="{8BEC28F8-DC8D-43D0-BB81-7CF1442B9EE1}" srcOrd="0" destOrd="0" presId="urn:microsoft.com/office/officeart/2005/8/layout/hProcess9"/>
     <dgm:cxn modelId="{9DAC30FB-6469-4F10-9564-D7BD20AFA93F}" type="presOf" srcId="{94472A77-E0DA-4216-938C-8F28A986A096}" destId="{0F43F693-C6FB-410D-B7BE-FE9A4EE927D4}" srcOrd="0" destOrd="0" presId="urn:microsoft.com/office/officeart/2005/8/layout/hProcess9"/>
     <dgm:cxn modelId="{2FCD633B-ADAD-4E3A-B70C-78EFA58B4955}" type="presParOf" srcId="{F2E5BC16-7B83-46E0-A487-78C44DB12DF2}" destId="{2DDB6632-7505-42DC-AA16-58132FBA225E}" srcOrd="0" destOrd="0" presId="urn:microsoft.com/office/officeart/2005/8/layout/hProcess9"/>
@@ -5091,6 +6051,8 @@
     <dgm:cxn modelId="{0824310C-3424-4220-915D-280B92C1AE33}" type="presParOf" srcId="{B3EEFE3A-89CB-4ED5-9CAC-9DD47637ACC3}" destId="{62174BA3-17A2-40C2-A6E3-39AADDF9A4FA}" srcOrd="6" destOrd="0" presId="urn:microsoft.com/office/officeart/2005/8/layout/hProcess9"/>
     <dgm:cxn modelId="{7A1A4FCB-AB92-42CC-939C-AE7F704C60A9}" type="presParOf" srcId="{B3EEFE3A-89CB-4ED5-9CAC-9DD47637ACC3}" destId="{A791B75D-E3A7-43E0-BC37-70457669A910}" srcOrd="7" destOrd="0" presId="urn:microsoft.com/office/officeart/2005/8/layout/hProcess9"/>
     <dgm:cxn modelId="{BF2C1205-9CB9-46FB-877D-BFABD0491E01}" type="presParOf" srcId="{B3EEFE3A-89CB-4ED5-9CAC-9DD47637ACC3}" destId="{A4CAA7AB-EDED-400F-8880-563983D3A416}" srcOrd="8" destOrd="0" presId="urn:microsoft.com/office/officeart/2005/8/layout/hProcess9"/>
+    <dgm:cxn modelId="{1E2BD20A-A535-4377-BECD-904943F119D8}" type="presParOf" srcId="{B3EEFE3A-89CB-4ED5-9CAC-9DD47637ACC3}" destId="{9C5A8D01-81B9-4ED2-836B-7E31CE65C325}" srcOrd="9" destOrd="0" presId="urn:microsoft.com/office/officeart/2005/8/layout/hProcess9"/>
+    <dgm:cxn modelId="{06523194-0EED-4C15-B2C6-FC95192CC812}" type="presParOf" srcId="{B3EEFE3A-89CB-4ED5-9CAC-9DD47637ACC3}" destId="{4B78E69C-3487-4D16-8573-CCD0D5227069}" srcOrd="10" destOrd="0" presId="urn:microsoft.com/office/officeart/2005/8/layout/hProcess9"/>
   </dgm:cxnLst>
   <dgm:bg/>
   <dgm:whole/>
@@ -5310,6 +6272,43 @@
         </a:p>
       </dgm:t>
     </dgm:pt>
+    <dgm:pt modelId="{A8B93FC2-C5D7-4CCC-AE5F-CC13D371468B}">
+      <dgm:prSet/>
+      <dgm:spPr/>
+      <dgm:t>
+        <a:bodyPr/>
+        <a:lstStyle/>
+        <a:p>
+          <a:r>
+            <a:rPr lang="en-US"/>
+            <a:t>Why?</a:t>
+          </a:r>
+          <a:endParaRPr lang="en-US" dirty="0"/>
+        </a:p>
+      </dgm:t>
+    </dgm:pt>
+    <dgm:pt modelId="{3CADC38E-7C63-458E-B114-299CA7D32582}" type="parTrans" cxnId="{3A212040-D75F-4701-8228-8D41FAE9A5F6}">
+      <dgm:prSet/>
+      <dgm:spPr/>
+      <dgm:t>
+        <a:bodyPr/>
+        <a:lstStyle/>
+        <a:p>
+          <a:endParaRPr lang="en-US"/>
+        </a:p>
+      </dgm:t>
+    </dgm:pt>
+    <dgm:pt modelId="{7FD572D4-DCBC-4312-BF69-2CCF0B01A35A}" type="sibTrans" cxnId="{3A212040-D75F-4701-8228-8D41FAE9A5F6}">
+      <dgm:prSet/>
+      <dgm:spPr/>
+      <dgm:t>
+        <a:bodyPr/>
+        <a:lstStyle/>
+        <a:p>
+          <a:endParaRPr lang="en-US"/>
+        </a:p>
+      </dgm:t>
+    </dgm:pt>
     <dgm:pt modelId="{F2E5BC16-7B83-46E0-A487-78C44DB12DF2}" type="pres">
       <dgm:prSet presAssocID="{095FFCB8-2037-4652-8389-840574AC88E9}" presName="CompostProcess" presStyleCnt="0">
         <dgm:presLayoutVars>
@@ -5328,7 +6327,7 @@
       <dgm:spPr/>
     </dgm:pt>
     <dgm:pt modelId="{5A95907D-6C9B-48C2-ADCB-BE1DF163DB44}" type="pres">
-      <dgm:prSet presAssocID="{0AB8FABF-FB56-422C-8F07-8BC7D1D0E066}" presName="textNode" presStyleLbl="node1" presStyleIdx="0" presStyleCnt="5">
+      <dgm:prSet presAssocID="{0AB8FABF-FB56-422C-8F07-8BC7D1D0E066}" presName="textNode" presStyleLbl="node1" presStyleIdx="0" presStyleCnt="6">
         <dgm:presLayoutVars>
           <dgm:bulletEnabled val="1"/>
         </dgm:presLayoutVars>
@@ -5340,7 +6339,7 @@
       <dgm:spPr/>
     </dgm:pt>
     <dgm:pt modelId="{0F43F693-C6FB-410D-B7BE-FE9A4EE927D4}" type="pres">
-      <dgm:prSet presAssocID="{94472A77-E0DA-4216-938C-8F28A986A096}" presName="textNode" presStyleLbl="node1" presStyleIdx="1" presStyleCnt="5">
+      <dgm:prSet presAssocID="{94472A77-E0DA-4216-938C-8F28A986A096}" presName="textNode" presStyleLbl="node1" presStyleIdx="1" presStyleCnt="6">
         <dgm:presLayoutVars>
           <dgm:bulletEnabled val="1"/>
         </dgm:presLayoutVars>
@@ -5352,7 +6351,7 @@
       <dgm:spPr/>
     </dgm:pt>
     <dgm:pt modelId="{8BEC28F8-DC8D-43D0-BB81-7CF1442B9EE1}" type="pres">
-      <dgm:prSet presAssocID="{932453DF-8CEB-422B-8E69-0B5474075910}" presName="textNode" presStyleLbl="node1" presStyleIdx="2" presStyleCnt="5">
+      <dgm:prSet presAssocID="{932453DF-8CEB-422B-8E69-0B5474075910}" presName="textNode" presStyleLbl="node1" presStyleIdx="2" presStyleCnt="6">
         <dgm:presLayoutVars>
           <dgm:bulletEnabled val="1"/>
         </dgm:presLayoutVars>
@@ -5364,7 +6363,7 @@
       <dgm:spPr/>
     </dgm:pt>
     <dgm:pt modelId="{62174BA3-17A2-40C2-A6E3-39AADDF9A4FA}" type="pres">
-      <dgm:prSet presAssocID="{2CBD2C8E-CEE9-4A35-B96A-BBA8AC9D2BB1}" presName="textNode" presStyleLbl="node1" presStyleIdx="3" presStyleCnt="5">
+      <dgm:prSet presAssocID="{2CBD2C8E-CEE9-4A35-B96A-BBA8AC9D2BB1}" presName="textNode" presStyleLbl="node1" presStyleIdx="3" presStyleCnt="6">
         <dgm:presLayoutVars>
           <dgm:bulletEnabled val="1"/>
         </dgm:presLayoutVars>
@@ -5376,7 +6375,19 @@
       <dgm:spPr/>
     </dgm:pt>
     <dgm:pt modelId="{A4CAA7AB-EDED-400F-8880-563983D3A416}" type="pres">
-      <dgm:prSet presAssocID="{9D0245AC-A82B-49DD-AC42-B084A32A7D4A}" presName="textNode" presStyleLbl="node1" presStyleIdx="4" presStyleCnt="5">
+      <dgm:prSet presAssocID="{9D0245AC-A82B-49DD-AC42-B084A32A7D4A}" presName="textNode" presStyleLbl="node1" presStyleIdx="4" presStyleCnt="6">
+        <dgm:presLayoutVars>
+          <dgm:bulletEnabled val="1"/>
+        </dgm:presLayoutVars>
+      </dgm:prSet>
+      <dgm:spPr/>
+    </dgm:pt>
+    <dgm:pt modelId="{F0016921-37D7-43C4-A4B1-9BAF87E55C1A}" type="pres">
+      <dgm:prSet presAssocID="{993E51B0-2A5D-40EB-B732-3BDA542C9E75}" presName="sibTrans" presStyleCnt="0"/>
+      <dgm:spPr/>
+    </dgm:pt>
+    <dgm:pt modelId="{64FA50E1-3CCE-4005-BDA8-E010A0FA402A}" type="pres">
+      <dgm:prSet presAssocID="{A8B93FC2-C5D7-4CCC-AE5F-CC13D371468B}" presName="textNode" presStyleLbl="node1" presStyleIdx="5" presStyleCnt="6">
         <dgm:presLayoutVars>
           <dgm:bulletEnabled val="1"/>
         </dgm:presLayoutVars>
@@ -5387,8 +6398,381 @@
   <dgm:cxnLst>
     <dgm:cxn modelId="{4EDCAF09-B0C5-4E2F-8DF4-0DEF12DC6946}" srcId="{095FFCB8-2037-4652-8389-840574AC88E9}" destId="{9D0245AC-A82B-49DD-AC42-B084A32A7D4A}" srcOrd="4" destOrd="0" parTransId="{4F3F1232-31D2-48DE-AD68-09F1325997AA}" sibTransId="{993E51B0-2A5D-40EB-B732-3BDA542C9E75}"/>
     <dgm:cxn modelId="{5E53EA3B-EC89-45FB-BB88-13A0575B01BA}" srcId="{095FFCB8-2037-4652-8389-840574AC88E9}" destId="{932453DF-8CEB-422B-8E69-0B5474075910}" srcOrd="2" destOrd="0" parTransId="{C2BD43CF-94D3-4AB7-ABBF-70230989842B}" sibTransId="{3EFB0994-74AB-428E-B6F0-341815212DD6}"/>
+    <dgm:cxn modelId="{3A212040-D75F-4701-8228-8D41FAE9A5F6}" srcId="{095FFCB8-2037-4652-8389-840574AC88E9}" destId="{A8B93FC2-C5D7-4CCC-AE5F-CC13D371468B}" srcOrd="5" destOrd="0" parTransId="{3CADC38E-7C63-458E-B114-299CA7D32582}" sibTransId="{7FD572D4-DCBC-4312-BF69-2CCF0B01A35A}"/>
     <dgm:cxn modelId="{98F3255B-D143-4375-83A9-7D4E8F12355B}" type="presOf" srcId="{0AB8FABF-FB56-422C-8F07-8BC7D1D0E066}" destId="{5A95907D-6C9B-48C2-ADCB-BE1DF163DB44}" srcOrd="0" destOrd="0" presId="urn:microsoft.com/office/officeart/2005/8/layout/hProcess9"/>
     <dgm:cxn modelId="{9107F260-CD18-49AF-8084-E8D6609EFE5F}" type="presOf" srcId="{9D0245AC-A82B-49DD-AC42-B084A32A7D4A}" destId="{A4CAA7AB-EDED-400F-8880-563983D3A416}" srcOrd="0" destOrd="0" presId="urn:microsoft.com/office/officeart/2005/8/layout/hProcess9"/>
+    <dgm:cxn modelId="{AE600D55-EE69-497B-AAEF-4BA440A9D22F}" type="presOf" srcId="{095FFCB8-2037-4652-8389-840574AC88E9}" destId="{F2E5BC16-7B83-46E0-A487-78C44DB12DF2}" srcOrd="0" destOrd="0" presId="urn:microsoft.com/office/officeart/2005/8/layout/hProcess9"/>
+    <dgm:cxn modelId="{1560C057-7EB7-4A01-A5FC-8AD418F0B7BD}" type="presOf" srcId="{2CBD2C8E-CEE9-4A35-B96A-BBA8AC9D2BB1}" destId="{62174BA3-17A2-40C2-A6E3-39AADDF9A4FA}" srcOrd="0" destOrd="0" presId="urn:microsoft.com/office/officeart/2005/8/layout/hProcess9"/>
+    <dgm:cxn modelId="{2B9FF17F-8256-47FF-B2ED-339B0FE492DE}" type="presOf" srcId="{A8B93FC2-C5D7-4CCC-AE5F-CC13D371468B}" destId="{64FA50E1-3CCE-4005-BDA8-E010A0FA402A}" srcOrd="0" destOrd="0" presId="urn:microsoft.com/office/officeart/2005/8/layout/hProcess9"/>
+    <dgm:cxn modelId="{5570FE8F-99BA-48D6-9646-D74F257BC44C}" srcId="{095FFCB8-2037-4652-8389-840574AC88E9}" destId="{94472A77-E0DA-4216-938C-8F28A986A096}" srcOrd="1" destOrd="0" parTransId="{8BE6AFE7-C9CD-42BD-9247-4B0BC9DA4F8B}" sibTransId="{05A8A2D0-503F-43C5-BAE1-F8B0F739E00E}"/>
+    <dgm:cxn modelId="{82D1BA99-6EC2-4C79-8C0A-AEBD7AFAF540}" srcId="{095FFCB8-2037-4652-8389-840574AC88E9}" destId="{2CBD2C8E-CEE9-4A35-B96A-BBA8AC9D2BB1}" srcOrd="3" destOrd="0" parTransId="{F1AFEF39-49D5-40AE-B53E-150D47327242}" sibTransId="{3EDDD97F-7E71-4E8B-BA85-651555C16F6F}"/>
+    <dgm:cxn modelId="{25C41EC4-02DE-4D21-A71F-8B512024F435}" srcId="{095FFCB8-2037-4652-8389-840574AC88E9}" destId="{0AB8FABF-FB56-422C-8F07-8BC7D1D0E066}" srcOrd="0" destOrd="0" parTransId="{87F9E8D2-E571-42B6-8F08-8CCDD9910E83}" sibTransId="{0F14043A-E806-41CE-99AB-4D7B9C87B1A5}"/>
+    <dgm:cxn modelId="{8B49A1E8-A3F3-441D-A8D3-C6956EC269BE}" type="presOf" srcId="{932453DF-8CEB-422B-8E69-0B5474075910}" destId="{8BEC28F8-DC8D-43D0-BB81-7CF1442B9EE1}" srcOrd="0" destOrd="0" presId="urn:microsoft.com/office/officeart/2005/8/layout/hProcess9"/>
+    <dgm:cxn modelId="{9DAC30FB-6469-4F10-9564-D7BD20AFA93F}" type="presOf" srcId="{94472A77-E0DA-4216-938C-8F28A986A096}" destId="{0F43F693-C6FB-410D-B7BE-FE9A4EE927D4}" srcOrd="0" destOrd="0" presId="urn:microsoft.com/office/officeart/2005/8/layout/hProcess9"/>
+    <dgm:cxn modelId="{2FCD633B-ADAD-4E3A-B70C-78EFA58B4955}" type="presParOf" srcId="{F2E5BC16-7B83-46E0-A487-78C44DB12DF2}" destId="{2DDB6632-7505-42DC-AA16-58132FBA225E}" srcOrd="0" destOrd="0" presId="urn:microsoft.com/office/officeart/2005/8/layout/hProcess9"/>
+    <dgm:cxn modelId="{022AB1D1-EC90-434E-AB10-8D0252EF59F8}" type="presParOf" srcId="{F2E5BC16-7B83-46E0-A487-78C44DB12DF2}" destId="{B3EEFE3A-89CB-4ED5-9CAC-9DD47637ACC3}" srcOrd="1" destOrd="0" presId="urn:microsoft.com/office/officeart/2005/8/layout/hProcess9"/>
+    <dgm:cxn modelId="{2C05CDDC-43E6-4F0D-9CAB-363B0BFD9120}" type="presParOf" srcId="{B3EEFE3A-89CB-4ED5-9CAC-9DD47637ACC3}" destId="{5A95907D-6C9B-48C2-ADCB-BE1DF163DB44}" srcOrd="0" destOrd="0" presId="urn:microsoft.com/office/officeart/2005/8/layout/hProcess9"/>
+    <dgm:cxn modelId="{710F41BD-EF51-477C-9FA9-A71A7E8DB359}" type="presParOf" srcId="{B3EEFE3A-89CB-4ED5-9CAC-9DD47637ACC3}" destId="{66BBBA1A-DBAE-41F5-87DF-08DAFA37B805}" srcOrd="1" destOrd="0" presId="urn:microsoft.com/office/officeart/2005/8/layout/hProcess9"/>
+    <dgm:cxn modelId="{734FCD2E-9065-4E95-AEED-9988320A0FAA}" type="presParOf" srcId="{B3EEFE3A-89CB-4ED5-9CAC-9DD47637ACC3}" destId="{0F43F693-C6FB-410D-B7BE-FE9A4EE927D4}" srcOrd="2" destOrd="0" presId="urn:microsoft.com/office/officeart/2005/8/layout/hProcess9"/>
+    <dgm:cxn modelId="{ABD5001E-8B15-4EC1-9A75-18E8BF71A641}" type="presParOf" srcId="{B3EEFE3A-89CB-4ED5-9CAC-9DD47637ACC3}" destId="{742436F2-F18D-410B-A801-C8F8D4F231CA}" srcOrd="3" destOrd="0" presId="urn:microsoft.com/office/officeart/2005/8/layout/hProcess9"/>
+    <dgm:cxn modelId="{1655240E-472F-44A7-970E-A00D9D7138E0}" type="presParOf" srcId="{B3EEFE3A-89CB-4ED5-9CAC-9DD47637ACC3}" destId="{8BEC28F8-DC8D-43D0-BB81-7CF1442B9EE1}" srcOrd="4" destOrd="0" presId="urn:microsoft.com/office/officeart/2005/8/layout/hProcess9"/>
+    <dgm:cxn modelId="{E035471B-78B2-496A-A36B-5274F235056C}" type="presParOf" srcId="{B3EEFE3A-89CB-4ED5-9CAC-9DD47637ACC3}" destId="{00CF9A37-937F-493F-A11F-3882B381D9A2}" srcOrd="5" destOrd="0" presId="urn:microsoft.com/office/officeart/2005/8/layout/hProcess9"/>
+    <dgm:cxn modelId="{0824310C-3424-4220-915D-280B92C1AE33}" type="presParOf" srcId="{B3EEFE3A-89CB-4ED5-9CAC-9DD47637ACC3}" destId="{62174BA3-17A2-40C2-A6E3-39AADDF9A4FA}" srcOrd="6" destOrd="0" presId="urn:microsoft.com/office/officeart/2005/8/layout/hProcess9"/>
+    <dgm:cxn modelId="{7A1A4FCB-AB92-42CC-939C-AE7F704C60A9}" type="presParOf" srcId="{B3EEFE3A-89CB-4ED5-9CAC-9DD47637ACC3}" destId="{A791B75D-E3A7-43E0-BC37-70457669A910}" srcOrd="7" destOrd="0" presId="urn:microsoft.com/office/officeart/2005/8/layout/hProcess9"/>
+    <dgm:cxn modelId="{BF2C1205-9CB9-46FB-877D-BFABD0491E01}" type="presParOf" srcId="{B3EEFE3A-89CB-4ED5-9CAC-9DD47637ACC3}" destId="{A4CAA7AB-EDED-400F-8880-563983D3A416}" srcOrd="8" destOrd="0" presId="urn:microsoft.com/office/officeart/2005/8/layout/hProcess9"/>
+    <dgm:cxn modelId="{9B66DDE6-70EE-42E4-B2B5-CB5BCEC971E2}" type="presParOf" srcId="{B3EEFE3A-89CB-4ED5-9CAC-9DD47637ACC3}" destId="{F0016921-37D7-43C4-A4B1-9BAF87E55C1A}" srcOrd="9" destOrd="0" presId="urn:microsoft.com/office/officeart/2005/8/layout/hProcess9"/>
+    <dgm:cxn modelId="{68703C3E-C6F1-4DC0-AC49-CB4C2290ABB0}" type="presParOf" srcId="{B3EEFE3A-89CB-4ED5-9CAC-9DD47637ACC3}" destId="{64FA50E1-3CCE-4005-BDA8-E010A0FA402A}" srcOrd="10" destOrd="0" presId="urn:microsoft.com/office/officeart/2005/8/layout/hProcess9"/>
+  </dgm:cxnLst>
+  <dgm:bg/>
+  <dgm:whole/>
+  <dgm:extLst>
+    <a:ext uri="http://schemas.microsoft.com/office/drawing/2008/diagram">
+      <dsp:dataModelExt xmlns:dsp="http://schemas.microsoft.com/office/drawing/2008/diagram" relId="rId6" minVer="http://schemas.openxmlformats.org/drawingml/2006/diagram"/>
+    </a:ext>
+  </dgm:extLst>
+</dgm:dataModel>
+</file>
+
+<file path=ppt/diagrams/data6.xml><?xml version="1.0" encoding="utf-8"?>
+<dgm:dataModel xmlns:dgm="http://schemas.openxmlformats.org/drawingml/2006/diagram" xmlns:a="http://schemas.openxmlformats.org/drawingml/2006/main">
+  <dgm:ptLst>
+    <dgm:pt modelId="{095FFCB8-2037-4652-8389-840574AC88E9}" type="doc">
+      <dgm:prSet loTypeId="urn:microsoft.com/office/officeart/2005/8/layout/hProcess9" loCatId="process" qsTypeId="urn:microsoft.com/office/officeart/2005/8/quickstyle/simple1" qsCatId="simple" csTypeId="urn:microsoft.com/office/officeart/2005/8/colors/accent1_2" csCatId="accent1" phldr="1"/>
+      <dgm:spPr/>
+    </dgm:pt>
+    <dgm:pt modelId="{0AB8FABF-FB56-422C-8F07-8BC7D1D0E066}">
+      <dgm:prSet phldrT="[Text]"/>
+      <dgm:spPr>
+        <a:solidFill>
+          <a:srgbClr val="FF0000"/>
+        </a:solidFill>
+      </dgm:spPr>
+      <dgm:t>
+        <a:bodyPr/>
+        <a:lstStyle/>
+        <a:p>
+          <a:r>
+            <a:rPr lang="en-US" dirty="0"/>
+            <a:t>Why?</a:t>
+          </a:r>
+        </a:p>
+      </dgm:t>
+    </dgm:pt>
+    <dgm:pt modelId="{87F9E8D2-E571-42B6-8F08-8CCDD9910E83}" type="parTrans" cxnId="{25C41EC4-02DE-4D21-A71F-8B512024F435}">
+      <dgm:prSet/>
+      <dgm:spPr/>
+      <dgm:t>
+        <a:bodyPr/>
+        <a:lstStyle/>
+        <a:p>
+          <a:endParaRPr lang="en-US"/>
+        </a:p>
+      </dgm:t>
+    </dgm:pt>
+    <dgm:pt modelId="{0F14043A-E806-41CE-99AB-4D7B9C87B1A5}" type="sibTrans" cxnId="{25C41EC4-02DE-4D21-A71F-8B512024F435}">
+      <dgm:prSet/>
+      <dgm:spPr/>
+      <dgm:t>
+        <a:bodyPr/>
+        <a:lstStyle/>
+        <a:p>
+          <a:endParaRPr lang="en-US"/>
+        </a:p>
+      </dgm:t>
+    </dgm:pt>
+    <dgm:pt modelId="{94472A77-E0DA-4216-938C-8F28A986A096}">
+      <dgm:prSet/>
+      <dgm:spPr>
+        <a:solidFill>
+          <a:srgbClr val="FF0000"/>
+        </a:solidFill>
+      </dgm:spPr>
+      <dgm:t>
+        <a:bodyPr/>
+        <a:lstStyle/>
+        <a:p>
+          <a:r>
+            <a:rPr lang="en-US" dirty="0"/>
+            <a:t>Why?</a:t>
+          </a:r>
+        </a:p>
+      </dgm:t>
+    </dgm:pt>
+    <dgm:pt modelId="{8BE6AFE7-C9CD-42BD-9247-4B0BC9DA4F8B}" type="parTrans" cxnId="{5570FE8F-99BA-48D6-9646-D74F257BC44C}">
+      <dgm:prSet/>
+      <dgm:spPr/>
+      <dgm:t>
+        <a:bodyPr/>
+        <a:lstStyle/>
+        <a:p>
+          <a:endParaRPr lang="en-US"/>
+        </a:p>
+      </dgm:t>
+    </dgm:pt>
+    <dgm:pt modelId="{05A8A2D0-503F-43C5-BAE1-F8B0F739E00E}" type="sibTrans" cxnId="{5570FE8F-99BA-48D6-9646-D74F257BC44C}">
+      <dgm:prSet/>
+      <dgm:spPr/>
+      <dgm:t>
+        <a:bodyPr/>
+        <a:lstStyle/>
+        <a:p>
+          <a:endParaRPr lang="en-US"/>
+        </a:p>
+      </dgm:t>
+    </dgm:pt>
+    <dgm:pt modelId="{932453DF-8CEB-422B-8E69-0B5474075910}">
+      <dgm:prSet/>
+      <dgm:spPr>
+        <a:solidFill>
+          <a:srgbClr val="FF0000"/>
+        </a:solidFill>
+      </dgm:spPr>
+      <dgm:t>
+        <a:bodyPr/>
+        <a:lstStyle/>
+        <a:p>
+          <a:r>
+            <a:rPr lang="en-US" dirty="0"/>
+            <a:t>Why?</a:t>
+          </a:r>
+        </a:p>
+      </dgm:t>
+    </dgm:pt>
+    <dgm:pt modelId="{C2BD43CF-94D3-4AB7-ABBF-70230989842B}" type="parTrans" cxnId="{5E53EA3B-EC89-45FB-BB88-13A0575B01BA}">
+      <dgm:prSet/>
+      <dgm:spPr/>
+      <dgm:t>
+        <a:bodyPr/>
+        <a:lstStyle/>
+        <a:p>
+          <a:endParaRPr lang="en-US"/>
+        </a:p>
+      </dgm:t>
+    </dgm:pt>
+    <dgm:pt modelId="{3EFB0994-74AB-428E-B6F0-341815212DD6}" type="sibTrans" cxnId="{5E53EA3B-EC89-45FB-BB88-13A0575B01BA}">
+      <dgm:prSet/>
+      <dgm:spPr/>
+      <dgm:t>
+        <a:bodyPr/>
+        <a:lstStyle/>
+        <a:p>
+          <a:endParaRPr lang="en-US"/>
+        </a:p>
+      </dgm:t>
+    </dgm:pt>
+    <dgm:pt modelId="{2CBD2C8E-CEE9-4A35-B96A-BBA8AC9D2BB1}">
+      <dgm:prSet/>
+      <dgm:spPr>
+        <a:solidFill>
+          <a:srgbClr val="FF0000"/>
+        </a:solidFill>
+      </dgm:spPr>
+      <dgm:t>
+        <a:bodyPr/>
+        <a:lstStyle/>
+        <a:p>
+          <a:r>
+            <a:rPr lang="en-US" dirty="0"/>
+            <a:t>Why?</a:t>
+          </a:r>
+        </a:p>
+      </dgm:t>
+    </dgm:pt>
+    <dgm:pt modelId="{F1AFEF39-49D5-40AE-B53E-150D47327242}" type="parTrans" cxnId="{82D1BA99-6EC2-4C79-8C0A-AEBD7AFAF540}">
+      <dgm:prSet/>
+      <dgm:spPr/>
+      <dgm:t>
+        <a:bodyPr/>
+        <a:lstStyle/>
+        <a:p>
+          <a:endParaRPr lang="en-US"/>
+        </a:p>
+      </dgm:t>
+    </dgm:pt>
+    <dgm:pt modelId="{3EDDD97F-7E71-4E8B-BA85-651555C16F6F}" type="sibTrans" cxnId="{82D1BA99-6EC2-4C79-8C0A-AEBD7AFAF540}">
+      <dgm:prSet/>
+      <dgm:spPr/>
+      <dgm:t>
+        <a:bodyPr/>
+        <a:lstStyle/>
+        <a:p>
+          <a:endParaRPr lang="en-US"/>
+        </a:p>
+      </dgm:t>
+    </dgm:pt>
+    <dgm:pt modelId="{9D0245AC-A82B-49DD-AC42-B084A32A7D4A}">
+      <dgm:prSet/>
+      <dgm:spPr>
+        <a:solidFill>
+          <a:srgbClr val="FF0000"/>
+        </a:solidFill>
+      </dgm:spPr>
+      <dgm:t>
+        <a:bodyPr/>
+        <a:lstStyle/>
+        <a:p>
+          <a:r>
+            <a:rPr lang="en-US" dirty="0"/>
+            <a:t>Why?</a:t>
+          </a:r>
+        </a:p>
+      </dgm:t>
+    </dgm:pt>
+    <dgm:pt modelId="{4F3F1232-31D2-48DE-AD68-09F1325997AA}" type="parTrans" cxnId="{4EDCAF09-B0C5-4E2F-8DF4-0DEF12DC6946}">
+      <dgm:prSet/>
+      <dgm:spPr/>
+      <dgm:t>
+        <a:bodyPr/>
+        <a:lstStyle/>
+        <a:p>
+          <a:endParaRPr lang="en-US"/>
+        </a:p>
+      </dgm:t>
+    </dgm:pt>
+    <dgm:pt modelId="{993E51B0-2A5D-40EB-B732-3BDA542C9E75}" type="sibTrans" cxnId="{4EDCAF09-B0C5-4E2F-8DF4-0DEF12DC6946}">
+      <dgm:prSet/>
+      <dgm:spPr/>
+      <dgm:t>
+        <a:bodyPr/>
+        <a:lstStyle/>
+        <a:p>
+          <a:endParaRPr lang="en-US"/>
+        </a:p>
+      </dgm:t>
+    </dgm:pt>
+    <dgm:pt modelId="{F13B91FC-EAF4-4AE3-B2B8-A9BC5623F79A}">
+      <dgm:prSet/>
+      <dgm:spPr>
+        <a:solidFill>
+          <a:srgbClr val="FF0000"/>
+        </a:solidFill>
+      </dgm:spPr>
+      <dgm:t>
+        <a:bodyPr/>
+        <a:lstStyle/>
+        <a:p>
+          <a:r>
+            <a:rPr lang="en-US" dirty="0"/>
+            <a:t>Why?</a:t>
+          </a:r>
+        </a:p>
+      </dgm:t>
+    </dgm:pt>
+    <dgm:pt modelId="{B60BEA02-3DCA-4316-A99F-FFCCCA7A4131}" type="parTrans" cxnId="{DB67DB64-4224-43BD-9E9A-41F03AB4387F}">
+      <dgm:prSet/>
+      <dgm:spPr/>
+      <dgm:t>
+        <a:bodyPr/>
+        <a:lstStyle/>
+        <a:p>
+          <a:endParaRPr lang="en-US"/>
+        </a:p>
+      </dgm:t>
+    </dgm:pt>
+    <dgm:pt modelId="{5B0EDBF7-6AE3-42E9-9B8B-D70735653A21}" type="sibTrans" cxnId="{DB67DB64-4224-43BD-9E9A-41F03AB4387F}">
+      <dgm:prSet/>
+      <dgm:spPr/>
+      <dgm:t>
+        <a:bodyPr/>
+        <a:lstStyle/>
+        <a:p>
+          <a:endParaRPr lang="en-US"/>
+        </a:p>
+      </dgm:t>
+    </dgm:pt>
+    <dgm:pt modelId="{F2E5BC16-7B83-46E0-A487-78C44DB12DF2}" type="pres">
+      <dgm:prSet presAssocID="{095FFCB8-2037-4652-8389-840574AC88E9}" presName="CompostProcess" presStyleCnt="0">
+        <dgm:presLayoutVars>
+          <dgm:dir/>
+          <dgm:resizeHandles val="exact"/>
+        </dgm:presLayoutVars>
+      </dgm:prSet>
+      <dgm:spPr/>
+    </dgm:pt>
+    <dgm:pt modelId="{2DDB6632-7505-42DC-AA16-58132FBA225E}" type="pres">
+      <dgm:prSet presAssocID="{095FFCB8-2037-4652-8389-840574AC88E9}" presName="arrow" presStyleLbl="bgShp" presStyleIdx="0" presStyleCnt="1"/>
+      <dgm:spPr/>
+    </dgm:pt>
+    <dgm:pt modelId="{B3EEFE3A-89CB-4ED5-9CAC-9DD47637ACC3}" type="pres">
+      <dgm:prSet presAssocID="{095FFCB8-2037-4652-8389-840574AC88E9}" presName="linearProcess" presStyleCnt="0"/>
+      <dgm:spPr/>
+    </dgm:pt>
+    <dgm:pt modelId="{5A95907D-6C9B-48C2-ADCB-BE1DF163DB44}" type="pres">
+      <dgm:prSet presAssocID="{0AB8FABF-FB56-422C-8F07-8BC7D1D0E066}" presName="textNode" presStyleLbl="node1" presStyleIdx="0" presStyleCnt="6">
+        <dgm:presLayoutVars>
+          <dgm:bulletEnabled val="1"/>
+        </dgm:presLayoutVars>
+      </dgm:prSet>
+      <dgm:spPr/>
+    </dgm:pt>
+    <dgm:pt modelId="{66BBBA1A-DBAE-41F5-87DF-08DAFA37B805}" type="pres">
+      <dgm:prSet presAssocID="{0F14043A-E806-41CE-99AB-4D7B9C87B1A5}" presName="sibTrans" presStyleCnt="0"/>
+      <dgm:spPr/>
+    </dgm:pt>
+    <dgm:pt modelId="{0F43F693-C6FB-410D-B7BE-FE9A4EE927D4}" type="pres">
+      <dgm:prSet presAssocID="{94472A77-E0DA-4216-938C-8F28A986A096}" presName="textNode" presStyleLbl="node1" presStyleIdx="1" presStyleCnt="6">
+        <dgm:presLayoutVars>
+          <dgm:bulletEnabled val="1"/>
+        </dgm:presLayoutVars>
+      </dgm:prSet>
+      <dgm:spPr/>
+    </dgm:pt>
+    <dgm:pt modelId="{742436F2-F18D-410B-A801-C8F8D4F231CA}" type="pres">
+      <dgm:prSet presAssocID="{05A8A2D0-503F-43C5-BAE1-F8B0F739E00E}" presName="sibTrans" presStyleCnt="0"/>
+      <dgm:spPr/>
+    </dgm:pt>
+    <dgm:pt modelId="{8BEC28F8-DC8D-43D0-BB81-7CF1442B9EE1}" type="pres">
+      <dgm:prSet presAssocID="{932453DF-8CEB-422B-8E69-0B5474075910}" presName="textNode" presStyleLbl="node1" presStyleIdx="2" presStyleCnt="6">
+        <dgm:presLayoutVars>
+          <dgm:bulletEnabled val="1"/>
+        </dgm:presLayoutVars>
+      </dgm:prSet>
+      <dgm:spPr/>
+    </dgm:pt>
+    <dgm:pt modelId="{00CF9A37-937F-493F-A11F-3882B381D9A2}" type="pres">
+      <dgm:prSet presAssocID="{3EFB0994-74AB-428E-B6F0-341815212DD6}" presName="sibTrans" presStyleCnt="0"/>
+      <dgm:spPr/>
+    </dgm:pt>
+    <dgm:pt modelId="{62174BA3-17A2-40C2-A6E3-39AADDF9A4FA}" type="pres">
+      <dgm:prSet presAssocID="{2CBD2C8E-CEE9-4A35-B96A-BBA8AC9D2BB1}" presName="textNode" presStyleLbl="node1" presStyleIdx="3" presStyleCnt="6">
+        <dgm:presLayoutVars>
+          <dgm:bulletEnabled val="1"/>
+        </dgm:presLayoutVars>
+      </dgm:prSet>
+      <dgm:spPr/>
+    </dgm:pt>
+    <dgm:pt modelId="{A791B75D-E3A7-43E0-BC37-70457669A910}" type="pres">
+      <dgm:prSet presAssocID="{3EDDD97F-7E71-4E8B-BA85-651555C16F6F}" presName="sibTrans" presStyleCnt="0"/>
+      <dgm:spPr/>
+    </dgm:pt>
+    <dgm:pt modelId="{A4CAA7AB-EDED-400F-8880-563983D3A416}" type="pres">
+      <dgm:prSet presAssocID="{9D0245AC-A82B-49DD-AC42-B084A32A7D4A}" presName="textNode" presStyleLbl="node1" presStyleIdx="4" presStyleCnt="6">
+        <dgm:presLayoutVars>
+          <dgm:bulletEnabled val="1"/>
+        </dgm:presLayoutVars>
+      </dgm:prSet>
+      <dgm:spPr/>
+    </dgm:pt>
+    <dgm:pt modelId="{F8084811-AC7F-4A20-A3F5-8F8263DDF28A}" type="pres">
+      <dgm:prSet presAssocID="{993E51B0-2A5D-40EB-B732-3BDA542C9E75}" presName="sibTrans" presStyleCnt="0"/>
+      <dgm:spPr/>
+    </dgm:pt>
+    <dgm:pt modelId="{26D1C832-E268-46BD-9BA8-FC2301449206}" type="pres">
+      <dgm:prSet presAssocID="{F13B91FC-EAF4-4AE3-B2B8-A9BC5623F79A}" presName="textNode" presStyleLbl="node1" presStyleIdx="5" presStyleCnt="6">
+        <dgm:presLayoutVars>
+          <dgm:bulletEnabled val="1"/>
+        </dgm:presLayoutVars>
+      </dgm:prSet>
+      <dgm:spPr/>
+    </dgm:pt>
+  </dgm:ptLst>
+  <dgm:cxnLst>
+    <dgm:cxn modelId="{8CDAD107-6293-4A85-A24D-CDACA6BE99AE}" type="presOf" srcId="{F13B91FC-EAF4-4AE3-B2B8-A9BC5623F79A}" destId="{26D1C832-E268-46BD-9BA8-FC2301449206}" srcOrd="0" destOrd="0" presId="urn:microsoft.com/office/officeart/2005/8/layout/hProcess9"/>
+    <dgm:cxn modelId="{4EDCAF09-B0C5-4E2F-8DF4-0DEF12DC6946}" srcId="{095FFCB8-2037-4652-8389-840574AC88E9}" destId="{9D0245AC-A82B-49DD-AC42-B084A32A7D4A}" srcOrd="4" destOrd="0" parTransId="{4F3F1232-31D2-48DE-AD68-09F1325997AA}" sibTransId="{993E51B0-2A5D-40EB-B732-3BDA542C9E75}"/>
+    <dgm:cxn modelId="{5E53EA3B-EC89-45FB-BB88-13A0575B01BA}" srcId="{095FFCB8-2037-4652-8389-840574AC88E9}" destId="{932453DF-8CEB-422B-8E69-0B5474075910}" srcOrd="2" destOrd="0" parTransId="{C2BD43CF-94D3-4AB7-ABBF-70230989842B}" sibTransId="{3EFB0994-74AB-428E-B6F0-341815212DD6}"/>
+    <dgm:cxn modelId="{98F3255B-D143-4375-83A9-7D4E8F12355B}" type="presOf" srcId="{0AB8FABF-FB56-422C-8F07-8BC7D1D0E066}" destId="{5A95907D-6C9B-48C2-ADCB-BE1DF163DB44}" srcOrd="0" destOrd="0" presId="urn:microsoft.com/office/officeart/2005/8/layout/hProcess9"/>
+    <dgm:cxn modelId="{9107F260-CD18-49AF-8084-E8D6609EFE5F}" type="presOf" srcId="{9D0245AC-A82B-49DD-AC42-B084A32A7D4A}" destId="{A4CAA7AB-EDED-400F-8880-563983D3A416}" srcOrd="0" destOrd="0" presId="urn:microsoft.com/office/officeart/2005/8/layout/hProcess9"/>
+    <dgm:cxn modelId="{DB67DB64-4224-43BD-9E9A-41F03AB4387F}" srcId="{095FFCB8-2037-4652-8389-840574AC88E9}" destId="{F13B91FC-EAF4-4AE3-B2B8-A9BC5623F79A}" srcOrd="5" destOrd="0" parTransId="{B60BEA02-3DCA-4316-A99F-FFCCCA7A4131}" sibTransId="{5B0EDBF7-6AE3-42E9-9B8B-D70735653A21}"/>
     <dgm:cxn modelId="{AE600D55-EE69-497B-AAEF-4BA440A9D22F}" type="presOf" srcId="{095FFCB8-2037-4652-8389-840574AC88E9}" destId="{F2E5BC16-7B83-46E0-A487-78C44DB12DF2}" srcOrd="0" destOrd="0" presId="urn:microsoft.com/office/officeart/2005/8/layout/hProcess9"/>
     <dgm:cxn modelId="{1560C057-7EB7-4A01-A5FC-8AD418F0B7BD}" type="presOf" srcId="{2CBD2C8E-CEE9-4A35-B96A-BBA8AC9D2BB1}" destId="{62174BA3-17A2-40C2-A6E3-39AADDF9A4FA}" srcOrd="0" destOrd="0" presId="urn:microsoft.com/office/officeart/2005/8/layout/hProcess9"/>
     <dgm:cxn modelId="{5570FE8F-99BA-48D6-9646-D74F257BC44C}" srcId="{095FFCB8-2037-4652-8389-840574AC88E9}" destId="{94472A77-E0DA-4216-938C-8F28A986A096}" srcOrd="1" destOrd="0" parTransId="{8BE6AFE7-C9CD-42BD-9247-4B0BC9DA4F8B}" sibTransId="{05A8A2D0-503F-43C5-BAE1-F8B0F739E00E}"/>
@@ -5407,6 +6791,8 @@
     <dgm:cxn modelId="{0824310C-3424-4220-915D-280B92C1AE33}" type="presParOf" srcId="{B3EEFE3A-89CB-4ED5-9CAC-9DD47637ACC3}" destId="{62174BA3-17A2-40C2-A6E3-39AADDF9A4FA}" srcOrd="6" destOrd="0" presId="urn:microsoft.com/office/officeart/2005/8/layout/hProcess9"/>
     <dgm:cxn modelId="{7A1A4FCB-AB92-42CC-939C-AE7F704C60A9}" type="presParOf" srcId="{B3EEFE3A-89CB-4ED5-9CAC-9DD47637ACC3}" destId="{A791B75D-E3A7-43E0-BC37-70457669A910}" srcOrd="7" destOrd="0" presId="urn:microsoft.com/office/officeart/2005/8/layout/hProcess9"/>
     <dgm:cxn modelId="{BF2C1205-9CB9-46FB-877D-BFABD0491E01}" type="presParOf" srcId="{B3EEFE3A-89CB-4ED5-9CAC-9DD47637ACC3}" destId="{A4CAA7AB-EDED-400F-8880-563983D3A416}" srcOrd="8" destOrd="0" presId="urn:microsoft.com/office/officeart/2005/8/layout/hProcess9"/>
+    <dgm:cxn modelId="{B0CB7799-9EA5-403D-95F9-5051730CF9D5}" type="presParOf" srcId="{B3EEFE3A-89CB-4ED5-9CAC-9DD47637ACC3}" destId="{F8084811-AC7F-4A20-A3F5-8F8263DDF28A}" srcOrd="9" destOrd="0" presId="urn:microsoft.com/office/officeart/2005/8/layout/hProcess9"/>
+    <dgm:cxn modelId="{177BB06F-8E19-41EB-9A25-17867AA7C301}" type="presParOf" srcId="{B3EEFE3A-89CB-4ED5-9CAC-9DD47637ACC3}" destId="{26D1C832-E268-46BD-9BA8-FC2301449206}" srcOrd="10" destOrd="0" presId="urn:microsoft.com/office/officeart/2005/8/layout/hProcess9"/>
   </dgm:cxnLst>
   <dgm:bg/>
   <dgm:whole/>
@@ -5473,8 +6859,8 @@
       </dsp:nvSpPr>
       <dsp:spPr>
         <a:xfrm>
-          <a:off x="6759" y="1625600"/>
-          <a:ext cx="1443508" cy="2167466"/>
+          <a:off x="3943" y="1625600"/>
+          <a:ext cx="1198240" cy="2167466"/>
         </a:xfrm>
         <a:prstGeom prst="roundRect">
           <a:avLst/>
@@ -5511,12 +6897,12 @@
         </a:fontRef>
       </dsp:style>
       <dsp:txBody>
-        <a:bodyPr spcFirstLastPara="0" vert="horz" wrap="square" lIns="133350" tIns="133350" rIns="133350" bIns="133350" numCol="1" spcCol="1270" anchor="ctr" anchorCtr="0">
+        <a:bodyPr spcFirstLastPara="0" vert="horz" wrap="square" lIns="110490" tIns="110490" rIns="110490" bIns="110490" numCol="1" spcCol="1270" anchor="ctr" anchorCtr="0">
           <a:noAutofit/>
         </a:bodyPr>
         <a:lstStyle/>
         <a:p>
-          <a:pPr marL="0" lvl="0" indent="0" algn="ctr" defTabSz="1555750">
+          <a:pPr marL="0" lvl="0" indent="0" algn="ctr" defTabSz="1289050">
             <a:lnSpc>
               <a:spcPct val="90000"/>
             </a:lnSpc>
@@ -5529,14 +6915,14 @@
             <a:buNone/>
           </a:pPr>
           <a:r>
-            <a:rPr lang="en-US" sz="3500" kern="1200" dirty="0"/>
+            <a:rPr lang="en-US" sz="2900" kern="1200" dirty="0"/>
             <a:t>Why?</a:t>
           </a:r>
         </a:p>
       </dsp:txBody>
       <dsp:txXfrm>
-        <a:off x="77225" y="1696066"/>
-        <a:ext cx="1302576" cy="2026534"/>
+        <a:off x="62436" y="1684093"/>
+        <a:ext cx="1081254" cy="2050480"/>
       </dsp:txXfrm>
     </dsp:sp>
     <dsp:sp modelId="{0F43F693-C6FB-410D-B7BE-FE9A4EE927D4}">
@@ -5546,8 +6932,8 @@
       </dsp:nvSpPr>
       <dsp:spPr>
         <a:xfrm>
-          <a:off x="1674502" y="1625600"/>
-          <a:ext cx="1443508" cy="2167466"/>
+          <a:off x="1388318" y="1625600"/>
+          <a:ext cx="1198240" cy="2167466"/>
         </a:xfrm>
         <a:prstGeom prst="roundRect">
           <a:avLst/>
@@ -5589,12 +6975,12 @@
         </a:fontRef>
       </dsp:style>
       <dsp:txBody>
-        <a:bodyPr spcFirstLastPara="0" vert="horz" wrap="square" lIns="133350" tIns="133350" rIns="133350" bIns="133350" numCol="1" spcCol="1270" anchor="ctr" anchorCtr="0">
+        <a:bodyPr spcFirstLastPara="0" vert="horz" wrap="square" lIns="110490" tIns="110490" rIns="110490" bIns="110490" numCol="1" spcCol="1270" anchor="ctr" anchorCtr="0">
           <a:noAutofit/>
         </a:bodyPr>
         <a:lstStyle/>
         <a:p>
-          <a:pPr marL="0" lvl="0" indent="0" algn="ctr" defTabSz="1555750">
+          <a:pPr marL="0" lvl="0" indent="0" algn="ctr" defTabSz="1289050">
             <a:lnSpc>
               <a:spcPct val="90000"/>
             </a:lnSpc>
@@ -5607,15 +6993,15 @@
             <a:buNone/>
           </a:pPr>
           <a:r>
-            <a:rPr lang="en-US" sz="3500" kern="1200"/>
+            <a:rPr lang="en-US" sz="2900" kern="1200"/>
             <a:t>Why?</a:t>
           </a:r>
-          <a:endParaRPr lang="en-US" sz="3500" kern="1200" dirty="0"/>
+          <a:endParaRPr lang="en-US" sz="2900" kern="1200" dirty="0"/>
         </a:p>
       </dsp:txBody>
       <dsp:txXfrm>
-        <a:off x="1744968" y="1696066"/>
-        <a:ext cx="1302576" cy="2026534"/>
+        <a:off x="1446811" y="1684093"/>
+        <a:ext cx="1081254" cy="2050480"/>
       </dsp:txXfrm>
     </dsp:sp>
     <dsp:sp modelId="{8BEC28F8-DC8D-43D0-BB81-7CF1442B9EE1}">
@@ -5625,8 +7011,8 @@
       </dsp:nvSpPr>
       <dsp:spPr>
         <a:xfrm>
-          <a:off x="3342245" y="1625600"/>
-          <a:ext cx="1443508" cy="2167466"/>
+          <a:off x="2772692" y="1625600"/>
+          <a:ext cx="1198240" cy="2167466"/>
         </a:xfrm>
         <a:prstGeom prst="roundRect">
           <a:avLst/>
@@ -5668,12 +7054,12 @@
         </a:fontRef>
       </dsp:style>
       <dsp:txBody>
-        <a:bodyPr spcFirstLastPara="0" vert="horz" wrap="square" lIns="133350" tIns="133350" rIns="133350" bIns="133350" numCol="1" spcCol="1270" anchor="ctr" anchorCtr="0">
+        <a:bodyPr spcFirstLastPara="0" vert="horz" wrap="square" lIns="110490" tIns="110490" rIns="110490" bIns="110490" numCol="1" spcCol="1270" anchor="ctr" anchorCtr="0">
           <a:noAutofit/>
         </a:bodyPr>
         <a:lstStyle/>
         <a:p>
-          <a:pPr marL="0" lvl="0" indent="0" algn="ctr" defTabSz="1555750">
+          <a:pPr marL="0" lvl="0" indent="0" algn="ctr" defTabSz="1289050">
             <a:lnSpc>
               <a:spcPct val="90000"/>
             </a:lnSpc>
@@ -5686,15 +7072,15 @@
             <a:buNone/>
           </a:pPr>
           <a:r>
-            <a:rPr lang="en-US" sz="3500" kern="1200"/>
+            <a:rPr lang="en-US" sz="2900" kern="1200"/>
             <a:t>Why?</a:t>
           </a:r>
-          <a:endParaRPr lang="en-US" sz="3500" kern="1200" dirty="0"/>
+          <a:endParaRPr lang="en-US" sz="2900" kern="1200" dirty="0"/>
         </a:p>
       </dsp:txBody>
       <dsp:txXfrm>
-        <a:off x="3412711" y="1696066"/>
-        <a:ext cx="1302576" cy="2026534"/>
+        <a:off x="2831185" y="1684093"/>
+        <a:ext cx="1081254" cy="2050480"/>
       </dsp:txXfrm>
     </dsp:sp>
     <dsp:sp modelId="{62174BA3-17A2-40C2-A6E3-39AADDF9A4FA}">
@@ -5704,8 +7090,8 @@
       </dsp:nvSpPr>
       <dsp:spPr>
         <a:xfrm>
-          <a:off x="5009988" y="1625600"/>
-          <a:ext cx="1443508" cy="2167466"/>
+          <a:off x="4157067" y="1625600"/>
+          <a:ext cx="1198240" cy="2167466"/>
         </a:xfrm>
         <a:prstGeom prst="roundRect">
           <a:avLst/>
@@ -5747,12 +7133,12 @@
         </a:fontRef>
       </dsp:style>
       <dsp:txBody>
-        <a:bodyPr spcFirstLastPara="0" vert="horz" wrap="square" lIns="133350" tIns="133350" rIns="133350" bIns="133350" numCol="1" spcCol="1270" anchor="ctr" anchorCtr="0">
+        <a:bodyPr spcFirstLastPara="0" vert="horz" wrap="square" lIns="110490" tIns="110490" rIns="110490" bIns="110490" numCol="1" spcCol="1270" anchor="ctr" anchorCtr="0">
           <a:noAutofit/>
         </a:bodyPr>
         <a:lstStyle/>
         <a:p>
-          <a:pPr marL="0" lvl="0" indent="0" algn="ctr" defTabSz="1555750">
+          <a:pPr marL="0" lvl="0" indent="0" algn="ctr" defTabSz="1289050">
             <a:lnSpc>
               <a:spcPct val="90000"/>
             </a:lnSpc>
@@ -5765,15 +7151,15 @@
             <a:buNone/>
           </a:pPr>
           <a:r>
-            <a:rPr lang="en-US" sz="3500" kern="1200"/>
+            <a:rPr lang="en-US" sz="2900" kern="1200"/>
             <a:t>Why?</a:t>
           </a:r>
-          <a:endParaRPr lang="en-US" sz="3500" kern="1200" dirty="0"/>
+          <a:endParaRPr lang="en-US" sz="2900" kern="1200" dirty="0"/>
         </a:p>
       </dsp:txBody>
       <dsp:txXfrm>
-        <a:off x="5080454" y="1696066"/>
-        <a:ext cx="1302576" cy="2026534"/>
+        <a:off x="4215560" y="1684093"/>
+        <a:ext cx="1081254" cy="2050480"/>
       </dsp:txXfrm>
     </dsp:sp>
     <dsp:sp modelId="{A4CAA7AB-EDED-400F-8880-563983D3A416}">
@@ -5783,8 +7169,8 @@
       </dsp:nvSpPr>
       <dsp:spPr>
         <a:xfrm>
-          <a:off x="6677731" y="1625600"/>
-          <a:ext cx="1443508" cy="2167466"/>
+          <a:off x="5541441" y="1625600"/>
+          <a:ext cx="1198240" cy="2167466"/>
         </a:xfrm>
         <a:prstGeom prst="roundRect">
           <a:avLst/>
@@ -5826,12 +7212,12 @@
         </a:fontRef>
       </dsp:style>
       <dsp:txBody>
-        <a:bodyPr spcFirstLastPara="0" vert="horz" wrap="square" lIns="133350" tIns="133350" rIns="133350" bIns="133350" numCol="1" spcCol="1270" anchor="ctr" anchorCtr="0">
+        <a:bodyPr spcFirstLastPara="0" vert="horz" wrap="square" lIns="110490" tIns="110490" rIns="110490" bIns="110490" numCol="1" spcCol="1270" anchor="ctr" anchorCtr="0">
           <a:noAutofit/>
         </a:bodyPr>
         <a:lstStyle/>
         <a:p>
-          <a:pPr marL="0" lvl="0" indent="0" algn="ctr" defTabSz="1555750">
+          <a:pPr marL="0" lvl="0" indent="0" algn="ctr" defTabSz="1289050">
             <a:lnSpc>
               <a:spcPct val="90000"/>
             </a:lnSpc>
@@ -5844,15 +7230,93 @@
             <a:buNone/>
           </a:pPr>
           <a:r>
-            <a:rPr lang="en-US" sz="3500" kern="1200"/>
+            <a:rPr lang="en-US" sz="2900" kern="1200" dirty="0"/>
             <a:t>Why?</a:t>
           </a:r>
-          <a:endParaRPr lang="en-US" sz="3500" kern="1200" dirty="0"/>
         </a:p>
       </dsp:txBody>
       <dsp:txXfrm>
-        <a:off x="6748197" y="1696066"/>
-        <a:ext cx="1302576" cy="2026534"/>
+        <a:off x="5599934" y="1684093"/>
+        <a:ext cx="1081254" cy="2050480"/>
+      </dsp:txXfrm>
+    </dsp:sp>
+    <dsp:sp modelId="{01680878-ECC5-4263-BA20-93906B5D7954}">
+      <dsp:nvSpPr>
+        <dsp:cNvPr id="0" name=""/>
+        <dsp:cNvSpPr/>
+      </dsp:nvSpPr>
+      <dsp:spPr>
+        <a:xfrm>
+          <a:off x="6925816" y="1625600"/>
+          <a:ext cx="1198240" cy="2167466"/>
+        </a:xfrm>
+        <a:prstGeom prst="roundRect">
+          <a:avLst/>
+        </a:prstGeom>
+        <a:solidFill>
+          <a:schemeClr val="accent1">
+            <a:hueOff val="0"/>
+            <a:satOff val="0"/>
+            <a:lumOff val="0"/>
+            <a:alphaOff val="0"/>
+          </a:schemeClr>
+        </a:solidFill>
+        <a:ln w="12700" cap="flat" cmpd="sng" algn="ctr">
+          <a:solidFill>
+            <a:schemeClr val="lt1">
+              <a:hueOff val="0"/>
+              <a:satOff val="0"/>
+              <a:lumOff val="0"/>
+              <a:alphaOff val="0"/>
+            </a:schemeClr>
+          </a:solidFill>
+          <a:prstDash val="solid"/>
+          <a:miter lim="800000"/>
+        </a:ln>
+        <a:effectLst/>
+      </dsp:spPr>
+      <dsp:style>
+        <a:lnRef idx="2">
+          <a:scrgbClr r="0" g="0" b="0"/>
+        </a:lnRef>
+        <a:fillRef idx="1">
+          <a:scrgbClr r="0" g="0" b="0"/>
+        </a:fillRef>
+        <a:effectRef idx="0">
+          <a:scrgbClr r="0" g="0" b="0"/>
+        </a:effectRef>
+        <a:fontRef idx="minor">
+          <a:schemeClr val="lt1"/>
+        </a:fontRef>
+      </dsp:style>
+      <dsp:txBody>
+        <a:bodyPr spcFirstLastPara="0" vert="horz" wrap="square" lIns="110490" tIns="110490" rIns="110490" bIns="110490" numCol="1" spcCol="1270" anchor="ctr" anchorCtr="0">
+          <a:noAutofit/>
+        </a:bodyPr>
+        <a:lstStyle/>
+        <a:p>
+          <a:pPr marL="0" lvl="0" indent="0" algn="ctr" defTabSz="1289050">
+            <a:lnSpc>
+              <a:spcPct val="90000"/>
+            </a:lnSpc>
+            <a:spcBef>
+              <a:spcPct val="0"/>
+            </a:spcBef>
+            <a:spcAft>
+              <a:spcPct val="35000"/>
+            </a:spcAft>
+            <a:buNone/>
+          </a:pPr>
+          <a:r>
+            <a:rPr lang="en-US" sz="2900" kern="1200"/>
+            <a:t>Why?</a:t>
+          </a:r>
+          <a:endParaRPr lang="en-US" sz="2900" kern="1200" dirty="0"/>
+        </a:p>
+      </dsp:txBody>
+      <dsp:txXfrm>
+        <a:off x="6984309" y="1684093"/>
+        <a:ext cx="1081254" cy="2050480"/>
       </dsp:txXfrm>
     </dsp:sp>
   </dsp:spTree>
@@ -5914,8 +7378,8 @@
       </dsp:nvSpPr>
       <dsp:spPr>
         <a:xfrm>
-          <a:off x="6759" y="1625600"/>
-          <a:ext cx="1443508" cy="2167466"/>
+          <a:off x="3943" y="1625600"/>
+          <a:ext cx="1198240" cy="2167466"/>
         </a:xfrm>
         <a:prstGeom prst="roundRect">
           <a:avLst/>
@@ -5952,12 +7416,12 @@
         </a:fontRef>
       </dsp:style>
       <dsp:txBody>
-        <a:bodyPr spcFirstLastPara="0" vert="horz" wrap="square" lIns="133350" tIns="133350" rIns="133350" bIns="133350" numCol="1" spcCol="1270" anchor="ctr" anchorCtr="0">
+        <a:bodyPr spcFirstLastPara="0" vert="horz" wrap="square" lIns="110490" tIns="110490" rIns="110490" bIns="110490" numCol="1" spcCol="1270" anchor="ctr" anchorCtr="0">
           <a:noAutofit/>
         </a:bodyPr>
         <a:lstStyle/>
         <a:p>
-          <a:pPr marL="0" lvl="0" indent="0" algn="ctr" defTabSz="1555750">
+          <a:pPr marL="0" lvl="0" indent="0" algn="ctr" defTabSz="1289050">
             <a:lnSpc>
               <a:spcPct val="90000"/>
             </a:lnSpc>
@@ -5970,14 +7434,14 @@
             <a:buNone/>
           </a:pPr>
           <a:r>
-            <a:rPr lang="en-US" sz="3500" kern="1200" dirty="0"/>
+            <a:rPr lang="en-US" sz="2900" kern="1200" dirty="0"/>
             <a:t>Why?</a:t>
           </a:r>
         </a:p>
       </dsp:txBody>
       <dsp:txXfrm>
-        <a:off x="77225" y="1696066"/>
-        <a:ext cx="1302576" cy="2026534"/>
+        <a:off x="62436" y="1684093"/>
+        <a:ext cx="1081254" cy="2050480"/>
       </dsp:txXfrm>
     </dsp:sp>
     <dsp:sp modelId="{0F43F693-C6FB-410D-B7BE-FE9A4EE927D4}">
@@ -5987,8 +7451,8 @@
       </dsp:nvSpPr>
       <dsp:spPr>
         <a:xfrm>
-          <a:off x="1674502" y="1625600"/>
-          <a:ext cx="1443508" cy="2167466"/>
+          <a:off x="1388318" y="1625600"/>
+          <a:ext cx="1198240" cy="2167466"/>
         </a:xfrm>
         <a:prstGeom prst="roundRect">
           <a:avLst/>
@@ -6025,12 +7489,12 @@
         </a:fontRef>
       </dsp:style>
       <dsp:txBody>
-        <a:bodyPr spcFirstLastPara="0" vert="horz" wrap="square" lIns="133350" tIns="133350" rIns="133350" bIns="133350" numCol="1" spcCol="1270" anchor="ctr" anchorCtr="0">
+        <a:bodyPr spcFirstLastPara="0" vert="horz" wrap="square" lIns="110490" tIns="110490" rIns="110490" bIns="110490" numCol="1" spcCol="1270" anchor="ctr" anchorCtr="0">
           <a:noAutofit/>
         </a:bodyPr>
         <a:lstStyle/>
         <a:p>
-          <a:pPr marL="0" lvl="0" indent="0" algn="ctr" defTabSz="1555750">
+          <a:pPr marL="0" lvl="0" indent="0" algn="ctr" defTabSz="1289050">
             <a:lnSpc>
               <a:spcPct val="90000"/>
             </a:lnSpc>
@@ -6043,14 +7507,14 @@
             <a:buNone/>
           </a:pPr>
           <a:r>
-            <a:rPr lang="en-US" sz="3500" kern="1200" dirty="0"/>
+            <a:rPr lang="en-US" sz="2900" kern="1200" dirty="0"/>
             <a:t>Why?</a:t>
           </a:r>
         </a:p>
       </dsp:txBody>
       <dsp:txXfrm>
-        <a:off x="1744968" y="1696066"/>
-        <a:ext cx="1302576" cy="2026534"/>
+        <a:off x="1446811" y="1684093"/>
+        <a:ext cx="1081254" cy="2050480"/>
       </dsp:txXfrm>
     </dsp:sp>
     <dsp:sp modelId="{8BEC28F8-DC8D-43D0-BB81-7CF1442B9EE1}">
@@ -6060,8 +7524,8 @@
       </dsp:nvSpPr>
       <dsp:spPr>
         <a:xfrm>
-          <a:off x="3342245" y="1625600"/>
-          <a:ext cx="1443508" cy="2167466"/>
+          <a:off x="2772692" y="1625600"/>
+          <a:ext cx="1198240" cy="2167466"/>
         </a:xfrm>
         <a:prstGeom prst="roundRect">
           <a:avLst/>
@@ -6103,12 +7567,12 @@
         </a:fontRef>
       </dsp:style>
       <dsp:txBody>
-        <a:bodyPr spcFirstLastPara="0" vert="horz" wrap="square" lIns="133350" tIns="133350" rIns="133350" bIns="133350" numCol="1" spcCol="1270" anchor="ctr" anchorCtr="0">
+        <a:bodyPr spcFirstLastPara="0" vert="horz" wrap="square" lIns="110490" tIns="110490" rIns="110490" bIns="110490" numCol="1" spcCol="1270" anchor="ctr" anchorCtr="0">
           <a:noAutofit/>
         </a:bodyPr>
         <a:lstStyle/>
         <a:p>
-          <a:pPr marL="0" lvl="0" indent="0" algn="ctr" defTabSz="1555750">
+          <a:pPr marL="0" lvl="0" indent="0" algn="ctr" defTabSz="1289050">
             <a:lnSpc>
               <a:spcPct val="90000"/>
             </a:lnSpc>
@@ -6121,15 +7585,15 @@
             <a:buNone/>
           </a:pPr>
           <a:r>
-            <a:rPr lang="en-US" sz="3500" kern="1200"/>
+            <a:rPr lang="en-US" sz="2900" kern="1200"/>
             <a:t>Why?</a:t>
           </a:r>
-          <a:endParaRPr lang="en-US" sz="3500" kern="1200" dirty="0"/>
+          <a:endParaRPr lang="en-US" sz="2900" kern="1200" dirty="0"/>
         </a:p>
       </dsp:txBody>
       <dsp:txXfrm>
-        <a:off x="3412711" y="1696066"/>
-        <a:ext cx="1302576" cy="2026534"/>
+        <a:off x="2831185" y="1684093"/>
+        <a:ext cx="1081254" cy="2050480"/>
       </dsp:txXfrm>
     </dsp:sp>
     <dsp:sp modelId="{62174BA3-17A2-40C2-A6E3-39AADDF9A4FA}">
@@ -6139,8 +7603,8 @@
       </dsp:nvSpPr>
       <dsp:spPr>
         <a:xfrm>
-          <a:off x="5009988" y="1625600"/>
-          <a:ext cx="1443508" cy="2167466"/>
+          <a:off x="4157067" y="1625600"/>
+          <a:ext cx="1198240" cy="2167466"/>
         </a:xfrm>
         <a:prstGeom prst="roundRect">
           <a:avLst/>
@@ -6182,12 +7646,12 @@
         </a:fontRef>
       </dsp:style>
       <dsp:txBody>
-        <a:bodyPr spcFirstLastPara="0" vert="horz" wrap="square" lIns="133350" tIns="133350" rIns="133350" bIns="133350" numCol="1" spcCol="1270" anchor="ctr" anchorCtr="0">
+        <a:bodyPr spcFirstLastPara="0" vert="horz" wrap="square" lIns="110490" tIns="110490" rIns="110490" bIns="110490" numCol="1" spcCol="1270" anchor="ctr" anchorCtr="0">
           <a:noAutofit/>
         </a:bodyPr>
         <a:lstStyle/>
         <a:p>
-          <a:pPr marL="0" lvl="0" indent="0" algn="ctr" defTabSz="1555750">
+          <a:pPr marL="0" lvl="0" indent="0" algn="ctr" defTabSz="1289050">
             <a:lnSpc>
               <a:spcPct val="90000"/>
             </a:lnSpc>
@@ -6200,15 +7664,15 @@
             <a:buNone/>
           </a:pPr>
           <a:r>
-            <a:rPr lang="en-US" sz="3500" kern="1200"/>
+            <a:rPr lang="en-US" sz="2900" kern="1200"/>
             <a:t>Why?</a:t>
           </a:r>
-          <a:endParaRPr lang="en-US" sz="3500" kern="1200" dirty="0"/>
+          <a:endParaRPr lang="en-US" sz="2900" kern="1200" dirty="0"/>
         </a:p>
       </dsp:txBody>
       <dsp:txXfrm>
-        <a:off x="5080454" y="1696066"/>
-        <a:ext cx="1302576" cy="2026534"/>
+        <a:off x="4215560" y="1684093"/>
+        <a:ext cx="1081254" cy="2050480"/>
       </dsp:txXfrm>
     </dsp:sp>
     <dsp:sp modelId="{A4CAA7AB-EDED-400F-8880-563983D3A416}">
@@ -6218,8 +7682,8 @@
       </dsp:nvSpPr>
       <dsp:spPr>
         <a:xfrm>
-          <a:off x="6677731" y="1625600"/>
-          <a:ext cx="1443508" cy="2167466"/>
+          <a:off x="5541441" y="1625600"/>
+          <a:ext cx="1198240" cy="2167466"/>
         </a:xfrm>
         <a:prstGeom prst="roundRect">
           <a:avLst/>
@@ -6261,12 +7725,12 @@
         </a:fontRef>
       </dsp:style>
       <dsp:txBody>
-        <a:bodyPr spcFirstLastPara="0" vert="horz" wrap="square" lIns="133350" tIns="133350" rIns="133350" bIns="133350" numCol="1" spcCol="1270" anchor="ctr" anchorCtr="0">
+        <a:bodyPr spcFirstLastPara="0" vert="horz" wrap="square" lIns="110490" tIns="110490" rIns="110490" bIns="110490" numCol="1" spcCol="1270" anchor="ctr" anchorCtr="0">
           <a:noAutofit/>
         </a:bodyPr>
         <a:lstStyle/>
         <a:p>
-          <a:pPr marL="0" lvl="0" indent="0" algn="ctr" defTabSz="1555750">
+          <a:pPr marL="0" lvl="0" indent="0" algn="ctr" defTabSz="1289050">
             <a:lnSpc>
               <a:spcPct val="90000"/>
             </a:lnSpc>
@@ -6279,15 +7743,94 @@
             <a:buNone/>
           </a:pPr>
           <a:r>
-            <a:rPr lang="en-US" sz="3500" kern="1200"/>
+            <a:rPr lang="en-US" sz="2900" kern="1200"/>
             <a:t>Why?</a:t>
           </a:r>
-          <a:endParaRPr lang="en-US" sz="3500" kern="1200" dirty="0"/>
+          <a:endParaRPr lang="en-US" sz="2900" kern="1200" dirty="0"/>
         </a:p>
       </dsp:txBody>
       <dsp:txXfrm>
-        <a:off x="6748197" y="1696066"/>
-        <a:ext cx="1302576" cy="2026534"/>
+        <a:off x="5599934" y="1684093"/>
+        <a:ext cx="1081254" cy="2050480"/>
+      </dsp:txXfrm>
+    </dsp:sp>
+    <dsp:sp modelId="{ADFA3215-0FC3-4E40-BD82-D67FCF054F96}">
+      <dsp:nvSpPr>
+        <dsp:cNvPr id="0" name=""/>
+        <dsp:cNvSpPr/>
+      </dsp:nvSpPr>
+      <dsp:spPr>
+        <a:xfrm>
+          <a:off x="6925816" y="1625600"/>
+          <a:ext cx="1198240" cy="2167466"/>
+        </a:xfrm>
+        <a:prstGeom prst="roundRect">
+          <a:avLst/>
+        </a:prstGeom>
+        <a:solidFill>
+          <a:schemeClr val="accent1">
+            <a:hueOff val="0"/>
+            <a:satOff val="0"/>
+            <a:lumOff val="0"/>
+            <a:alphaOff val="0"/>
+          </a:schemeClr>
+        </a:solidFill>
+        <a:ln w="12700" cap="flat" cmpd="sng" algn="ctr">
+          <a:solidFill>
+            <a:schemeClr val="lt1">
+              <a:hueOff val="0"/>
+              <a:satOff val="0"/>
+              <a:lumOff val="0"/>
+              <a:alphaOff val="0"/>
+            </a:schemeClr>
+          </a:solidFill>
+          <a:prstDash val="solid"/>
+          <a:miter lim="800000"/>
+        </a:ln>
+        <a:effectLst/>
+      </dsp:spPr>
+      <dsp:style>
+        <a:lnRef idx="2">
+          <a:scrgbClr r="0" g="0" b="0"/>
+        </a:lnRef>
+        <a:fillRef idx="1">
+          <a:scrgbClr r="0" g="0" b="0"/>
+        </a:fillRef>
+        <a:effectRef idx="0">
+          <a:scrgbClr r="0" g="0" b="0"/>
+        </a:effectRef>
+        <a:fontRef idx="minor">
+          <a:schemeClr val="lt1"/>
+        </a:fontRef>
+      </dsp:style>
+      <dsp:txBody>
+        <a:bodyPr spcFirstLastPara="0" vert="horz" wrap="square" lIns="110490" tIns="110490" rIns="110490" bIns="110490" numCol="1" spcCol="1270" anchor="ctr" anchorCtr="0">
+          <a:noAutofit/>
+        </a:bodyPr>
+        <a:lstStyle/>
+        <a:p>
+          <a:pPr marL="0" lvl="0" indent="0" algn="ctr" defTabSz="1289050">
+            <a:lnSpc>
+              <a:spcPct val="90000"/>
+            </a:lnSpc>
+            <a:spcBef>
+              <a:spcPct val="0"/>
+            </a:spcBef>
+            <a:spcAft>
+              <a:spcPct val="35000"/>
+            </a:spcAft>
+            <a:buNone/>
+          </a:pPr>
+          <a:r>
+            <a:rPr lang="en-US" sz="2900" kern="1200"/>
+            <a:t>Why?</a:t>
+          </a:r>
+          <a:endParaRPr lang="en-US" sz="2900" kern="1200" dirty="0"/>
+        </a:p>
+      </dsp:txBody>
+      <dsp:txXfrm>
+        <a:off x="6984309" y="1684093"/>
+        <a:ext cx="1081254" cy="2050480"/>
       </dsp:txXfrm>
     </dsp:sp>
   </dsp:spTree>
@@ -6349,8 +7892,8 @@
       </dsp:nvSpPr>
       <dsp:spPr>
         <a:xfrm>
-          <a:off x="6759" y="1625600"/>
-          <a:ext cx="1443508" cy="2167466"/>
+          <a:off x="3943" y="1625600"/>
+          <a:ext cx="1198240" cy="2167466"/>
         </a:xfrm>
         <a:prstGeom prst="roundRect">
           <a:avLst/>
@@ -6387,12 +7930,12 @@
         </a:fontRef>
       </dsp:style>
       <dsp:txBody>
-        <a:bodyPr spcFirstLastPara="0" vert="horz" wrap="square" lIns="133350" tIns="133350" rIns="133350" bIns="133350" numCol="1" spcCol="1270" anchor="ctr" anchorCtr="0">
+        <a:bodyPr spcFirstLastPara="0" vert="horz" wrap="square" lIns="110490" tIns="110490" rIns="110490" bIns="110490" numCol="1" spcCol="1270" anchor="ctr" anchorCtr="0">
           <a:noAutofit/>
         </a:bodyPr>
         <a:lstStyle/>
         <a:p>
-          <a:pPr marL="0" lvl="0" indent="0" algn="ctr" defTabSz="1555750">
+          <a:pPr marL="0" lvl="0" indent="0" algn="ctr" defTabSz="1289050">
             <a:lnSpc>
               <a:spcPct val="90000"/>
             </a:lnSpc>
@@ -6405,14 +7948,14 @@
             <a:buNone/>
           </a:pPr>
           <a:r>
-            <a:rPr lang="en-US" sz="3500" kern="1200" dirty="0"/>
+            <a:rPr lang="en-US" sz="2900" kern="1200" dirty="0"/>
             <a:t>Why?</a:t>
           </a:r>
         </a:p>
       </dsp:txBody>
       <dsp:txXfrm>
-        <a:off x="77225" y="1696066"/>
-        <a:ext cx="1302576" cy="2026534"/>
+        <a:off x="62436" y="1684093"/>
+        <a:ext cx="1081254" cy="2050480"/>
       </dsp:txXfrm>
     </dsp:sp>
     <dsp:sp modelId="{0F43F693-C6FB-410D-B7BE-FE9A4EE927D4}">
@@ -6422,8 +7965,8 @@
       </dsp:nvSpPr>
       <dsp:spPr>
         <a:xfrm>
-          <a:off x="1674502" y="1625600"/>
-          <a:ext cx="1443508" cy="2167466"/>
+          <a:off x="1388318" y="1625600"/>
+          <a:ext cx="1198240" cy="2167466"/>
         </a:xfrm>
         <a:prstGeom prst="roundRect">
           <a:avLst/>
@@ -6460,12 +8003,12 @@
         </a:fontRef>
       </dsp:style>
       <dsp:txBody>
-        <a:bodyPr spcFirstLastPara="0" vert="horz" wrap="square" lIns="133350" tIns="133350" rIns="133350" bIns="133350" numCol="1" spcCol="1270" anchor="ctr" anchorCtr="0">
+        <a:bodyPr spcFirstLastPara="0" vert="horz" wrap="square" lIns="110490" tIns="110490" rIns="110490" bIns="110490" numCol="1" spcCol="1270" anchor="ctr" anchorCtr="0">
           <a:noAutofit/>
         </a:bodyPr>
         <a:lstStyle/>
         <a:p>
-          <a:pPr marL="0" lvl="0" indent="0" algn="ctr" defTabSz="1555750">
+          <a:pPr marL="0" lvl="0" indent="0" algn="ctr" defTabSz="1289050">
             <a:lnSpc>
               <a:spcPct val="90000"/>
             </a:lnSpc>
@@ -6478,14 +8021,14 @@
             <a:buNone/>
           </a:pPr>
           <a:r>
-            <a:rPr lang="en-US" sz="3500" kern="1200" dirty="0"/>
+            <a:rPr lang="en-US" sz="2900" kern="1200" dirty="0"/>
             <a:t>Why?</a:t>
           </a:r>
         </a:p>
       </dsp:txBody>
       <dsp:txXfrm>
-        <a:off x="1744968" y="1696066"/>
-        <a:ext cx="1302576" cy="2026534"/>
+        <a:off x="1446811" y="1684093"/>
+        <a:ext cx="1081254" cy="2050480"/>
       </dsp:txXfrm>
     </dsp:sp>
     <dsp:sp modelId="{8BEC28F8-DC8D-43D0-BB81-7CF1442B9EE1}">
@@ -6495,8 +8038,8 @@
       </dsp:nvSpPr>
       <dsp:spPr>
         <a:xfrm>
-          <a:off x="3342245" y="1625600"/>
-          <a:ext cx="1443508" cy="2167466"/>
+          <a:off x="2772692" y="1625600"/>
+          <a:ext cx="1198240" cy="2167466"/>
         </a:xfrm>
         <a:prstGeom prst="roundRect">
           <a:avLst/>
@@ -6533,12 +8076,12 @@
         </a:fontRef>
       </dsp:style>
       <dsp:txBody>
-        <a:bodyPr spcFirstLastPara="0" vert="horz" wrap="square" lIns="133350" tIns="133350" rIns="133350" bIns="133350" numCol="1" spcCol="1270" anchor="ctr" anchorCtr="0">
+        <a:bodyPr spcFirstLastPara="0" vert="horz" wrap="square" lIns="110490" tIns="110490" rIns="110490" bIns="110490" numCol="1" spcCol="1270" anchor="ctr" anchorCtr="0">
           <a:noAutofit/>
         </a:bodyPr>
         <a:lstStyle/>
         <a:p>
-          <a:pPr marL="0" lvl="0" indent="0" algn="ctr" defTabSz="1555750">
+          <a:pPr marL="0" lvl="0" indent="0" algn="ctr" defTabSz="1289050">
             <a:lnSpc>
               <a:spcPct val="90000"/>
             </a:lnSpc>
@@ -6551,15 +8094,15 @@
             <a:buNone/>
           </a:pPr>
           <a:r>
-            <a:rPr lang="en-US" sz="3500" kern="1200"/>
+            <a:rPr lang="en-US" sz="2900" kern="1200"/>
             <a:t>Why?</a:t>
           </a:r>
-          <a:endParaRPr lang="en-US" sz="3500" kern="1200" dirty="0"/>
+          <a:endParaRPr lang="en-US" sz="2900" kern="1200" dirty="0"/>
         </a:p>
       </dsp:txBody>
       <dsp:txXfrm>
-        <a:off x="3412711" y="1696066"/>
-        <a:ext cx="1302576" cy="2026534"/>
+        <a:off x="2831185" y="1684093"/>
+        <a:ext cx="1081254" cy="2050480"/>
       </dsp:txXfrm>
     </dsp:sp>
     <dsp:sp modelId="{62174BA3-17A2-40C2-A6E3-39AADDF9A4FA}">
@@ -6569,8 +8112,8 @@
       </dsp:nvSpPr>
       <dsp:spPr>
         <a:xfrm>
-          <a:off x="5009988" y="1625600"/>
-          <a:ext cx="1443508" cy="2167466"/>
+          <a:off x="4157067" y="1625600"/>
+          <a:ext cx="1198240" cy="2167466"/>
         </a:xfrm>
         <a:prstGeom prst="roundRect">
           <a:avLst/>
@@ -6612,12 +8155,12 @@
         </a:fontRef>
       </dsp:style>
       <dsp:txBody>
-        <a:bodyPr spcFirstLastPara="0" vert="horz" wrap="square" lIns="133350" tIns="133350" rIns="133350" bIns="133350" numCol="1" spcCol="1270" anchor="ctr" anchorCtr="0">
+        <a:bodyPr spcFirstLastPara="0" vert="horz" wrap="square" lIns="110490" tIns="110490" rIns="110490" bIns="110490" numCol="1" spcCol="1270" anchor="ctr" anchorCtr="0">
           <a:noAutofit/>
         </a:bodyPr>
         <a:lstStyle/>
         <a:p>
-          <a:pPr marL="0" lvl="0" indent="0" algn="ctr" defTabSz="1555750">
+          <a:pPr marL="0" lvl="0" indent="0" algn="ctr" defTabSz="1289050">
             <a:lnSpc>
               <a:spcPct val="90000"/>
             </a:lnSpc>
@@ -6630,15 +8173,15 @@
             <a:buNone/>
           </a:pPr>
           <a:r>
-            <a:rPr lang="en-US" sz="3500" kern="1200"/>
+            <a:rPr lang="en-US" sz="2900" kern="1200"/>
             <a:t>Why?</a:t>
           </a:r>
-          <a:endParaRPr lang="en-US" sz="3500" kern="1200" dirty="0"/>
+          <a:endParaRPr lang="en-US" sz="2900" kern="1200" dirty="0"/>
         </a:p>
       </dsp:txBody>
       <dsp:txXfrm>
-        <a:off x="5080454" y="1696066"/>
-        <a:ext cx="1302576" cy="2026534"/>
+        <a:off x="4215560" y="1684093"/>
+        <a:ext cx="1081254" cy="2050480"/>
       </dsp:txXfrm>
     </dsp:sp>
     <dsp:sp modelId="{A4CAA7AB-EDED-400F-8880-563983D3A416}">
@@ -6648,8 +8191,8 @@
       </dsp:nvSpPr>
       <dsp:spPr>
         <a:xfrm>
-          <a:off x="6677731" y="1625600"/>
-          <a:ext cx="1443508" cy="2167466"/>
+          <a:off x="5541441" y="1625600"/>
+          <a:ext cx="1198240" cy="2167466"/>
         </a:xfrm>
         <a:prstGeom prst="roundRect">
           <a:avLst/>
@@ -6691,12 +8234,12 @@
         </a:fontRef>
       </dsp:style>
       <dsp:txBody>
-        <a:bodyPr spcFirstLastPara="0" vert="horz" wrap="square" lIns="133350" tIns="133350" rIns="133350" bIns="133350" numCol="1" spcCol="1270" anchor="ctr" anchorCtr="0">
+        <a:bodyPr spcFirstLastPara="0" vert="horz" wrap="square" lIns="110490" tIns="110490" rIns="110490" bIns="110490" numCol="1" spcCol="1270" anchor="ctr" anchorCtr="0">
           <a:noAutofit/>
         </a:bodyPr>
         <a:lstStyle/>
         <a:p>
-          <a:pPr marL="0" lvl="0" indent="0" algn="ctr" defTabSz="1555750">
+          <a:pPr marL="0" lvl="0" indent="0" algn="ctr" defTabSz="1289050">
             <a:lnSpc>
               <a:spcPct val="90000"/>
             </a:lnSpc>
@@ -6709,15 +8252,94 @@
             <a:buNone/>
           </a:pPr>
           <a:r>
-            <a:rPr lang="en-US" sz="3500" kern="1200"/>
+            <a:rPr lang="en-US" sz="2900" kern="1200"/>
             <a:t>Why?</a:t>
           </a:r>
-          <a:endParaRPr lang="en-US" sz="3500" kern="1200" dirty="0"/>
+          <a:endParaRPr lang="en-US" sz="2900" kern="1200" dirty="0"/>
         </a:p>
       </dsp:txBody>
       <dsp:txXfrm>
-        <a:off x="6748197" y="1696066"/>
-        <a:ext cx="1302576" cy="2026534"/>
+        <a:off x="5599934" y="1684093"/>
+        <a:ext cx="1081254" cy="2050480"/>
+      </dsp:txXfrm>
+    </dsp:sp>
+    <dsp:sp modelId="{6C877BB7-AAAB-4867-A6E1-60DDDDE7DC0A}">
+      <dsp:nvSpPr>
+        <dsp:cNvPr id="0" name=""/>
+        <dsp:cNvSpPr/>
+      </dsp:nvSpPr>
+      <dsp:spPr>
+        <a:xfrm>
+          <a:off x="6925816" y="1625600"/>
+          <a:ext cx="1198240" cy="2167466"/>
+        </a:xfrm>
+        <a:prstGeom prst="roundRect">
+          <a:avLst/>
+        </a:prstGeom>
+        <a:solidFill>
+          <a:schemeClr val="accent1">
+            <a:hueOff val="0"/>
+            <a:satOff val="0"/>
+            <a:lumOff val="0"/>
+            <a:alphaOff val="0"/>
+          </a:schemeClr>
+        </a:solidFill>
+        <a:ln w="12700" cap="flat" cmpd="sng" algn="ctr">
+          <a:solidFill>
+            <a:schemeClr val="lt1">
+              <a:hueOff val="0"/>
+              <a:satOff val="0"/>
+              <a:lumOff val="0"/>
+              <a:alphaOff val="0"/>
+            </a:schemeClr>
+          </a:solidFill>
+          <a:prstDash val="solid"/>
+          <a:miter lim="800000"/>
+        </a:ln>
+        <a:effectLst/>
+      </dsp:spPr>
+      <dsp:style>
+        <a:lnRef idx="2">
+          <a:scrgbClr r="0" g="0" b="0"/>
+        </a:lnRef>
+        <a:fillRef idx="1">
+          <a:scrgbClr r="0" g="0" b="0"/>
+        </a:fillRef>
+        <a:effectRef idx="0">
+          <a:scrgbClr r="0" g="0" b="0"/>
+        </a:effectRef>
+        <a:fontRef idx="minor">
+          <a:schemeClr val="lt1"/>
+        </a:fontRef>
+      </dsp:style>
+      <dsp:txBody>
+        <a:bodyPr spcFirstLastPara="0" vert="horz" wrap="square" lIns="110490" tIns="110490" rIns="110490" bIns="110490" numCol="1" spcCol="1270" anchor="ctr" anchorCtr="0">
+          <a:noAutofit/>
+        </a:bodyPr>
+        <a:lstStyle/>
+        <a:p>
+          <a:pPr marL="0" lvl="0" indent="0" algn="ctr" defTabSz="1289050">
+            <a:lnSpc>
+              <a:spcPct val="90000"/>
+            </a:lnSpc>
+            <a:spcBef>
+              <a:spcPct val="0"/>
+            </a:spcBef>
+            <a:spcAft>
+              <a:spcPct val="35000"/>
+            </a:spcAft>
+            <a:buNone/>
+          </a:pPr>
+          <a:r>
+            <a:rPr lang="en-US" sz="2900" kern="1200"/>
+            <a:t>Why?</a:t>
+          </a:r>
+          <a:endParaRPr lang="en-US" sz="2900" kern="1200" dirty="0"/>
+        </a:p>
+      </dsp:txBody>
+      <dsp:txXfrm>
+        <a:off x="6984309" y="1684093"/>
+        <a:ext cx="1081254" cy="2050480"/>
       </dsp:txXfrm>
     </dsp:sp>
   </dsp:spTree>
@@ -6779,8 +8401,8 @@
       </dsp:nvSpPr>
       <dsp:spPr>
         <a:xfrm>
-          <a:off x="6759" y="1625600"/>
-          <a:ext cx="1443508" cy="2167466"/>
+          <a:off x="3943" y="1625600"/>
+          <a:ext cx="1198240" cy="2167466"/>
         </a:xfrm>
         <a:prstGeom prst="roundRect">
           <a:avLst/>
@@ -6817,12 +8439,12 @@
         </a:fontRef>
       </dsp:style>
       <dsp:txBody>
-        <a:bodyPr spcFirstLastPara="0" vert="horz" wrap="square" lIns="133350" tIns="133350" rIns="133350" bIns="133350" numCol="1" spcCol="1270" anchor="ctr" anchorCtr="0">
+        <a:bodyPr spcFirstLastPara="0" vert="horz" wrap="square" lIns="110490" tIns="110490" rIns="110490" bIns="110490" numCol="1" spcCol="1270" anchor="ctr" anchorCtr="0">
           <a:noAutofit/>
         </a:bodyPr>
         <a:lstStyle/>
         <a:p>
-          <a:pPr marL="0" lvl="0" indent="0" algn="ctr" defTabSz="1555750">
+          <a:pPr marL="0" lvl="0" indent="0" algn="ctr" defTabSz="1289050">
             <a:lnSpc>
               <a:spcPct val="90000"/>
             </a:lnSpc>
@@ -6835,14 +8457,14 @@
             <a:buNone/>
           </a:pPr>
           <a:r>
-            <a:rPr lang="en-US" sz="3500" kern="1200" dirty="0"/>
+            <a:rPr lang="en-US" sz="2900" kern="1200" dirty="0"/>
             <a:t>Why?</a:t>
           </a:r>
         </a:p>
       </dsp:txBody>
       <dsp:txXfrm>
-        <a:off x="77225" y="1696066"/>
-        <a:ext cx="1302576" cy="2026534"/>
+        <a:off x="62436" y="1684093"/>
+        <a:ext cx="1081254" cy="2050480"/>
       </dsp:txXfrm>
     </dsp:sp>
     <dsp:sp modelId="{0F43F693-C6FB-410D-B7BE-FE9A4EE927D4}">
@@ -6852,8 +8474,8 @@
       </dsp:nvSpPr>
       <dsp:spPr>
         <a:xfrm>
-          <a:off x="1674502" y="1625600"/>
-          <a:ext cx="1443508" cy="2167466"/>
+          <a:off x="1388318" y="1625600"/>
+          <a:ext cx="1198240" cy="2167466"/>
         </a:xfrm>
         <a:prstGeom prst="roundRect">
           <a:avLst/>
@@ -6890,12 +8512,12 @@
         </a:fontRef>
       </dsp:style>
       <dsp:txBody>
-        <a:bodyPr spcFirstLastPara="0" vert="horz" wrap="square" lIns="133350" tIns="133350" rIns="133350" bIns="133350" numCol="1" spcCol="1270" anchor="ctr" anchorCtr="0">
+        <a:bodyPr spcFirstLastPara="0" vert="horz" wrap="square" lIns="110490" tIns="110490" rIns="110490" bIns="110490" numCol="1" spcCol="1270" anchor="ctr" anchorCtr="0">
           <a:noAutofit/>
         </a:bodyPr>
         <a:lstStyle/>
         <a:p>
-          <a:pPr marL="0" lvl="0" indent="0" algn="ctr" defTabSz="1555750">
+          <a:pPr marL="0" lvl="0" indent="0" algn="ctr" defTabSz="1289050">
             <a:lnSpc>
               <a:spcPct val="90000"/>
             </a:lnSpc>
@@ -6908,14 +8530,14 @@
             <a:buNone/>
           </a:pPr>
           <a:r>
-            <a:rPr lang="en-US" sz="3500" kern="1200" dirty="0"/>
+            <a:rPr lang="en-US" sz="2900" kern="1200" dirty="0"/>
             <a:t>Why?</a:t>
           </a:r>
         </a:p>
       </dsp:txBody>
       <dsp:txXfrm>
-        <a:off x="1744968" y="1696066"/>
-        <a:ext cx="1302576" cy="2026534"/>
+        <a:off x="1446811" y="1684093"/>
+        <a:ext cx="1081254" cy="2050480"/>
       </dsp:txXfrm>
     </dsp:sp>
     <dsp:sp modelId="{8BEC28F8-DC8D-43D0-BB81-7CF1442B9EE1}">
@@ -6925,8 +8547,8 @@
       </dsp:nvSpPr>
       <dsp:spPr>
         <a:xfrm>
-          <a:off x="3342245" y="1625600"/>
-          <a:ext cx="1443508" cy="2167466"/>
+          <a:off x="2772692" y="1625600"/>
+          <a:ext cx="1198240" cy="2167466"/>
         </a:xfrm>
         <a:prstGeom prst="roundRect">
           <a:avLst/>
@@ -6963,12 +8585,12 @@
         </a:fontRef>
       </dsp:style>
       <dsp:txBody>
-        <a:bodyPr spcFirstLastPara="0" vert="horz" wrap="square" lIns="133350" tIns="133350" rIns="133350" bIns="133350" numCol="1" spcCol="1270" anchor="ctr" anchorCtr="0">
+        <a:bodyPr spcFirstLastPara="0" vert="horz" wrap="square" lIns="110490" tIns="110490" rIns="110490" bIns="110490" numCol="1" spcCol="1270" anchor="ctr" anchorCtr="0">
           <a:noAutofit/>
         </a:bodyPr>
         <a:lstStyle/>
         <a:p>
-          <a:pPr marL="0" lvl="0" indent="0" algn="ctr" defTabSz="1555750">
+          <a:pPr marL="0" lvl="0" indent="0" algn="ctr" defTabSz="1289050">
             <a:lnSpc>
               <a:spcPct val="90000"/>
             </a:lnSpc>
@@ -6981,14 +8603,14 @@
             <a:buNone/>
           </a:pPr>
           <a:r>
-            <a:rPr lang="en-US" sz="3500" kern="1200" dirty="0"/>
+            <a:rPr lang="en-US" sz="2900" kern="1200" dirty="0"/>
             <a:t>Why?</a:t>
           </a:r>
         </a:p>
       </dsp:txBody>
       <dsp:txXfrm>
-        <a:off x="3412711" y="1696066"/>
-        <a:ext cx="1302576" cy="2026534"/>
+        <a:off x="2831185" y="1684093"/>
+        <a:ext cx="1081254" cy="2050480"/>
       </dsp:txXfrm>
     </dsp:sp>
     <dsp:sp modelId="{62174BA3-17A2-40C2-A6E3-39AADDF9A4FA}">
@@ -6998,8 +8620,8 @@
       </dsp:nvSpPr>
       <dsp:spPr>
         <a:xfrm>
-          <a:off x="5009988" y="1625600"/>
-          <a:ext cx="1443508" cy="2167466"/>
+          <a:off x="4157067" y="1625600"/>
+          <a:ext cx="1198240" cy="2167466"/>
         </a:xfrm>
         <a:prstGeom prst="roundRect">
           <a:avLst/>
@@ -7036,12 +8658,12 @@
         </a:fontRef>
       </dsp:style>
       <dsp:txBody>
-        <a:bodyPr spcFirstLastPara="0" vert="horz" wrap="square" lIns="133350" tIns="133350" rIns="133350" bIns="133350" numCol="1" spcCol="1270" anchor="ctr" anchorCtr="0">
+        <a:bodyPr spcFirstLastPara="0" vert="horz" wrap="square" lIns="110490" tIns="110490" rIns="110490" bIns="110490" numCol="1" spcCol="1270" anchor="ctr" anchorCtr="0">
           <a:noAutofit/>
         </a:bodyPr>
         <a:lstStyle/>
         <a:p>
-          <a:pPr marL="0" lvl="0" indent="0" algn="ctr" defTabSz="1555750">
+          <a:pPr marL="0" lvl="0" indent="0" algn="ctr" defTabSz="1289050">
             <a:lnSpc>
               <a:spcPct val="90000"/>
             </a:lnSpc>
@@ -7054,15 +8676,15 @@
             <a:buNone/>
           </a:pPr>
           <a:r>
-            <a:rPr lang="en-US" sz="3500" kern="1200"/>
+            <a:rPr lang="en-US" sz="2900" kern="1200"/>
             <a:t>Why?</a:t>
           </a:r>
-          <a:endParaRPr lang="en-US" sz="3500" kern="1200" dirty="0"/>
+          <a:endParaRPr lang="en-US" sz="2900" kern="1200" dirty="0"/>
         </a:p>
       </dsp:txBody>
       <dsp:txXfrm>
-        <a:off x="5080454" y="1696066"/>
-        <a:ext cx="1302576" cy="2026534"/>
+        <a:off x="4215560" y="1684093"/>
+        <a:ext cx="1081254" cy="2050480"/>
       </dsp:txXfrm>
     </dsp:sp>
     <dsp:sp modelId="{A4CAA7AB-EDED-400F-8880-563983D3A416}">
@@ -7072,8 +8694,8 @@
       </dsp:nvSpPr>
       <dsp:spPr>
         <a:xfrm>
-          <a:off x="6677731" y="1625600"/>
-          <a:ext cx="1443508" cy="2167466"/>
+          <a:off x="5541441" y="1625600"/>
+          <a:ext cx="1198240" cy="2167466"/>
         </a:xfrm>
         <a:prstGeom prst="roundRect">
           <a:avLst/>
@@ -7115,12 +8737,12 @@
         </a:fontRef>
       </dsp:style>
       <dsp:txBody>
-        <a:bodyPr spcFirstLastPara="0" vert="horz" wrap="square" lIns="133350" tIns="133350" rIns="133350" bIns="133350" numCol="1" spcCol="1270" anchor="ctr" anchorCtr="0">
+        <a:bodyPr spcFirstLastPara="0" vert="horz" wrap="square" lIns="110490" tIns="110490" rIns="110490" bIns="110490" numCol="1" spcCol="1270" anchor="ctr" anchorCtr="0">
           <a:noAutofit/>
         </a:bodyPr>
         <a:lstStyle/>
         <a:p>
-          <a:pPr marL="0" lvl="0" indent="0" algn="ctr" defTabSz="1555750">
+          <a:pPr marL="0" lvl="0" indent="0" algn="ctr" defTabSz="1289050">
             <a:lnSpc>
               <a:spcPct val="90000"/>
             </a:lnSpc>
@@ -7133,15 +8755,94 @@
             <a:buNone/>
           </a:pPr>
           <a:r>
-            <a:rPr lang="en-US" sz="3500" kern="1200"/>
+            <a:rPr lang="en-US" sz="2900" kern="1200"/>
             <a:t>Why?</a:t>
           </a:r>
-          <a:endParaRPr lang="en-US" sz="3500" kern="1200" dirty="0"/>
+          <a:endParaRPr lang="en-US" sz="2900" kern="1200" dirty="0"/>
         </a:p>
       </dsp:txBody>
       <dsp:txXfrm>
-        <a:off x="6748197" y="1696066"/>
-        <a:ext cx="1302576" cy="2026534"/>
+        <a:off x="5599934" y="1684093"/>
+        <a:ext cx="1081254" cy="2050480"/>
+      </dsp:txXfrm>
+    </dsp:sp>
+    <dsp:sp modelId="{4B78E69C-3487-4D16-8573-CCD0D5227069}">
+      <dsp:nvSpPr>
+        <dsp:cNvPr id="0" name=""/>
+        <dsp:cNvSpPr/>
+      </dsp:nvSpPr>
+      <dsp:spPr>
+        <a:xfrm>
+          <a:off x="6925816" y="1625600"/>
+          <a:ext cx="1198240" cy="2167466"/>
+        </a:xfrm>
+        <a:prstGeom prst="roundRect">
+          <a:avLst/>
+        </a:prstGeom>
+        <a:solidFill>
+          <a:schemeClr val="accent1">
+            <a:hueOff val="0"/>
+            <a:satOff val="0"/>
+            <a:lumOff val="0"/>
+            <a:alphaOff val="0"/>
+          </a:schemeClr>
+        </a:solidFill>
+        <a:ln w="12700" cap="flat" cmpd="sng" algn="ctr">
+          <a:solidFill>
+            <a:schemeClr val="lt1">
+              <a:hueOff val="0"/>
+              <a:satOff val="0"/>
+              <a:lumOff val="0"/>
+              <a:alphaOff val="0"/>
+            </a:schemeClr>
+          </a:solidFill>
+          <a:prstDash val="solid"/>
+          <a:miter lim="800000"/>
+        </a:ln>
+        <a:effectLst/>
+      </dsp:spPr>
+      <dsp:style>
+        <a:lnRef idx="2">
+          <a:scrgbClr r="0" g="0" b="0"/>
+        </a:lnRef>
+        <a:fillRef idx="1">
+          <a:scrgbClr r="0" g="0" b="0"/>
+        </a:fillRef>
+        <a:effectRef idx="0">
+          <a:scrgbClr r="0" g="0" b="0"/>
+        </a:effectRef>
+        <a:fontRef idx="minor">
+          <a:schemeClr val="lt1"/>
+        </a:fontRef>
+      </dsp:style>
+      <dsp:txBody>
+        <a:bodyPr spcFirstLastPara="0" vert="horz" wrap="square" lIns="110490" tIns="110490" rIns="110490" bIns="110490" numCol="1" spcCol="1270" anchor="ctr" anchorCtr="0">
+          <a:noAutofit/>
+        </a:bodyPr>
+        <a:lstStyle/>
+        <a:p>
+          <a:pPr marL="0" lvl="0" indent="0" algn="ctr" defTabSz="1289050">
+            <a:lnSpc>
+              <a:spcPct val="90000"/>
+            </a:lnSpc>
+            <a:spcBef>
+              <a:spcPct val="0"/>
+            </a:spcBef>
+            <a:spcAft>
+              <a:spcPct val="35000"/>
+            </a:spcAft>
+            <a:buNone/>
+          </a:pPr>
+          <a:r>
+            <a:rPr lang="en-US" sz="2900" kern="1200"/>
+            <a:t>Why?</a:t>
+          </a:r>
+          <a:endParaRPr lang="en-US" sz="2900" kern="1200" dirty="0"/>
+        </a:p>
+      </dsp:txBody>
+      <dsp:txXfrm>
+        <a:off x="6984309" y="1684093"/>
+        <a:ext cx="1081254" cy="2050480"/>
       </dsp:txXfrm>
     </dsp:sp>
   </dsp:spTree>
@@ -7203,8 +8904,8 @@
       </dsp:nvSpPr>
       <dsp:spPr>
         <a:xfrm>
-          <a:off x="6759" y="1625600"/>
-          <a:ext cx="1443508" cy="2167466"/>
+          <a:off x="3943" y="1625600"/>
+          <a:ext cx="1198240" cy="2167466"/>
         </a:xfrm>
         <a:prstGeom prst="roundRect">
           <a:avLst/>
@@ -7241,12 +8942,12 @@
         </a:fontRef>
       </dsp:style>
       <dsp:txBody>
-        <a:bodyPr spcFirstLastPara="0" vert="horz" wrap="square" lIns="133350" tIns="133350" rIns="133350" bIns="133350" numCol="1" spcCol="1270" anchor="ctr" anchorCtr="0">
+        <a:bodyPr spcFirstLastPara="0" vert="horz" wrap="square" lIns="110490" tIns="110490" rIns="110490" bIns="110490" numCol="1" spcCol="1270" anchor="ctr" anchorCtr="0">
           <a:noAutofit/>
         </a:bodyPr>
         <a:lstStyle/>
         <a:p>
-          <a:pPr marL="0" lvl="0" indent="0" algn="ctr" defTabSz="1555750">
+          <a:pPr marL="0" lvl="0" indent="0" algn="ctr" defTabSz="1289050">
             <a:lnSpc>
               <a:spcPct val="90000"/>
             </a:lnSpc>
@@ -7259,14 +8960,14 @@
             <a:buNone/>
           </a:pPr>
           <a:r>
-            <a:rPr lang="en-US" sz="3500" kern="1200" dirty="0"/>
+            <a:rPr lang="en-US" sz="2900" kern="1200" dirty="0"/>
             <a:t>Why?</a:t>
           </a:r>
         </a:p>
       </dsp:txBody>
       <dsp:txXfrm>
-        <a:off x="77225" y="1696066"/>
-        <a:ext cx="1302576" cy="2026534"/>
+        <a:off x="62436" y="1684093"/>
+        <a:ext cx="1081254" cy="2050480"/>
       </dsp:txXfrm>
     </dsp:sp>
     <dsp:sp modelId="{0F43F693-C6FB-410D-B7BE-FE9A4EE927D4}">
@@ -7276,8 +8977,8 @@
       </dsp:nvSpPr>
       <dsp:spPr>
         <a:xfrm>
-          <a:off x="1674502" y="1625600"/>
-          <a:ext cx="1443508" cy="2167466"/>
+          <a:off x="1388318" y="1625600"/>
+          <a:ext cx="1198240" cy="2167466"/>
         </a:xfrm>
         <a:prstGeom prst="roundRect">
           <a:avLst/>
@@ -7314,12 +9015,12 @@
         </a:fontRef>
       </dsp:style>
       <dsp:txBody>
-        <a:bodyPr spcFirstLastPara="0" vert="horz" wrap="square" lIns="133350" tIns="133350" rIns="133350" bIns="133350" numCol="1" spcCol="1270" anchor="ctr" anchorCtr="0">
+        <a:bodyPr spcFirstLastPara="0" vert="horz" wrap="square" lIns="110490" tIns="110490" rIns="110490" bIns="110490" numCol="1" spcCol="1270" anchor="ctr" anchorCtr="0">
           <a:noAutofit/>
         </a:bodyPr>
         <a:lstStyle/>
         <a:p>
-          <a:pPr marL="0" lvl="0" indent="0" algn="ctr" defTabSz="1555750">
+          <a:pPr marL="0" lvl="0" indent="0" algn="ctr" defTabSz="1289050">
             <a:lnSpc>
               <a:spcPct val="90000"/>
             </a:lnSpc>
@@ -7332,14 +9033,14 @@
             <a:buNone/>
           </a:pPr>
           <a:r>
-            <a:rPr lang="en-US" sz="3500" kern="1200" dirty="0"/>
+            <a:rPr lang="en-US" sz="2900" kern="1200" dirty="0"/>
             <a:t>Why?</a:t>
           </a:r>
         </a:p>
       </dsp:txBody>
       <dsp:txXfrm>
-        <a:off x="1744968" y="1696066"/>
-        <a:ext cx="1302576" cy="2026534"/>
+        <a:off x="1446811" y="1684093"/>
+        <a:ext cx="1081254" cy="2050480"/>
       </dsp:txXfrm>
     </dsp:sp>
     <dsp:sp modelId="{8BEC28F8-DC8D-43D0-BB81-7CF1442B9EE1}">
@@ -7349,8 +9050,8 @@
       </dsp:nvSpPr>
       <dsp:spPr>
         <a:xfrm>
-          <a:off x="3342245" y="1625600"/>
-          <a:ext cx="1443508" cy="2167466"/>
+          <a:off x="2772692" y="1625600"/>
+          <a:ext cx="1198240" cy="2167466"/>
         </a:xfrm>
         <a:prstGeom prst="roundRect">
           <a:avLst/>
@@ -7387,12 +9088,12 @@
         </a:fontRef>
       </dsp:style>
       <dsp:txBody>
-        <a:bodyPr spcFirstLastPara="0" vert="horz" wrap="square" lIns="133350" tIns="133350" rIns="133350" bIns="133350" numCol="1" spcCol="1270" anchor="ctr" anchorCtr="0">
+        <a:bodyPr spcFirstLastPara="0" vert="horz" wrap="square" lIns="110490" tIns="110490" rIns="110490" bIns="110490" numCol="1" spcCol="1270" anchor="ctr" anchorCtr="0">
           <a:noAutofit/>
         </a:bodyPr>
         <a:lstStyle/>
         <a:p>
-          <a:pPr marL="0" lvl="0" indent="0" algn="ctr" defTabSz="1555750">
+          <a:pPr marL="0" lvl="0" indent="0" algn="ctr" defTabSz="1289050">
             <a:lnSpc>
               <a:spcPct val="90000"/>
             </a:lnSpc>
@@ -7405,14 +9106,14 @@
             <a:buNone/>
           </a:pPr>
           <a:r>
-            <a:rPr lang="en-US" sz="3500" kern="1200" dirty="0"/>
+            <a:rPr lang="en-US" sz="2900" kern="1200" dirty="0"/>
             <a:t>Why?</a:t>
           </a:r>
         </a:p>
       </dsp:txBody>
       <dsp:txXfrm>
-        <a:off x="3412711" y="1696066"/>
-        <a:ext cx="1302576" cy="2026534"/>
+        <a:off x="2831185" y="1684093"/>
+        <a:ext cx="1081254" cy="2050480"/>
       </dsp:txXfrm>
     </dsp:sp>
     <dsp:sp modelId="{62174BA3-17A2-40C2-A6E3-39AADDF9A4FA}">
@@ -7422,8 +9123,8 @@
       </dsp:nvSpPr>
       <dsp:spPr>
         <a:xfrm>
-          <a:off x="5009988" y="1625600"/>
-          <a:ext cx="1443508" cy="2167466"/>
+          <a:off x="4157067" y="1625600"/>
+          <a:ext cx="1198240" cy="2167466"/>
         </a:xfrm>
         <a:prstGeom prst="roundRect">
           <a:avLst/>
@@ -7460,12 +9161,12 @@
         </a:fontRef>
       </dsp:style>
       <dsp:txBody>
-        <a:bodyPr spcFirstLastPara="0" vert="horz" wrap="square" lIns="133350" tIns="133350" rIns="133350" bIns="133350" numCol="1" spcCol="1270" anchor="ctr" anchorCtr="0">
+        <a:bodyPr spcFirstLastPara="0" vert="horz" wrap="square" lIns="110490" tIns="110490" rIns="110490" bIns="110490" numCol="1" spcCol="1270" anchor="ctr" anchorCtr="0">
           <a:noAutofit/>
         </a:bodyPr>
         <a:lstStyle/>
         <a:p>
-          <a:pPr marL="0" lvl="0" indent="0" algn="ctr" defTabSz="1555750">
+          <a:pPr marL="0" lvl="0" indent="0" algn="ctr" defTabSz="1289050">
             <a:lnSpc>
               <a:spcPct val="90000"/>
             </a:lnSpc>
@@ -7478,14 +9179,14 @@
             <a:buNone/>
           </a:pPr>
           <a:r>
-            <a:rPr lang="en-US" sz="3500" kern="1200" dirty="0"/>
+            <a:rPr lang="en-US" sz="2900" kern="1200" dirty="0"/>
             <a:t>Why?</a:t>
           </a:r>
         </a:p>
       </dsp:txBody>
       <dsp:txXfrm>
-        <a:off x="5080454" y="1696066"/>
-        <a:ext cx="1302576" cy="2026534"/>
+        <a:off x="4215560" y="1684093"/>
+        <a:ext cx="1081254" cy="2050480"/>
       </dsp:txXfrm>
     </dsp:sp>
     <dsp:sp modelId="{A4CAA7AB-EDED-400F-8880-563983D3A416}">
@@ -7495,8 +9196,8 @@
       </dsp:nvSpPr>
       <dsp:spPr>
         <a:xfrm>
-          <a:off x="6677731" y="1625600"/>
-          <a:ext cx="1443508" cy="2167466"/>
+          <a:off x="5541441" y="1625600"/>
+          <a:ext cx="1198240" cy="2167466"/>
         </a:xfrm>
         <a:prstGeom prst="roundRect">
           <a:avLst/>
@@ -7533,12 +9234,12 @@
         </a:fontRef>
       </dsp:style>
       <dsp:txBody>
-        <a:bodyPr spcFirstLastPara="0" vert="horz" wrap="square" lIns="133350" tIns="133350" rIns="133350" bIns="133350" numCol="1" spcCol="1270" anchor="ctr" anchorCtr="0">
+        <a:bodyPr spcFirstLastPara="0" vert="horz" wrap="square" lIns="110490" tIns="110490" rIns="110490" bIns="110490" numCol="1" spcCol="1270" anchor="ctr" anchorCtr="0">
           <a:noAutofit/>
         </a:bodyPr>
         <a:lstStyle/>
         <a:p>
-          <a:pPr marL="0" lvl="0" indent="0" algn="ctr" defTabSz="1555750">
+          <a:pPr marL="0" lvl="0" indent="0" algn="ctr" defTabSz="1289050">
             <a:lnSpc>
               <a:spcPct val="90000"/>
             </a:lnSpc>
@@ -7551,15 +9252,584 @@
             <a:buNone/>
           </a:pPr>
           <a:r>
-            <a:rPr lang="en-US" sz="3500" kern="1200"/>
+            <a:rPr lang="en-US" sz="2900" kern="1200"/>
             <a:t>Why?</a:t>
           </a:r>
-          <a:endParaRPr lang="en-US" sz="3500" kern="1200" dirty="0"/>
+          <a:endParaRPr lang="en-US" sz="2900" kern="1200" dirty="0"/>
         </a:p>
       </dsp:txBody>
       <dsp:txXfrm>
-        <a:off x="6748197" y="1696066"/>
-        <a:ext cx="1302576" cy="2026534"/>
+        <a:off x="5599934" y="1684093"/>
+        <a:ext cx="1081254" cy="2050480"/>
+      </dsp:txXfrm>
+    </dsp:sp>
+    <dsp:sp modelId="{64FA50E1-3CCE-4005-BDA8-E010A0FA402A}">
+      <dsp:nvSpPr>
+        <dsp:cNvPr id="0" name=""/>
+        <dsp:cNvSpPr/>
+      </dsp:nvSpPr>
+      <dsp:spPr>
+        <a:xfrm>
+          <a:off x="6925816" y="1625600"/>
+          <a:ext cx="1198240" cy="2167466"/>
+        </a:xfrm>
+        <a:prstGeom prst="roundRect">
+          <a:avLst/>
+        </a:prstGeom>
+        <a:solidFill>
+          <a:schemeClr val="accent1">
+            <a:hueOff val="0"/>
+            <a:satOff val="0"/>
+            <a:lumOff val="0"/>
+            <a:alphaOff val="0"/>
+          </a:schemeClr>
+        </a:solidFill>
+        <a:ln w="12700" cap="flat" cmpd="sng" algn="ctr">
+          <a:solidFill>
+            <a:schemeClr val="lt1">
+              <a:hueOff val="0"/>
+              <a:satOff val="0"/>
+              <a:lumOff val="0"/>
+              <a:alphaOff val="0"/>
+            </a:schemeClr>
+          </a:solidFill>
+          <a:prstDash val="solid"/>
+          <a:miter lim="800000"/>
+        </a:ln>
+        <a:effectLst/>
+      </dsp:spPr>
+      <dsp:style>
+        <a:lnRef idx="2">
+          <a:scrgbClr r="0" g="0" b="0"/>
+        </a:lnRef>
+        <a:fillRef idx="1">
+          <a:scrgbClr r="0" g="0" b="0"/>
+        </a:fillRef>
+        <a:effectRef idx="0">
+          <a:scrgbClr r="0" g="0" b="0"/>
+        </a:effectRef>
+        <a:fontRef idx="minor">
+          <a:schemeClr val="lt1"/>
+        </a:fontRef>
+      </dsp:style>
+      <dsp:txBody>
+        <a:bodyPr spcFirstLastPara="0" vert="horz" wrap="square" lIns="110490" tIns="110490" rIns="110490" bIns="110490" numCol="1" spcCol="1270" anchor="ctr" anchorCtr="0">
+          <a:noAutofit/>
+        </a:bodyPr>
+        <a:lstStyle/>
+        <a:p>
+          <a:pPr marL="0" lvl="0" indent="0" algn="ctr" defTabSz="1289050">
+            <a:lnSpc>
+              <a:spcPct val="90000"/>
+            </a:lnSpc>
+            <a:spcBef>
+              <a:spcPct val="0"/>
+            </a:spcBef>
+            <a:spcAft>
+              <a:spcPct val="35000"/>
+            </a:spcAft>
+            <a:buNone/>
+          </a:pPr>
+          <a:r>
+            <a:rPr lang="en-US" sz="2900" kern="1200"/>
+            <a:t>Why?</a:t>
+          </a:r>
+          <a:endParaRPr lang="en-US" sz="2900" kern="1200" dirty="0"/>
+        </a:p>
+      </dsp:txBody>
+      <dsp:txXfrm>
+        <a:off x="6984309" y="1684093"/>
+        <a:ext cx="1081254" cy="2050480"/>
+      </dsp:txXfrm>
+    </dsp:sp>
+  </dsp:spTree>
+</dsp:drawing>
+</file>
+
+<file path=ppt/diagrams/drawing6.xml><?xml version="1.0" encoding="utf-8"?>
+<dsp:drawing xmlns:dgm="http://schemas.openxmlformats.org/drawingml/2006/diagram" xmlns:dsp="http://schemas.microsoft.com/office/drawing/2008/diagram" xmlns:a="http://schemas.openxmlformats.org/drawingml/2006/main">
+  <dsp:spTree>
+    <dsp:nvGrpSpPr>
+      <dsp:cNvPr id="0" name=""/>
+      <dsp:cNvGrpSpPr/>
+    </dsp:nvGrpSpPr>
+    <dsp:grpSpPr/>
+    <dsp:sp modelId="{2DDB6632-7505-42DC-AA16-58132FBA225E}">
+      <dsp:nvSpPr>
+        <dsp:cNvPr id="0" name=""/>
+        <dsp:cNvSpPr/>
+      </dsp:nvSpPr>
+      <dsp:spPr>
+        <a:xfrm>
+          <a:off x="609599" y="0"/>
+          <a:ext cx="6908800" cy="5418667"/>
+        </a:xfrm>
+        <a:prstGeom prst="rightArrow">
+          <a:avLst/>
+        </a:prstGeom>
+        <a:solidFill>
+          <a:schemeClr val="accent1">
+            <a:tint val="40000"/>
+            <a:hueOff val="0"/>
+            <a:satOff val="0"/>
+            <a:lumOff val="0"/>
+            <a:alphaOff val="0"/>
+          </a:schemeClr>
+        </a:solidFill>
+        <a:ln>
+          <a:noFill/>
+        </a:ln>
+        <a:effectLst/>
+      </dsp:spPr>
+      <dsp:style>
+        <a:lnRef idx="0">
+          <a:scrgbClr r="0" g="0" b="0"/>
+        </a:lnRef>
+        <a:fillRef idx="1">
+          <a:scrgbClr r="0" g="0" b="0"/>
+        </a:fillRef>
+        <a:effectRef idx="0">
+          <a:scrgbClr r="0" g="0" b="0"/>
+        </a:effectRef>
+        <a:fontRef idx="minor"/>
+      </dsp:style>
+    </dsp:sp>
+    <dsp:sp modelId="{5A95907D-6C9B-48C2-ADCB-BE1DF163DB44}">
+      <dsp:nvSpPr>
+        <dsp:cNvPr id="0" name=""/>
+        <dsp:cNvSpPr/>
+      </dsp:nvSpPr>
+      <dsp:spPr>
+        <a:xfrm>
+          <a:off x="3943" y="1625600"/>
+          <a:ext cx="1198240" cy="2167466"/>
+        </a:xfrm>
+        <a:prstGeom prst="roundRect">
+          <a:avLst/>
+        </a:prstGeom>
+        <a:solidFill>
+          <a:srgbClr val="FF0000"/>
+        </a:solidFill>
+        <a:ln w="12700" cap="flat" cmpd="sng" algn="ctr">
+          <a:solidFill>
+            <a:schemeClr val="lt1">
+              <a:hueOff val="0"/>
+              <a:satOff val="0"/>
+              <a:lumOff val="0"/>
+              <a:alphaOff val="0"/>
+            </a:schemeClr>
+          </a:solidFill>
+          <a:prstDash val="solid"/>
+          <a:miter lim="800000"/>
+        </a:ln>
+        <a:effectLst/>
+      </dsp:spPr>
+      <dsp:style>
+        <a:lnRef idx="2">
+          <a:scrgbClr r="0" g="0" b="0"/>
+        </a:lnRef>
+        <a:fillRef idx="1">
+          <a:scrgbClr r="0" g="0" b="0"/>
+        </a:fillRef>
+        <a:effectRef idx="0">
+          <a:scrgbClr r="0" g="0" b="0"/>
+        </a:effectRef>
+        <a:fontRef idx="minor">
+          <a:schemeClr val="lt1"/>
+        </a:fontRef>
+      </dsp:style>
+      <dsp:txBody>
+        <a:bodyPr spcFirstLastPara="0" vert="horz" wrap="square" lIns="110490" tIns="110490" rIns="110490" bIns="110490" numCol="1" spcCol="1270" anchor="ctr" anchorCtr="0">
+          <a:noAutofit/>
+        </a:bodyPr>
+        <a:lstStyle/>
+        <a:p>
+          <a:pPr marL="0" lvl="0" indent="0" algn="ctr" defTabSz="1289050">
+            <a:lnSpc>
+              <a:spcPct val="90000"/>
+            </a:lnSpc>
+            <a:spcBef>
+              <a:spcPct val="0"/>
+            </a:spcBef>
+            <a:spcAft>
+              <a:spcPct val="35000"/>
+            </a:spcAft>
+            <a:buNone/>
+          </a:pPr>
+          <a:r>
+            <a:rPr lang="en-US" sz="2900" kern="1200" dirty="0"/>
+            <a:t>Why?</a:t>
+          </a:r>
+        </a:p>
+      </dsp:txBody>
+      <dsp:txXfrm>
+        <a:off x="62436" y="1684093"/>
+        <a:ext cx="1081254" cy="2050480"/>
+      </dsp:txXfrm>
+    </dsp:sp>
+    <dsp:sp modelId="{0F43F693-C6FB-410D-B7BE-FE9A4EE927D4}">
+      <dsp:nvSpPr>
+        <dsp:cNvPr id="0" name=""/>
+        <dsp:cNvSpPr/>
+      </dsp:nvSpPr>
+      <dsp:spPr>
+        <a:xfrm>
+          <a:off x="1388318" y="1625600"/>
+          <a:ext cx="1198240" cy="2167466"/>
+        </a:xfrm>
+        <a:prstGeom prst="roundRect">
+          <a:avLst/>
+        </a:prstGeom>
+        <a:solidFill>
+          <a:srgbClr val="FF0000"/>
+        </a:solidFill>
+        <a:ln w="12700" cap="flat" cmpd="sng" algn="ctr">
+          <a:solidFill>
+            <a:schemeClr val="lt1">
+              <a:hueOff val="0"/>
+              <a:satOff val="0"/>
+              <a:lumOff val="0"/>
+              <a:alphaOff val="0"/>
+            </a:schemeClr>
+          </a:solidFill>
+          <a:prstDash val="solid"/>
+          <a:miter lim="800000"/>
+        </a:ln>
+        <a:effectLst/>
+      </dsp:spPr>
+      <dsp:style>
+        <a:lnRef idx="2">
+          <a:scrgbClr r="0" g="0" b="0"/>
+        </a:lnRef>
+        <a:fillRef idx="1">
+          <a:scrgbClr r="0" g="0" b="0"/>
+        </a:fillRef>
+        <a:effectRef idx="0">
+          <a:scrgbClr r="0" g="0" b="0"/>
+        </a:effectRef>
+        <a:fontRef idx="minor">
+          <a:schemeClr val="lt1"/>
+        </a:fontRef>
+      </dsp:style>
+      <dsp:txBody>
+        <a:bodyPr spcFirstLastPara="0" vert="horz" wrap="square" lIns="110490" tIns="110490" rIns="110490" bIns="110490" numCol="1" spcCol="1270" anchor="ctr" anchorCtr="0">
+          <a:noAutofit/>
+        </a:bodyPr>
+        <a:lstStyle/>
+        <a:p>
+          <a:pPr marL="0" lvl="0" indent="0" algn="ctr" defTabSz="1289050">
+            <a:lnSpc>
+              <a:spcPct val="90000"/>
+            </a:lnSpc>
+            <a:spcBef>
+              <a:spcPct val="0"/>
+            </a:spcBef>
+            <a:spcAft>
+              <a:spcPct val="35000"/>
+            </a:spcAft>
+            <a:buNone/>
+          </a:pPr>
+          <a:r>
+            <a:rPr lang="en-US" sz="2900" kern="1200" dirty="0"/>
+            <a:t>Why?</a:t>
+          </a:r>
+        </a:p>
+      </dsp:txBody>
+      <dsp:txXfrm>
+        <a:off x="1446811" y="1684093"/>
+        <a:ext cx="1081254" cy="2050480"/>
+      </dsp:txXfrm>
+    </dsp:sp>
+    <dsp:sp modelId="{8BEC28F8-DC8D-43D0-BB81-7CF1442B9EE1}">
+      <dsp:nvSpPr>
+        <dsp:cNvPr id="0" name=""/>
+        <dsp:cNvSpPr/>
+      </dsp:nvSpPr>
+      <dsp:spPr>
+        <a:xfrm>
+          <a:off x="2772692" y="1625600"/>
+          <a:ext cx="1198240" cy="2167466"/>
+        </a:xfrm>
+        <a:prstGeom prst="roundRect">
+          <a:avLst/>
+        </a:prstGeom>
+        <a:solidFill>
+          <a:srgbClr val="FF0000"/>
+        </a:solidFill>
+        <a:ln w="12700" cap="flat" cmpd="sng" algn="ctr">
+          <a:solidFill>
+            <a:schemeClr val="lt1">
+              <a:hueOff val="0"/>
+              <a:satOff val="0"/>
+              <a:lumOff val="0"/>
+              <a:alphaOff val="0"/>
+            </a:schemeClr>
+          </a:solidFill>
+          <a:prstDash val="solid"/>
+          <a:miter lim="800000"/>
+        </a:ln>
+        <a:effectLst/>
+      </dsp:spPr>
+      <dsp:style>
+        <a:lnRef idx="2">
+          <a:scrgbClr r="0" g="0" b="0"/>
+        </a:lnRef>
+        <a:fillRef idx="1">
+          <a:scrgbClr r="0" g="0" b="0"/>
+        </a:fillRef>
+        <a:effectRef idx="0">
+          <a:scrgbClr r="0" g="0" b="0"/>
+        </a:effectRef>
+        <a:fontRef idx="minor">
+          <a:schemeClr val="lt1"/>
+        </a:fontRef>
+      </dsp:style>
+      <dsp:txBody>
+        <a:bodyPr spcFirstLastPara="0" vert="horz" wrap="square" lIns="110490" tIns="110490" rIns="110490" bIns="110490" numCol="1" spcCol="1270" anchor="ctr" anchorCtr="0">
+          <a:noAutofit/>
+        </a:bodyPr>
+        <a:lstStyle/>
+        <a:p>
+          <a:pPr marL="0" lvl="0" indent="0" algn="ctr" defTabSz="1289050">
+            <a:lnSpc>
+              <a:spcPct val="90000"/>
+            </a:lnSpc>
+            <a:spcBef>
+              <a:spcPct val="0"/>
+            </a:spcBef>
+            <a:spcAft>
+              <a:spcPct val="35000"/>
+            </a:spcAft>
+            <a:buNone/>
+          </a:pPr>
+          <a:r>
+            <a:rPr lang="en-US" sz="2900" kern="1200" dirty="0"/>
+            <a:t>Why?</a:t>
+          </a:r>
+        </a:p>
+      </dsp:txBody>
+      <dsp:txXfrm>
+        <a:off x="2831185" y="1684093"/>
+        <a:ext cx="1081254" cy="2050480"/>
+      </dsp:txXfrm>
+    </dsp:sp>
+    <dsp:sp modelId="{62174BA3-17A2-40C2-A6E3-39AADDF9A4FA}">
+      <dsp:nvSpPr>
+        <dsp:cNvPr id="0" name=""/>
+        <dsp:cNvSpPr/>
+      </dsp:nvSpPr>
+      <dsp:spPr>
+        <a:xfrm>
+          <a:off x="4157067" y="1625600"/>
+          <a:ext cx="1198240" cy="2167466"/>
+        </a:xfrm>
+        <a:prstGeom prst="roundRect">
+          <a:avLst/>
+        </a:prstGeom>
+        <a:solidFill>
+          <a:srgbClr val="FF0000"/>
+        </a:solidFill>
+        <a:ln w="12700" cap="flat" cmpd="sng" algn="ctr">
+          <a:solidFill>
+            <a:schemeClr val="lt1">
+              <a:hueOff val="0"/>
+              <a:satOff val="0"/>
+              <a:lumOff val="0"/>
+              <a:alphaOff val="0"/>
+            </a:schemeClr>
+          </a:solidFill>
+          <a:prstDash val="solid"/>
+          <a:miter lim="800000"/>
+        </a:ln>
+        <a:effectLst/>
+      </dsp:spPr>
+      <dsp:style>
+        <a:lnRef idx="2">
+          <a:scrgbClr r="0" g="0" b="0"/>
+        </a:lnRef>
+        <a:fillRef idx="1">
+          <a:scrgbClr r="0" g="0" b="0"/>
+        </a:fillRef>
+        <a:effectRef idx="0">
+          <a:scrgbClr r="0" g="0" b="0"/>
+        </a:effectRef>
+        <a:fontRef idx="minor">
+          <a:schemeClr val="lt1"/>
+        </a:fontRef>
+      </dsp:style>
+      <dsp:txBody>
+        <a:bodyPr spcFirstLastPara="0" vert="horz" wrap="square" lIns="110490" tIns="110490" rIns="110490" bIns="110490" numCol="1" spcCol="1270" anchor="ctr" anchorCtr="0">
+          <a:noAutofit/>
+        </a:bodyPr>
+        <a:lstStyle/>
+        <a:p>
+          <a:pPr marL="0" lvl="0" indent="0" algn="ctr" defTabSz="1289050">
+            <a:lnSpc>
+              <a:spcPct val="90000"/>
+            </a:lnSpc>
+            <a:spcBef>
+              <a:spcPct val="0"/>
+            </a:spcBef>
+            <a:spcAft>
+              <a:spcPct val="35000"/>
+            </a:spcAft>
+            <a:buNone/>
+          </a:pPr>
+          <a:r>
+            <a:rPr lang="en-US" sz="2900" kern="1200" dirty="0"/>
+            <a:t>Why?</a:t>
+          </a:r>
+        </a:p>
+      </dsp:txBody>
+      <dsp:txXfrm>
+        <a:off x="4215560" y="1684093"/>
+        <a:ext cx="1081254" cy="2050480"/>
+      </dsp:txXfrm>
+    </dsp:sp>
+    <dsp:sp modelId="{A4CAA7AB-EDED-400F-8880-563983D3A416}">
+      <dsp:nvSpPr>
+        <dsp:cNvPr id="0" name=""/>
+        <dsp:cNvSpPr/>
+      </dsp:nvSpPr>
+      <dsp:spPr>
+        <a:xfrm>
+          <a:off x="5541441" y="1625600"/>
+          <a:ext cx="1198240" cy="2167466"/>
+        </a:xfrm>
+        <a:prstGeom prst="roundRect">
+          <a:avLst/>
+        </a:prstGeom>
+        <a:solidFill>
+          <a:srgbClr val="FF0000"/>
+        </a:solidFill>
+        <a:ln w="12700" cap="flat" cmpd="sng" algn="ctr">
+          <a:solidFill>
+            <a:schemeClr val="lt1">
+              <a:hueOff val="0"/>
+              <a:satOff val="0"/>
+              <a:lumOff val="0"/>
+              <a:alphaOff val="0"/>
+            </a:schemeClr>
+          </a:solidFill>
+          <a:prstDash val="solid"/>
+          <a:miter lim="800000"/>
+        </a:ln>
+        <a:effectLst/>
+      </dsp:spPr>
+      <dsp:style>
+        <a:lnRef idx="2">
+          <a:scrgbClr r="0" g="0" b="0"/>
+        </a:lnRef>
+        <a:fillRef idx="1">
+          <a:scrgbClr r="0" g="0" b="0"/>
+        </a:fillRef>
+        <a:effectRef idx="0">
+          <a:scrgbClr r="0" g="0" b="0"/>
+        </a:effectRef>
+        <a:fontRef idx="minor">
+          <a:schemeClr val="lt1"/>
+        </a:fontRef>
+      </dsp:style>
+      <dsp:txBody>
+        <a:bodyPr spcFirstLastPara="0" vert="horz" wrap="square" lIns="110490" tIns="110490" rIns="110490" bIns="110490" numCol="1" spcCol="1270" anchor="ctr" anchorCtr="0">
+          <a:noAutofit/>
+        </a:bodyPr>
+        <a:lstStyle/>
+        <a:p>
+          <a:pPr marL="0" lvl="0" indent="0" algn="ctr" defTabSz="1289050">
+            <a:lnSpc>
+              <a:spcPct val="90000"/>
+            </a:lnSpc>
+            <a:spcBef>
+              <a:spcPct val="0"/>
+            </a:spcBef>
+            <a:spcAft>
+              <a:spcPct val="35000"/>
+            </a:spcAft>
+            <a:buNone/>
+          </a:pPr>
+          <a:r>
+            <a:rPr lang="en-US" sz="2900" kern="1200" dirty="0"/>
+            <a:t>Why?</a:t>
+          </a:r>
+        </a:p>
+      </dsp:txBody>
+      <dsp:txXfrm>
+        <a:off x="5599934" y="1684093"/>
+        <a:ext cx="1081254" cy="2050480"/>
+      </dsp:txXfrm>
+    </dsp:sp>
+    <dsp:sp modelId="{26D1C832-E268-46BD-9BA8-FC2301449206}">
+      <dsp:nvSpPr>
+        <dsp:cNvPr id="0" name=""/>
+        <dsp:cNvSpPr/>
+      </dsp:nvSpPr>
+      <dsp:spPr>
+        <a:xfrm>
+          <a:off x="6925816" y="1625600"/>
+          <a:ext cx="1198240" cy="2167466"/>
+        </a:xfrm>
+        <a:prstGeom prst="roundRect">
+          <a:avLst/>
+        </a:prstGeom>
+        <a:solidFill>
+          <a:srgbClr val="FF0000"/>
+        </a:solidFill>
+        <a:ln w="12700" cap="flat" cmpd="sng" algn="ctr">
+          <a:solidFill>
+            <a:schemeClr val="lt1">
+              <a:hueOff val="0"/>
+              <a:satOff val="0"/>
+              <a:lumOff val="0"/>
+              <a:alphaOff val="0"/>
+            </a:schemeClr>
+          </a:solidFill>
+          <a:prstDash val="solid"/>
+          <a:miter lim="800000"/>
+        </a:ln>
+        <a:effectLst/>
+      </dsp:spPr>
+      <dsp:style>
+        <a:lnRef idx="2">
+          <a:scrgbClr r="0" g="0" b="0"/>
+        </a:lnRef>
+        <a:fillRef idx="1">
+          <a:scrgbClr r="0" g="0" b="0"/>
+        </a:fillRef>
+        <a:effectRef idx="0">
+          <a:scrgbClr r="0" g="0" b="0"/>
+        </a:effectRef>
+        <a:fontRef idx="minor">
+          <a:schemeClr val="lt1"/>
+        </a:fontRef>
+      </dsp:style>
+      <dsp:txBody>
+        <a:bodyPr spcFirstLastPara="0" vert="horz" wrap="square" lIns="110490" tIns="110490" rIns="110490" bIns="110490" numCol="1" spcCol="1270" anchor="ctr" anchorCtr="0">
+          <a:noAutofit/>
+        </a:bodyPr>
+        <a:lstStyle/>
+        <a:p>
+          <a:pPr marL="0" lvl="0" indent="0" algn="ctr" defTabSz="1289050">
+            <a:lnSpc>
+              <a:spcPct val="90000"/>
+            </a:lnSpc>
+            <a:spcBef>
+              <a:spcPct val="0"/>
+            </a:spcBef>
+            <a:spcAft>
+              <a:spcPct val="35000"/>
+            </a:spcAft>
+            <a:buNone/>
+          </a:pPr>
+          <a:r>
+            <a:rPr lang="en-US" sz="2900" kern="1200" dirty="0"/>
+            <a:t>Why?</a:t>
+          </a:r>
+        </a:p>
+      </dsp:txBody>
+      <dsp:txXfrm>
+        <a:off x="6984309" y="1684093"/>
+        <a:ext cx="1081254" cy="2050480"/>
       </dsp:txXfrm>
     </dsp:sp>
   </dsp:spTree>
@@ -8336,6 +10606,160 @@
 </dgm:layoutDef>
 </file>
 
+<file path=ppt/diagrams/layout6.xml><?xml version="1.0" encoding="utf-8"?>
+<dgm:layoutDef xmlns:dgm="http://schemas.openxmlformats.org/drawingml/2006/diagram" xmlns:a="http://schemas.openxmlformats.org/drawingml/2006/main" uniqueId="urn:microsoft.com/office/officeart/2005/8/layout/hProcess9">
+  <dgm:title val=""/>
+  <dgm:desc val=""/>
+  <dgm:catLst>
+    <dgm:cat type="process" pri="5000"/>
+    <dgm:cat type="convert" pri="13000"/>
+  </dgm:catLst>
+  <dgm:sampData useDef="1">
+    <dgm:dataModel>
+      <dgm:ptLst/>
+      <dgm:bg/>
+      <dgm:whole/>
+    </dgm:dataModel>
+  </dgm:sampData>
+  <dgm:styleData>
+    <dgm:dataModel>
+      <dgm:ptLst>
+        <dgm:pt modelId="0" type="doc"/>
+        <dgm:pt modelId="1"/>
+        <dgm:pt modelId="2"/>
+      </dgm:ptLst>
+      <dgm:cxnLst>
+        <dgm:cxn modelId="3" srcId="0" destId="1" srcOrd="0" destOrd="0"/>
+        <dgm:cxn modelId="4" srcId="0" destId="2" srcOrd="1" destOrd="0"/>
+      </dgm:cxnLst>
+      <dgm:bg/>
+      <dgm:whole/>
+    </dgm:dataModel>
+  </dgm:styleData>
+  <dgm:clrData>
+    <dgm:dataModel>
+      <dgm:ptLst>
+        <dgm:pt modelId="0" type="doc"/>
+        <dgm:pt modelId="1"/>
+        <dgm:pt modelId="2"/>
+        <dgm:pt modelId="3"/>
+        <dgm:pt modelId="4"/>
+      </dgm:ptLst>
+      <dgm:cxnLst>
+        <dgm:cxn modelId="5" srcId="0" destId="1" srcOrd="0" destOrd="0"/>
+        <dgm:cxn modelId="6" srcId="0" destId="2" srcOrd="1" destOrd="0"/>
+        <dgm:cxn modelId="7" srcId="0" destId="3" srcOrd="2" destOrd="0"/>
+        <dgm:cxn modelId="8" srcId="0" destId="4" srcOrd="3" destOrd="0"/>
+      </dgm:cxnLst>
+      <dgm:bg/>
+      <dgm:whole/>
+    </dgm:dataModel>
+  </dgm:clrData>
+  <dgm:layoutNode name="CompostProcess">
+    <dgm:varLst>
+      <dgm:dir/>
+      <dgm:resizeHandles val="exact"/>
+    </dgm:varLst>
+    <dgm:alg type="composite">
+      <dgm:param type="horzAlign" val="ctr"/>
+      <dgm:param type="vertAlign" val="mid"/>
+    </dgm:alg>
+    <dgm:shape xmlns:r="http://schemas.openxmlformats.org/officeDocument/2006/relationships" r:blip="">
+      <dgm:adjLst/>
+    </dgm:shape>
+    <dgm:presOf/>
+    <dgm:constrLst>
+      <dgm:constr type="w" for="ch" forName="arrow" refType="w" fact="0.85"/>
+      <dgm:constr type="h" for="ch" forName="arrow" refType="h"/>
+      <dgm:constr type="ctrX" for="ch" forName="arrow" refType="w" fact="0.5"/>
+      <dgm:constr type="ctrY" for="ch" forName="arrow" refType="h" fact="0.5"/>
+      <dgm:constr type="w" for="ch" forName="linearProcess" refType="w"/>
+      <dgm:constr type="h" for="ch" forName="linearProcess" refType="h" fact="0.4"/>
+      <dgm:constr type="ctrX" for="ch" forName="linearProcess" refType="w" fact="0.5"/>
+      <dgm:constr type="ctrY" for="ch" forName="linearProcess" refType="h" fact="0.5"/>
+    </dgm:constrLst>
+    <dgm:ruleLst/>
+    <dgm:layoutNode name="arrow" styleLbl="bgShp">
+      <dgm:alg type="sp"/>
+      <dgm:choose name="Name0">
+        <dgm:if name="Name1" func="var" arg="dir" op="equ" val="norm">
+          <dgm:shape xmlns:r="http://schemas.openxmlformats.org/officeDocument/2006/relationships" type="rightArrow" r:blip="">
+            <dgm:adjLst/>
+          </dgm:shape>
+        </dgm:if>
+        <dgm:else name="Name2">
+          <dgm:shape xmlns:r="http://schemas.openxmlformats.org/officeDocument/2006/relationships" type="leftArrow" r:blip="">
+            <dgm:adjLst/>
+          </dgm:shape>
+        </dgm:else>
+      </dgm:choose>
+      <dgm:presOf/>
+      <dgm:constrLst/>
+      <dgm:ruleLst/>
+    </dgm:layoutNode>
+    <dgm:layoutNode name="linearProcess">
+      <dgm:choose name="Name3">
+        <dgm:if name="Name4" func="var" arg="dir" op="equ" val="norm">
+          <dgm:alg type="lin"/>
+        </dgm:if>
+        <dgm:else name="Name5">
+          <dgm:alg type="lin">
+            <dgm:param type="linDir" val="fromR"/>
+          </dgm:alg>
+        </dgm:else>
+      </dgm:choose>
+      <dgm:shape xmlns:r="http://schemas.openxmlformats.org/officeDocument/2006/relationships" r:blip="">
+        <dgm:adjLst/>
+      </dgm:shape>
+      <dgm:presOf/>
+      <dgm:constrLst>
+        <dgm:constr type="userA" for="ch" ptType="node" refType="w"/>
+        <dgm:constr type="h" for="ch" ptType="node" refType="h"/>
+        <dgm:constr type="w" for="ch" ptType="node" op="equ"/>
+        <dgm:constr type="w" for="ch" forName="sibTrans" refType="w" fact="0.05"/>
+        <dgm:constr type="primFontSz" for="ch" ptType="node" op="equ" val="65"/>
+      </dgm:constrLst>
+      <dgm:ruleLst/>
+      <dgm:forEach name="Name6" axis="ch" ptType="node">
+        <dgm:layoutNode name="textNode" styleLbl="node1">
+          <dgm:varLst>
+            <dgm:bulletEnabled val="1"/>
+          </dgm:varLst>
+          <dgm:alg type="tx"/>
+          <dgm:shape xmlns:r="http://schemas.openxmlformats.org/officeDocument/2006/relationships" type="roundRect" r:blip="">
+            <dgm:adjLst/>
+          </dgm:shape>
+          <dgm:presOf axis="desOrSelf" ptType="node"/>
+          <dgm:constrLst>
+            <dgm:constr type="userA"/>
+            <dgm:constr type="w" refType="userA" fact="0.3"/>
+            <dgm:constr type="tMarg" refType="primFontSz" fact="0.3"/>
+            <dgm:constr type="bMarg" refType="primFontSz" fact="0.3"/>
+            <dgm:constr type="lMarg" refType="primFontSz" fact="0.3"/>
+            <dgm:constr type="rMarg" refType="primFontSz" fact="0.3"/>
+          </dgm:constrLst>
+          <dgm:ruleLst>
+            <dgm:rule type="w" val="NaN" fact="1" max="NaN"/>
+            <dgm:rule type="primFontSz" val="5" fact="NaN" max="NaN"/>
+          </dgm:ruleLst>
+        </dgm:layoutNode>
+        <dgm:forEach name="Name7" axis="followSib" ptType="sibTrans" cnt="1">
+          <dgm:layoutNode name="sibTrans">
+            <dgm:alg type="sp"/>
+            <dgm:shape xmlns:r="http://schemas.openxmlformats.org/officeDocument/2006/relationships" r:blip="">
+              <dgm:adjLst/>
+            </dgm:shape>
+            <dgm:presOf/>
+            <dgm:constrLst/>
+            <dgm:ruleLst/>
+          </dgm:layoutNode>
+        </dgm:forEach>
+      </dgm:forEach>
+    </dgm:layoutNode>
+  </dgm:layoutNode>
+</dgm:layoutDef>
+</file>
+
 <file path=ppt/diagrams/quickStyle1.xml><?xml version="1.0" encoding="utf-8"?>
 <dgm:styleDef xmlns:dgm="http://schemas.openxmlformats.org/drawingml/2006/diagram" xmlns:a="http://schemas.openxmlformats.org/drawingml/2006/main" uniqueId="urn:microsoft.com/office/officeart/2005/8/quickstyle/simple1">
   <dgm:title val=""/>
@@ -12473,6 +14897,1040 @@
 </file>
 
 <file path=ppt/diagrams/quickStyle5.xml><?xml version="1.0" encoding="utf-8"?>
+<dgm:styleDef xmlns:dgm="http://schemas.openxmlformats.org/drawingml/2006/diagram" xmlns:a="http://schemas.openxmlformats.org/drawingml/2006/main" uniqueId="urn:microsoft.com/office/officeart/2005/8/quickstyle/simple1">
+  <dgm:title val=""/>
+  <dgm:desc val=""/>
+  <dgm:catLst>
+    <dgm:cat type="simple" pri="10100"/>
+  </dgm:catLst>
+  <dgm:scene3d>
+    <a:camera prst="orthographicFront"/>
+    <a:lightRig rig="threePt" dir="t"/>
+  </dgm:scene3d>
+  <dgm:styleLbl name="node0">
+    <dgm:scene3d>
+      <a:camera prst="orthographicFront"/>
+      <a:lightRig rig="threePt" dir="t"/>
+    </dgm:scene3d>
+    <dgm:sp3d/>
+    <dgm:txPr/>
+    <dgm:style>
+      <a:lnRef idx="2">
+        <a:scrgbClr r="0" g="0" b="0"/>
+      </a:lnRef>
+      <a:fillRef idx="1">
+        <a:scrgbClr r="0" g="0" b="0"/>
+      </a:fillRef>
+      <a:effectRef idx="0">
+        <a:scrgbClr r="0" g="0" b="0"/>
+      </a:effectRef>
+      <a:fontRef idx="minor">
+        <a:schemeClr val="lt1"/>
+      </a:fontRef>
+    </dgm:style>
+  </dgm:styleLbl>
+  <dgm:styleLbl name="lnNode1">
+    <dgm:scene3d>
+      <a:camera prst="orthographicFront"/>
+      <a:lightRig rig="threePt" dir="t"/>
+    </dgm:scene3d>
+    <dgm:sp3d/>
+    <dgm:txPr/>
+    <dgm:style>
+      <a:lnRef idx="2">
+        <a:scrgbClr r="0" g="0" b="0"/>
+      </a:lnRef>
+      <a:fillRef idx="1">
+        <a:scrgbClr r="0" g="0" b="0"/>
+      </a:fillRef>
+      <a:effectRef idx="0">
+        <a:scrgbClr r="0" g="0" b="0"/>
+      </a:effectRef>
+      <a:fontRef idx="minor">
+        <a:schemeClr val="lt1"/>
+      </a:fontRef>
+    </dgm:style>
+  </dgm:styleLbl>
+  <dgm:styleLbl name="vennNode1">
+    <dgm:scene3d>
+      <a:camera prst="orthographicFront"/>
+      <a:lightRig rig="threePt" dir="t"/>
+    </dgm:scene3d>
+    <dgm:sp3d/>
+    <dgm:txPr/>
+    <dgm:style>
+      <a:lnRef idx="2">
+        <a:scrgbClr r="0" g="0" b="0"/>
+      </a:lnRef>
+      <a:fillRef idx="1">
+        <a:scrgbClr r="0" g="0" b="0"/>
+      </a:fillRef>
+      <a:effectRef idx="0">
+        <a:scrgbClr r="0" g="0" b="0"/>
+      </a:effectRef>
+      <a:fontRef idx="minor">
+        <a:schemeClr val="tx1"/>
+      </a:fontRef>
+    </dgm:style>
+  </dgm:styleLbl>
+  <dgm:styleLbl name="alignNode1">
+    <dgm:scene3d>
+      <a:camera prst="orthographicFront"/>
+      <a:lightRig rig="threePt" dir="t"/>
+    </dgm:scene3d>
+    <dgm:sp3d/>
+    <dgm:txPr/>
+    <dgm:style>
+      <a:lnRef idx="2">
+        <a:scrgbClr r="0" g="0" b="0"/>
+      </a:lnRef>
+      <a:fillRef idx="1">
+        <a:scrgbClr r="0" g="0" b="0"/>
+      </a:fillRef>
+      <a:effectRef idx="0">
+        <a:scrgbClr r="0" g="0" b="0"/>
+      </a:effectRef>
+      <a:fontRef idx="minor">
+        <a:schemeClr val="lt1"/>
+      </a:fontRef>
+    </dgm:style>
+  </dgm:styleLbl>
+  <dgm:styleLbl name="node1">
+    <dgm:scene3d>
+      <a:camera prst="orthographicFront"/>
+      <a:lightRig rig="threePt" dir="t"/>
+    </dgm:scene3d>
+    <dgm:sp3d/>
+    <dgm:txPr/>
+    <dgm:style>
+      <a:lnRef idx="2">
+        <a:scrgbClr r="0" g="0" b="0"/>
+      </a:lnRef>
+      <a:fillRef idx="1">
+        <a:scrgbClr r="0" g="0" b="0"/>
+      </a:fillRef>
+      <a:effectRef idx="0">
+        <a:scrgbClr r="0" g="0" b="0"/>
+      </a:effectRef>
+      <a:fontRef idx="minor">
+        <a:schemeClr val="lt1"/>
+      </a:fontRef>
+    </dgm:style>
+  </dgm:styleLbl>
+  <dgm:styleLbl name="node2">
+    <dgm:scene3d>
+      <a:camera prst="orthographicFront"/>
+      <a:lightRig rig="threePt" dir="t"/>
+    </dgm:scene3d>
+    <dgm:sp3d/>
+    <dgm:txPr/>
+    <dgm:style>
+      <a:lnRef idx="2">
+        <a:scrgbClr r="0" g="0" b="0"/>
+      </a:lnRef>
+      <a:fillRef idx="1">
+        <a:scrgbClr r="0" g="0" b="0"/>
+      </a:fillRef>
+      <a:effectRef idx="0">
+        <a:scrgbClr r="0" g="0" b="0"/>
+      </a:effectRef>
+      <a:fontRef idx="minor">
+        <a:schemeClr val="lt1"/>
+      </a:fontRef>
+    </dgm:style>
+  </dgm:styleLbl>
+  <dgm:styleLbl name="node3">
+    <dgm:scene3d>
+      <a:camera prst="orthographicFront"/>
+      <a:lightRig rig="threePt" dir="t"/>
+    </dgm:scene3d>
+    <dgm:sp3d/>
+    <dgm:txPr/>
+    <dgm:style>
+      <a:lnRef idx="2">
+        <a:scrgbClr r="0" g="0" b="0"/>
+      </a:lnRef>
+      <a:fillRef idx="1">
+        <a:scrgbClr r="0" g="0" b="0"/>
+      </a:fillRef>
+      <a:effectRef idx="0">
+        <a:scrgbClr r="0" g="0" b="0"/>
+      </a:effectRef>
+      <a:fontRef idx="minor">
+        <a:schemeClr val="lt1"/>
+      </a:fontRef>
+    </dgm:style>
+  </dgm:styleLbl>
+  <dgm:styleLbl name="node4">
+    <dgm:scene3d>
+      <a:camera prst="orthographicFront"/>
+      <a:lightRig rig="threePt" dir="t"/>
+    </dgm:scene3d>
+    <dgm:sp3d/>
+    <dgm:txPr/>
+    <dgm:style>
+      <a:lnRef idx="2">
+        <a:scrgbClr r="0" g="0" b="0"/>
+      </a:lnRef>
+      <a:fillRef idx="1">
+        <a:scrgbClr r="0" g="0" b="0"/>
+      </a:fillRef>
+      <a:effectRef idx="0">
+        <a:scrgbClr r="0" g="0" b="0"/>
+      </a:effectRef>
+      <a:fontRef idx="minor">
+        <a:schemeClr val="lt1"/>
+      </a:fontRef>
+    </dgm:style>
+  </dgm:styleLbl>
+  <dgm:styleLbl name="fgImgPlace1">
+    <dgm:scene3d>
+      <a:camera prst="orthographicFront"/>
+      <a:lightRig rig="threePt" dir="t"/>
+    </dgm:scene3d>
+    <dgm:sp3d/>
+    <dgm:txPr/>
+    <dgm:style>
+      <a:lnRef idx="2">
+        <a:scrgbClr r="0" g="0" b="0"/>
+      </a:lnRef>
+      <a:fillRef idx="1">
+        <a:scrgbClr r="0" g="0" b="0"/>
+      </a:fillRef>
+      <a:effectRef idx="0">
+        <a:scrgbClr r="0" g="0" b="0"/>
+      </a:effectRef>
+      <a:fontRef idx="minor"/>
+    </dgm:style>
+  </dgm:styleLbl>
+  <dgm:styleLbl name="alignImgPlace1">
+    <dgm:scene3d>
+      <a:camera prst="orthographicFront"/>
+      <a:lightRig rig="threePt" dir="t"/>
+    </dgm:scene3d>
+    <dgm:sp3d/>
+    <dgm:txPr/>
+    <dgm:style>
+      <a:lnRef idx="2">
+        <a:scrgbClr r="0" g="0" b="0"/>
+      </a:lnRef>
+      <a:fillRef idx="1">
+        <a:scrgbClr r="0" g="0" b="0"/>
+      </a:fillRef>
+      <a:effectRef idx="0">
+        <a:scrgbClr r="0" g="0" b="0"/>
+      </a:effectRef>
+      <a:fontRef idx="minor"/>
+    </dgm:style>
+  </dgm:styleLbl>
+  <dgm:styleLbl name="bgImgPlace1">
+    <dgm:scene3d>
+      <a:camera prst="orthographicFront"/>
+      <a:lightRig rig="threePt" dir="t"/>
+    </dgm:scene3d>
+    <dgm:sp3d/>
+    <dgm:txPr/>
+    <dgm:style>
+      <a:lnRef idx="2">
+        <a:scrgbClr r="0" g="0" b="0"/>
+      </a:lnRef>
+      <a:fillRef idx="1">
+        <a:scrgbClr r="0" g="0" b="0"/>
+      </a:fillRef>
+      <a:effectRef idx="0">
+        <a:scrgbClr r="0" g="0" b="0"/>
+      </a:effectRef>
+      <a:fontRef idx="minor"/>
+    </dgm:style>
+  </dgm:styleLbl>
+  <dgm:styleLbl name="sibTrans2D1">
+    <dgm:scene3d>
+      <a:camera prst="orthographicFront"/>
+      <a:lightRig rig="threePt" dir="t"/>
+    </dgm:scene3d>
+    <dgm:sp3d/>
+    <dgm:txPr/>
+    <dgm:style>
+      <a:lnRef idx="0">
+        <a:scrgbClr r="0" g="0" b="0"/>
+      </a:lnRef>
+      <a:fillRef idx="1">
+        <a:scrgbClr r="0" g="0" b="0"/>
+      </a:fillRef>
+      <a:effectRef idx="0">
+        <a:scrgbClr r="0" g="0" b="0"/>
+      </a:effectRef>
+      <a:fontRef idx="minor">
+        <a:schemeClr val="lt1"/>
+      </a:fontRef>
+    </dgm:style>
+  </dgm:styleLbl>
+  <dgm:styleLbl name="fgSibTrans2D1">
+    <dgm:scene3d>
+      <a:camera prst="orthographicFront"/>
+      <a:lightRig rig="threePt" dir="t"/>
+    </dgm:scene3d>
+    <dgm:sp3d/>
+    <dgm:txPr/>
+    <dgm:style>
+      <a:lnRef idx="0">
+        <a:scrgbClr r="0" g="0" b="0"/>
+      </a:lnRef>
+      <a:fillRef idx="1">
+        <a:scrgbClr r="0" g="0" b="0"/>
+      </a:fillRef>
+      <a:effectRef idx="0">
+        <a:scrgbClr r="0" g="0" b="0"/>
+      </a:effectRef>
+      <a:fontRef idx="minor">
+        <a:schemeClr val="lt1"/>
+      </a:fontRef>
+    </dgm:style>
+  </dgm:styleLbl>
+  <dgm:styleLbl name="bgSibTrans2D1">
+    <dgm:scene3d>
+      <a:camera prst="orthographicFront"/>
+      <a:lightRig rig="threePt" dir="t"/>
+    </dgm:scene3d>
+    <dgm:sp3d/>
+    <dgm:txPr/>
+    <dgm:style>
+      <a:lnRef idx="0">
+        <a:scrgbClr r="0" g="0" b="0"/>
+      </a:lnRef>
+      <a:fillRef idx="1">
+        <a:scrgbClr r="0" g="0" b="0"/>
+      </a:fillRef>
+      <a:effectRef idx="0">
+        <a:scrgbClr r="0" g="0" b="0"/>
+      </a:effectRef>
+      <a:fontRef idx="minor">
+        <a:schemeClr val="lt1"/>
+      </a:fontRef>
+    </dgm:style>
+  </dgm:styleLbl>
+  <dgm:styleLbl name="sibTrans1D1">
+    <dgm:scene3d>
+      <a:camera prst="orthographicFront"/>
+      <a:lightRig rig="threePt" dir="t"/>
+    </dgm:scene3d>
+    <dgm:sp3d/>
+    <dgm:txPr/>
+    <dgm:style>
+      <a:lnRef idx="1">
+        <a:scrgbClr r="0" g="0" b="0"/>
+      </a:lnRef>
+      <a:fillRef idx="0">
+        <a:scrgbClr r="0" g="0" b="0"/>
+      </a:fillRef>
+      <a:effectRef idx="0">
+        <a:scrgbClr r="0" g="0" b="0"/>
+      </a:effectRef>
+      <a:fontRef idx="minor"/>
+    </dgm:style>
+  </dgm:styleLbl>
+  <dgm:styleLbl name="callout">
+    <dgm:scene3d>
+      <a:camera prst="orthographicFront"/>
+      <a:lightRig rig="threePt" dir="t"/>
+    </dgm:scene3d>
+    <dgm:sp3d/>
+    <dgm:txPr/>
+    <dgm:style>
+      <a:lnRef idx="2">
+        <a:scrgbClr r="0" g="0" b="0"/>
+      </a:lnRef>
+      <a:fillRef idx="1">
+        <a:scrgbClr r="0" g="0" b="0"/>
+      </a:fillRef>
+      <a:effectRef idx="0">
+        <a:scrgbClr r="0" g="0" b="0"/>
+      </a:effectRef>
+      <a:fontRef idx="minor"/>
+    </dgm:style>
+  </dgm:styleLbl>
+  <dgm:styleLbl name="asst0">
+    <dgm:scene3d>
+      <a:camera prst="orthographicFront"/>
+      <a:lightRig rig="threePt" dir="t"/>
+    </dgm:scene3d>
+    <dgm:sp3d/>
+    <dgm:txPr/>
+    <dgm:style>
+      <a:lnRef idx="2">
+        <a:scrgbClr r="0" g="0" b="0"/>
+      </a:lnRef>
+      <a:fillRef idx="1">
+        <a:scrgbClr r="0" g="0" b="0"/>
+      </a:fillRef>
+      <a:effectRef idx="0">
+        <a:scrgbClr r="0" g="0" b="0"/>
+      </a:effectRef>
+      <a:fontRef idx="minor">
+        <a:schemeClr val="lt1"/>
+      </a:fontRef>
+    </dgm:style>
+  </dgm:styleLbl>
+  <dgm:styleLbl name="asst1">
+    <dgm:scene3d>
+      <a:camera prst="orthographicFront"/>
+      <a:lightRig rig="threePt" dir="t"/>
+    </dgm:scene3d>
+    <dgm:sp3d/>
+    <dgm:txPr/>
+    <dgm:style>
+      <a:lnRef idx="2">
+        <a:scrgbClr r="0" g="0" b="0"/>
+      </a:lnRef>
+      <a:fillRef idx="1">
+        <a:scrgbClr r="0" g="0" b="0"/>
+      </a:fillRef>
+      <a:effectRef idx="0">
+        <a:scrgbClr r="0" g="0" b="0"/>
+      </a:effectRef>
+      <a:fontRef idx="minor">
+        <a:schemeClr val="lt1"/>
+      </a:fontRef>
+    </dgm:style>
+  </dgm:styleLbl>
+  <dgm:styleLbl name="asst2">
+    <dgm:scene3d>
+      <a:camera prst="orthographicFront"/>
+      <a:lightRig rig="threePt" dir="t"/>
+    </dgm:scene3d>
+    <dgm:sp3d/>
+    <dgm:txPr/>
+    <dgm:style>
+      <a:lnRef idx="2">
+        <a:scrgbClr r="0" g="0" b="0"/>
+      </a:lnRef>
+      <a:fillRef idx="1">
+        <a:scrgbClr r="0" g="0" b="0"/>
+      </a:fillRef>
+      <a:effectRef idx="0">
+        <a:scrgbClr r="0" g="0" b="0"/>
+      </a:effectRef>
+      <a:fontRef idx="minor">
+        <a:schemeClr val="lt1"/>
+      </a:fontRef>
+    </dgm:style>
+  </dgm:styleLbl>
+  <dgm:styleLbl name="asst3">
+    <dgm:scene3d>
+      <a:camera prst="orthographicFront"/>
+      <a:lightRig rig="threePt" dir="t"/>
+    </dgm:scene3d>
+    <dgm:sp3d/>
+    <dgm:txPr/>
+    <dgm:style>
+      <a:lnRef idx="2">
+        <a:scrgbClr r="0" g="0" b="0"/>
+      </a:lnRef>
+      <a:fillRef idx="1">
+        <a:scrgbClr r="0" g="0" b="0"/>
+      </a:fillRef>
+      <a:effectRef idx="0">
+        <a:scrgbClr r="0" g="0" b="0"/>
+      </a:effectRef>
+      <a:fontRef idx="minor">
+        <a:schemeClr val="lt1"/>
+      </a:fontRef>
+    </dgm:style>
+  </dgm:styleLbl>
+  <dgm:styleLbl name="asst4">
+    <dgm:scene3d>
+      <a:camera prst="orthographicFront"/>
+      <a:lightRig rig="threePt" dir="t"/>
+    </dgm:scene3d>
+    <dgm:sp3d/>
+    <dgm:txPr/>
+    <dgm:style>
+      <a:lnRef idx="2">
+        <a:scrgbClr r="0" g="0" b="0"/>
+      </a:lnRef>
+      <a:fillRef idx="1">
+        <a:scrgbClr r="0" g="0" b="0"/>
+      </a:fillRef>
+      <a:effectRef idx="0">
+        <a:scrgbClr r="0" g="0" b="0"/>
+      </a:effectRef>
+      <a:fontRef idx="minor">
+        <a:schemeClr val="lt1"/>
+      </a:fontRef>
+    </dgm:style>
+  </dgm:styleLbl>
+  <dgm:styleLbl name="parChTrans2D1">
+    <dgm:scene3d>
+      <a:camera prst="orthographicFront"/>
+      <a:lightRig rig="threePt" dir="t"/>
+    </dgm:scene3d>
+    <dgm:sp3d/>
+    <dgm:txPr/>
+    <dgm:style>
+      <a:lnRef idx="2">
+        <a:scrgbClr r="0" g="0" b="0"/>
+      </a:lnRef>
+      <a:fillRef idx="1">
+        <a:scrgbClr r="0" g="0" b="0"/>
+      </a:fillRef>
+      <a:effectRef idx="0">
+        <a:scrgbClr r="0" g="0" b="0"/>
+      </a:effectRef>
+      <a:fontRef idx="minor">
+        <a:schemeClr val="lt1"/>
+      </a:fontRef>
+    </dgm:style>
+  </dgm:styleLbl>
+  <dgm:styleLbl name="parChTrans2D2">
+    <dgm:scene3d>
+      <a:camera prst="orthographicFront"/>
+      <a:lightRig rig="threePt" dir="t"/>
+    </dgm:scene3d>
+    <dgm:sp3d/>
+    <dgm:txPr/>
+    <dgm:style>
+      <a:lnRef idx="2">
+        <a:scrgbClr r="0" g="0" b="0"/>
+      </a:lnRef>
+      <a:fillRef idx="1">
+        <a:scrgbClr r="0" g="0" b="0"/>
+      </a:fillRef>
+      <a:effectRef idx="0">
+        <a:scrgbClr r="0" g="0" b="0"/>
+      </a:effectRef>
+      <a:fontRef idx="minor">
+        <a:schemeClr val="lt1"/>
+      </a:fontRef>
+    </dgm:style>
+  </dgm:styleLbl>
+  <dgm:styleLbl name="parChTrans2D3">
+    <dgm:scene3d>
+      <a:camera prst="orthographicFront"/>
+      <a:lightRig rig="threePt" dir="t"/>
+    </dgm:scene3d>
+    <dgm:sp3d/>
+    <dgm:txPr/>
+    <dgm:style>
+      <a:lnRef idx="2">
+        <a:scrgbClr r="0" g="0" b="0"/>
+      </a:lnRef>
+      <a:fillRef idx="1">
+        <a:scrgbClr r="0" g="0" b="0"/>
+      </a:fillRef>
+      <a:effectRef idx="0">
+        <a:scrgbClr r="0" g="0" b="0"/>
+      </a:effectRef>
+      <a:fontRef idx="minor">
+        <a:schemeClr val="lt1"/>
+      </a:fontRef>
+    </dgm:style>
+  </dgm:styleLbl>
+  <dgm:styleLbl name="parChTrans2D4">
+    <dgm:scene3d>
+      <a:camera prst="orthographicFront"/>
+      <a:lightRig rig="threePt" dir="t"/>
+    </dgm:scene3d>
+    <dgm:sp3d/>
+    <dgm:txPr/>
+    <dgm:style>
+      <a:lnRef idx="2">
+        <a:scrgbClr r="0" g="0" b="0"/>
+      </a:lnRef>
+      <a:fillRef idx="1">
+        <a:scrgbClr r="0" g="0" b="0"/>
+      </a:fillRef>
+      <a:effectRef idx="0">
+        <a:scrgbClr r="0" g="0" b="0"/>
+      </a:effectRef>
+      <a:fontRef idx="minor">
+        <a:schemeClr val="lt1"/>
+      </a:fontRef>
+    </dgm:style>
+  </dgm:styleLbl>
+  <dgm:styleLbl name="parChTrans1D1">
+    <dgm:scene3d>
+      <a:camera prst="orthographicFront"/>
+      <a:lightRig rig="threePt" dir="t"/>
+    </dgm:scene3d>
+    <dgm:sp3d/>
+    <dgm:txPr/>
+    <dgm:style>
+      <a:lnRef idx="2">
+        <a:scrgbClr r="0" g="0" b="0"/>
+      </a:lnRef>
+      <a:fillRef idx="0">
+        <a:scrgbClr r="0" g="0" b="0"/>
+      </a:fillRef>
+      <a:effectRef idx="0">
+        <a:scrgbClr r="0" g="0" b="0"/>
+      </a:effectRef>
+      <a:fontRef idx="minor"/>
+    </dgm:style>
+  </dgm:styleLbl>
+  <dgm:styleLbl name="parChTrans1D2">
+    <dgm:scene3d>
+      <a:camera prst="orthographicFront"/>
+      <a:lightRig rig="threePt" dir="t"/>
+    </dgm:scene3d>
+    <dgm:sp3d/>
+    <dgm:txPr/>
+    <dgm:style>
+      <a:lnRef idx="2">
+        <a:scrgbClr r="0" g="0" b="0"/>
+      </a:lnRef>
+      <a:fillRef idx="0">
+        <a:scrgbClr r="0" g="0" b="0"/>
+      </a:fillRef>
+      <a:effectRef idx="0">
+        <a:scrgbClr r="0" g="0" b="0"/>
+      </a:effectRef>
+      <a:fontRef idx="minor"/>
+    </dgm:style>
+  </dgm:styleLbl>
+  <dgm:styleLbl name="parChTrans1D3">
+    <dgm:scene3d>
+      <a:camera prst="orthographicFront"/>
+      <a:lightRig rig="threePt" dir="t"/>
+    </dgm:scene3d>
+    <dgm:sp3d/>
+    <dgm:txPr/>
+    <dgm:style>
+      <a:lnRef idx="2">
+        <a:scrgbClr r="0" g="0" b="0"/>
+      </a:lnRef>
+      <a:fillRef idx="0">
+        <a:scrgbClr r="0" g="0" b="0"/>
+      </a:fillRef>
+      <a:effectRef idx="0">
+        <a:scrgbClr r="0" g="0" b="0"/>
+      </a:effectRef>
+      <a:fontRef idx="minor"/>
+    </dgm:style>
+  </dgm:styleLbl>
+  <dgm:styleLbl name="parChTrans1D4">
+    <dgm:scene3d>
+      <a:camera prst="orthographicFront"/>
+      <a:lightRig rig="threePt" dir="t"/>
+    </dgm:scene3d>
+    <dgm:sp3d/>
+    <dgm:txPr/>
+    <dgm:style>
+      <a:lnRef idx="2">
+        <a:scrgbClr r="0" g="0" b="0"/>
+      </a:lnRef>
+      <a:fillRef idx="0">
+        <a:scrgbClr r="0" g="0" b="0"/>
+      </a:fillRef>
+      <a:effectRef idx="0">
+        <a:scrgbClr r="0" g="0" b="0"/>
+      </a:effectRef>
+      <a:fontRef idx="minor"/>
+    </dgm:style>
+  </dgm:styleLbl>
+  <dgm:styleLbl name="fgAcc1">
+    <dgm:scene3d>
+      <a:camera prst="orthographicFront"/>
+      <a:lightRig rig="threePt" dir="t"/>
+    </dgm:scene3d>
+    <dgm:sp3d/>
+    <dgm:txPr/>
+    <dgm:style>
+      <a:lnRef idx="2">
+        <a:scrgbClr r="0" g="0" b="0"/>
+      </a:lnRef>
+      <a:fillRef idx="1">
+        <a:scrgbClr r="0" g="0" b="0"/>
+      </a:fillRef>
+      <a:effectRef idx="0">
+        <a:scrgbClr r="0" g="0" b="0"/>
+      </a:effectRef>
+      <a:fontRef idx="minor"/>
+    </dgm:style>
+  </dgm:styleLbl>
+  <dgm:styleLbl name="conFgAcc1">
+    <dgm:scene3d>
+      <a:camera prst="orthographicFront"/>
+      <a:lightRig rig="threePt" dir="t"/>
+    </dgm:scene3d>
+    <dgm:sp3d/>
+    <dgm:txPr/>
+    <dgm:style>
+      <a:lnRef idx="2">
+        <a:scrgbClr r="0" g="0" b="0"/>
+      </a:lnRef>
+      <a:fillRef idx="1">
+        <a:scrgbClr r="0" g="0" b="0"/>
+      </a:fillRef>
+      <a:effectRef idx="0">
+        <a:scrgbClr r="0" g="0" b="0"/>
+      </a:effectRef>
+      <a:fontRef idx="minor"/>
+    </dgm:style>
+  </dgm:styleLbl>
+  <dgm:styleLbl name="alignAcc1">
+    <dgm:scene3d>
+      <a:camera prst="orthographicFront"/>
+      <a:lightRig rig="threePt" dir="t"/>
+    </dgm:scene3d>
+    <dgm:sp3d/>
+    <dgm:txPr/>
+    <dgm:style>
+      <a:lnRef idx="2">
+        <a:scrgbClr r="0" g="0" b="0"/>
+      </a:lnRef>
+      <a:fillRef idx="1">
+        <a:scrgbClr r="0" g="0" b="0"/>
+      </a:fillRef>
+      <a:effectRef idx="0">
+        <a:scrgbClr r="0" g="0" b="0"/>
+      </a:effectRef>
+      <a:fontRef idx="minor"/>
+    </dgm:style>
+  </dgm:styleLbl>
+  <dgm:styleLbl name="trAlignAcc1">
+    <dgm:scene3d>
+      <a:camera prst="orthographicFront"/>
+      <a:lightRig rig="threePt" dir="t"/>
+    </dgm:scene3d>
+    <dgm:sp3d/>
+    <dgm:txPr/>
+    <dgm:style>
+      <a:lnRef idx="1">
+        <a:scrgbClr r="0" g="0" b="0"/>
+      </a:lnRef>
+      <a:fillRef idx="1">
+        <a:scrgbClr r="0" g="0" b="0"/>
+      </a:fillRef>
+      <a:effectRef idx="0">
+        <a:scrgbClr r="0" g="0" b="0"/>
+      </a:effectRef>
+      <a:fontRef idx="minor"/>
+    </dgm:style>
+  </dgm:styleLbl>
+  <dgm:styleLbl name="bgAcc1">
+    <dgm:scene3d>
+      <a:camera prst="orthographicFront"/>
+      <a:lightRig rig="threePt" dir="t"/>
+    </dgm:scene3d>
+    <dgm:sp3d/>
+    <dgm:txPr/>
+    <dgm:style>
+      <a:lnRef idx="2">
+        <a:scrgbClr r="0" g="0" b="0"/>
+      </a:lnRef>
+      <a:fillRef idx="1">
+        <a:scrgbClr r="0" g="0" b="0"/>
+      </a:fillRef>
+      <a:effectRef idx="0">
+        <a:scrgbClr r="0" g="0" b="0"/>
+      </a:effectRef>
+      <a:fontRef idx="minor"/>
+    </dgm:style>
+  </dgm:styleLbl>
+  <dgm:styleLbl name="solidFgAcc1">
+    <dgm:scene3d>
+      <a:camera prst="orthographicFront"/>
+      <a:lightRig rig="threePt" dir="t"/>
+    </dgm:scene3d>
+    <dgm:sp3d/>
+    <dgm:txPr/>
+    <dgm:style>
+      <a:lnRef idx="2">
+        <a:scrgbClr r="0" g="0" b="0"/>
+      </a:lnRef>
+      <a:fillRef idx="1">
+        <a:scrgbClr r="0" g="0" b="0"/>
+      </a:fillRef>
+      <a:effectRef idx="0">
+        <a:scrgbClr r="0" g="0" b="0"/>
+      </a:effectRef>
+      <a:fontRef idx="minor"/>
+    </dgm:style>
+  </dgm:styleLbl>
+  <dgm:styleLbl name="solidAlignAcc1">
+    <dgm:scene3d>
+      <a:camera prst="orthographicFront"/>
+      <a:lightRig rig="threePt" dir="t"/>
+    </dgm:scene3d>
+    <dgm:sp3d/>
+    <dgm:txPr/>
+    <dgm:style>
+      <a:lnRef idx="2">
+        <a:scrgbClr r="0" g="0" b="0"/>
+      </a:lnRef>
+      <a:fillRef idx="1">
+        <a:scrgbClr r="0" g="0" b="0"/>
+      </a:fillRef>
+      <a:effectRef idx="0">
+        <a:scrgbClr r="0" g="0" b="0"/>
+      </a:effectRef>
+      <a:fontRef idx="minor"/>
+    </dgm:style>
+  </dgm:styleLbl>
+  <dgm:styleLbl name="solidBgAcc1">
+    <dgm:scene3d>
+      <a:camera prst="orthographicFront"/>
+      <a:lightRig rig="threePt" dir="t"/>
+    </dgm:scene3d>
+    <dgm:sp3d/>
+    <dgm:txPr/>
+    <dgm:style>
+      <a:lnRef idx="2">
+        <a:scrgbClr r="0" g="0" b="0"/>
+      </a:lnRef>
+      <a:fillRef idx="1">
+        <a:scrgbClr r="0" g="0" b="0"/>
+      </a:fillRef>
+      <a:effectRef idx="0">
+        <a:scrgbClr r="0" g="0" b="0"/>
+      </a:effectRef>
+      <a:fontRef idx="minor"/>
+    </dgm:style>
+  </dgm:styleLbl>
+  <dgm:styleLbl name="fgAccFollowNode1">
+    <dgm:scene3d>
+      <a:camera prst="orthographicFront"/>
+      <a:lightRig rig="threePt" dir="t"/>
+    </dgm:scene3d>
+    <dgm:sp3d/>
+    <dgm:txPr/>
+    <dgm:style>
+      <a:lnRef idx="2">
+        <a:scrgbClr r="0" g="0" b="0"/>
+      </a:lnRef>
+      <a:fillRef idx="1">
+        <a:scrgbClr r="0" g="0" b="0"/>
+      </a:fillRef>
+      <a:effectRef idx="0">
+        <a:scrgbClr r="0" g="0" b="0"/>
+      </a:effectRef>
+      <a:fontRef idx="minor"/>
+    </dgm:style>
+  </dgm:styleLbl>
+  <dgm:styleLbl name="alignAccFollowNode1">
+    <dgm:scene3d>
+      <a:camera prst="orthographicFront"/>
+      <a:lightRig rig="threePt" dir="t"/>
+    </dgm:scene3d>
+    <dgm:sp3d/>
+    <dgm:txPr/>
+    <dgm:style>
+      <a:lnRef idx="2">
+        <a:scrgbClr r="0" g="0" b="0"/>
+      </a:lnRef>
+      <a:fillRef idx="1">
+        <a:scrgbClr r="0" g="0" b="0"/>
+      </a:fillRef>
+      <a:effectRef idx="0">
+        <a:scrgbClr r="0" g="0" b="0"/>
+      </a:effectRef>
+      <a:fontRef idx="minor"/>
+    </dgm:style>
+  </dgm:styleLbl>
+  <dgm:styleLbl name="bgAccFollowNode1">
+    <dgm:scene3d>
+      <a:camera prst="orthographicFront"/>
+      <a:lightRig rig="threePt" dir="t"/>
+    </dgm:scene3d>
+    <dgm:sp3d/>
+    <dgm:txPr/>
+    <dgm:style>
+      <a:lnRef idx="2">
+        <a:scrgbClr r="0" g="0" b="0"/>
+      </a:lnRef>
+      <a:fillRef idx="1">
+        <a:scrgbClr r="0" g="0" b="0"/>
+      </a:fillRef>
+      <a:effectRef idx="0">
+        <a:scrgbClr r="0" g="0" b="0"/>
+      </a:effectRef>
+      <a:fontRef idx="minor"/>
+    </dgm:style>
+  </dgm:styleLbl>
+  <dgm:styleLbl name="fgAcc0">
+    <dgm:scene3d>
+      <a:camera prst="orthographicFront"/>
+      <a:lightRig rig="threePt" dir="t"/>
+    </dgm:scene3d>
+    <dgm:sp3d/>
+    <dgm:txPr/>
+    <dgm:style>
+      <a:lnRef idx="2">
+        <a:scrgbClr r="0" g="0" b="0"/>
+      </a:lnRef>
+      <a:fillRef idx="1">
+        <a:scrgbClr r="0" g="0" b="0"/>
+      </a:fillRef>
+      <a:effectRef idx="0">
+        <a:scrgbClr r="0" g="0" b="0"/>
+      </a:effectRef>
+      <a:fontRef idx="minor"/>
+    </dgm:style>
+  </dgm:styleLbl>
+  <dgm:styleLbl name="fgAcc2">
+    <dgm:scene3d>
+      <a:camera prst="orthographicFront"/>
+      <a:lightRig rig="threePt" dir="t"/>
+    </dgm:scene3d>
+    <dgm:sp3d/>
+    <dgm:txPr/>
+    <dgm:style>
+      <a:lnRef idx="2">
+        <a:scrgbClr r="0" g="0" b="0"/>
+      </a:lnRef>
+      <a:fillRef idx="1">
+        <a:scrgbClr r="0" g="0" b="0"/>
+      </a:fillRef>
+      <a:effectRef idx="0">
+        <a:scrgbClr r="0" g="0" b="0"/>
+      </a:effectRef>
+      <a:fontRef idx="minor"/>
+    </dgm:style>
+  </dgm:styleLbl>
+  <dgm:styleLbl name="fgAcc3">
+    <dgm:scene3d>
+      <a:camera prst="orthographicFront"/>
+      <a:lightRig rig="threePt" dir="t"/>
+    </dgm:scene3d>
+    <dgm:sp3d/>
+    <dgm:txPr/>
+    <dgm:style>
+      <a:lnRef idx="2">
+        <a:scrgbClr r="0" g="0" b="0"/>
+      </a:lnRef>
+      <a:fillRef idx="1">
+        <a:scrgbClr r="0" g="0" b="0"/>
+      </a:fillRef>
+      <a:effectRef idx="0">
+        <a:scrgbClr r="0" g="0" b="0"/>
+      </a:effectRef>
+      <a:fontRef idx="minor"/>
+    </dgm:style>
+  </dgm:styleLbl>
+  <dgm:styleLbl name="fgAcc4">
+    <dgm:scene3d>
+      <a:camera prst="orthographicFront"/>
+      <a:lightRig rig="threePt" dir="t"/>
+    </dgm:scene3d>
+    <dgm:sp3d/>
+    <dgm:txPr/>
+    <dgm:style>
+      <a:lnRef idx="2">
+        <a:scrgbClr r="0" g="0" b="0"/>
+      </a:lnRef>
+      <a:fillRef idx="1">
+        <a:scrgbClr r="0" g="0" b="0"/>
+      </a:fillRef>
+      <a:effectRef idx="0">
+        <a:scrgbClr r="0" g="0" b="0"/>
+      </a:effectRef>
+      <a:fontRef idx="minor"/>
+    </dgm:style>
+  </dgm:styleLbl>
+  <dgm:styleLbl name="bgShp">
+    <dgm:scene3d>
+      <a:camera prst="orthographicFront"/>
+      <a:lightRig rig="threePt" dir="t"/>
+    </dgm:scene3d>
+    <dgm:sp3d/>
+    <dgm:txPr/>
+    <dgm:style>
+      <a:lnRef idx="0">
+        <a:scrgbClr r="0" g="0" b="0"/>
+      </a:lnRef>
+      <a:fillRef idx="1">
+        <a:scrgbClr r="0" g="0" b="0"/>
+      </a:fillRef>
+      <a:effectRef idx="0">
+        <a:scrgbClr r="0" g="0" b="0"/>
+      </a:effectRef>
+      <a:fontRef idx="minor"/>
+    </dgm:style>
+  </dgm:styleLbl>
+  <dgm:styleLbl name="dkBgShp">
+    <dgm:scene3d>
+      <a:camera prst="orthographicFront"/>
+      <a:lightRig rig="threePt" dir="t"/>
+    </dgm:scene3d>
+    <dgm:sp3d/>
+    <dgm:txPr/>
+    <dgm:style>
+      <a:lnRef idx="0">
+        <a:scrgbClr r="0" g="0" b="0"/>
+      </a:lnRef>
+      <a:fillRef idx="1">
+        <a:scrgbClr r="0" g="0" b="0"/>
+      </a:fillRef>
+      <a:effectRef idx="0">
+        <a:scrgbClr r="0" g="0" b="0"/>
+      </a:effectRef>
+      <a:fontRef idx="minor"/>
+    </dgm:style>
+  </dgm:styleLbl>
+  <dgm:styleLbl name="trBgShp">
+    <dgm:scene3d>
+      <a:camera prst="orthographicFront"/>
+      <a:lightRig rig="threePt" dir="t"/>
+    </dgm:scene3d>
+    <dgm:sp3d/>
+    <dgm:txPr/>
+    <dgm:style>
+      <a:lnRef idx="0">
+        <a:scrgbClr r="0" g="0" b="0"/>
+      </a:lnRef>
+      <a:fillRef idx="1">
+        <a:scrgbClr r="0" g="0" b="0"/>
+      </a:fillRef>
+      <a:effectRef idx="0">
+        <a:scrgbClr r="0" g="0" b="0"/>
+      </a:effectRef>
+      <a:fontRef idx="minor"/>
+    </dgm:style>
+  </dgm:styleLbl>
+  <dgm:styleLbl name="fgShp">
+    <dgm:scene3d>
+      <a:camera prst="orthographicFront"/>
+      <a:lightRig rig="threePt" dir="t"/>
+    </dgm:scene3d>
+    <dgm:sp3d/>
+    <dgm:txPr/>
+    <dgm:style>
+      <a:lnRef idx="2">
+        <a:scrgbClr r="0" g="0" b="0"/>
+      </a:lnRef>
+      <a:fillRef idx="1">
+        <a:scrgbClr r="0" g="0" b="0"/>
+      </a:fillRef>
+      <a:effectRef idx="0">
+        <a:scrgbClr r="0" g="0" b="0"/>
+      </a:effectRef>
+      <a:fontRef idx="minor"/>
+    </dgm:style>
+  </dgm:styleLbl>
+  <dgm:styleLbl name="revTx">
+    <dgm:scene3d>
+      <a:camera prst="orthographicFront"/>
+      <a:lightRig rig="threePt" dir="t"/>
+    </dgm:scene3d>
+    <dgm:sp3d/>
+    <dgm:txPr/>
+    <dgm:style>
+      <a:lnRef idx="0">
+        <a:scrgbClr r="0" g="0" b="0"/>
+      </a:lnRef>
+      <a:fillRef idx="0">
+        <a:scrgbClr r="0" g="0" b="0"/>
+      </a:fillRef>
+      <a:effectRef idx="0">
+        <a:scrgbClr r="0" g="0" b="0"/>
+      </a:effectRef>
+      <a:fontRef idx="minor"/>
+    </dgm:style>
+  </dgm:styleLbl>
+</dgm:styleDef>
+</file>
+
+<file path=ppt/diagrams/quickStyle6.xml><?xml version="1.0" encoding="utf-8"?>
 <dgm:styleDef xmlns:dgm="http://schemas.openxmlformats.org/drawingml/2006/diagram" xmlns:a="http://schemas.openxmlformats.org/drawingml/2006/main" uniqueId="urn:microsoft.com/office/officeart/2005/8/quickstyle/simple1">
   <dgm:title val=""/>
   <dgm:desc val=""/>
@@ -14166,7 +17624,7 @@
           <a:p>
             <a:fld id="{D382E34A-1616-4F68-82F2-406282942355}" type="slidenum">
               <a:rPr lang="en-US" smtClean="0"/>
-              <a:t>4</a:t>
+              <a:t>5</a:t>
             </a:fld>
             <a:endParaRPr lang="en-US"/>
           </a:p>
@@ -14176,6 +17634,624 @@
     <p:extLst>
       <p:ext uri="{BB962C8B-B14F-4D97-AF65-F5344CB8AC3E}">
         <p14:creationId xmlns:p14="http://schemas.microsoft.com/office/powerpoint/2010/main" val="1120998829"/>
+      </p:ext>
+    </p:extLst>
+  </p:cSld>
+  <p:clrMapOvr>
+    <a:masterClrMapping/>
+  </p:clrMapOvr>
+</p:notes>
+</file>
+
+<file path=ppt/notesSlides/notesSlide3.xml><?xml version="1.0" encoding="utf-8"?>
+<p:notes xmlns:a="http://schemas.openxmlformats.org/drawingml/2006/main" xmlns:r="http://schemas.openxmlformats.org/officeDocument/2006/relationships" xmlns:p="http://schemas.openxmlformats.org/presentationml/2006/main">
+  <p:cSld>
+    <p:spTree>
+      <p:nvGrpSpPr>
+        <p:cNvPr id="1" name=""/>
+        <p:cNvGrpSpPr/>
+        <p:nvPr/>
+      </p:nvGrpSpPr>
+      <p:grpSpPr>
+        <a:xfrm>
+          <a:off x="0" y="0"/>
+          <a:ext cx="0" cy="0"/>
+          <a:chOff x="0" y="0"/>
+          <a:chExt cx="0" cy="0"/>
+        </a:xfrm>
+      </p:grpSpPr>
+      <p:sp>
+        <p:nvSpPr>
+          <p:cNvPr id="2" name="Slide Image Placeholder 1"/>
+          <p:cNvSpPr>
+            <a:spLocks noGrp="1" noRot="1" noChangeAspect="1"/>
+          </p:cNvSpPr>
+          <p:nvPr>
+            <p:ph type="sldImg"/>
+          </p:nvPr>
+        </p:nvSpPr>
+        <p:spPr/>
+      </p:sp>
+      <p:sp>
+        <p:nvSpPr>
+          <p:cNvPr id="3" name="Notes Placeholder 2"/>
+          <p:cNvSpPr>
+            <a:spLocks noGrp="1"/>
+          </p:cNvSpPr>
+          <p:nvPr>
+            <p:ph type="body" idx="1"/>
+          </p:nvPr>
+        </p:nvSpPr>
+        <p:spPr/>
+        <p:txBody>
+          <a:bodyPr/>
+          <a:lstStyle/>
+          <a:p>
+            <a:r>
+              <a:rPr lang="en-US" b="1" dirty="0"/>
+              <a:t>Framing the Problem:</a:t>
+            </a:r>
+            <a:r>
+              <a:rPr lang="en-US" dirty="0"/>
+              <a:t> The call center framed the problem as a need to improve customer satisfaction by reducing wait times and increasing the resolution rate. This framing helped the team focus on the most critical aspects of the issue and develop targeted solutions.</a:t>
+            </a:r>
+          </a:p>
+          <a:p>
+            <a:r>
+              <a:rPr lang="en-US" b="1" dirty="0"/>
+              <a:t>Outcome:</a:t>
+            </a:r>
+            <a:r>
+              <a:rPr lang="en-US" dirty="0"/>
+              <a:t> By addressing the root cause and properly framing the problem, the call center was able to reduce wait times, improve issue resolution rates, and ultimately increase customer satisfaction.</a:t>
+            </a:r>
+          </a:p>
+          <a:p>
+            <a:endParaRPr lang="en-US" dirty="0"/>
+          </a:p>
+        </p:txBody>
+      </p:sp>
+      <p:sp>
+        <p:nvSpPr>
+          <p:cNvPr id="4" name="Slide Number Placeholder 3"/>
+          <p:cNvSpPr>
+            <a:spLocks noGrp="1"/>
+          </p:cNvSpPr>
+          <p:nvPr>
+            <p:ph type="sldNum" sz="quarter" idx="5"/>
+          </p:nvPr>
+        </p:nvSpPr>
+        <p:spPr/>
+        <p:txBody>
+          <a:bodyPr/>
+          <a:lstStyle/>
+          <a:p>
+            <a:fld id="{D382E34A-1616-4F68-82F2-406282942355}" type="slidenum">
+              <a:rPr lang="en-US" smtClean="0"/>
+              <a:t>6</a:t>
+            </a:fld>
+            <a:endParaRPr lang="en-US"/>
+          </a:p>
+        </p:txBody>
+      </p:sp>
+    </p:spTree>
+    <p:extLst>
+      <p:ext uri="{BB962C8B-B14F-4D97-AF65-F5344CB8AC3E}">
+        <p14:creationId xmlns:p14="http://schemas.microsoft.com/office/powerpoint/2010/main" val="434587828"/>
+      </p:ext>
+    </p:extLst>
+  </p:cSld>
+  <p:clrMapOvr>
+    <a:masterClrMapping/>
+  </p:clrMapOvr>
+</p:notes>
+</file>
+
+<file path=ppt/notesSlides/notesSlide4.xml><?xml version="1.0" encoding="utf-8"?>
+<p:notes xmlns:a="http://schemas.openxmlformats.org/drawingml/2006/main" xmlns:r="http://schemas.openxmlformats.org/officeDocument/2006/relationships" xmlns:p="http://schemas.openxmlformats.org/presentationml/2006/main">
+  <p:cSld>
+    <p:spTree>
+      <p:nvGrpSpPr>
+        <p:cNvPr id="1" name=""/>
+        <p:cNvGrpSpPr/>
+        <p:nvPr/>
+      </p:nvGrpSpPr>
+      <p:grpSpPr>
+        <a:xfrm>
+          <a:off x="0" y="0"/>
+          <a:ext cx="0" cy="0"/>
+          <a:chOff x="0" y="0"/>
+          <a:chExt cx="0" cy="0"/>
+        </a:xfrm>
+      </p:grpSpPr>
+      <p:sp>
+        <p:nvSpPr>
+          <p:cNvPr id="2" name="Slide Image Placeholder 1"/>
+          <p:cNvSpPr>
+            <a:spLocks noGrp="1" noRot="1" noChangeAspect="1"/>
+          </p:cNvSpPr>
+          <p:nvPr>
+            <p:ph type="sldImg"/>
+          </p:nvPr>
+        </p:nvSpPr>
+        <p:spPr/>
+      </p:sp>
+      <p:sp>
+        <p:nvSpPr>
+          <p:cNvPr id="3" name="Notes Placeholder 2"/>
+          <p:cNvSpPr>
+            <a:spLocks noGrp="1"/>
+          </p:cNvSpPr>
+          <p:nvPr>
+            <p:ph type="body" idx="1"/>
+          </p:nvPr>
+        </p:nvSpPr>
+        <p:spPr/>
+        <p:txBody>
+          <a:bodyPr/>
+          <a:lstStyle/>
+          <a:p>
+            <a:pPr marL="171450" lvl="0" indent="-171450">
+              <a:buFont typeface="Arial" panose="020B0604020202020204" pitchFamily="34" charset="0"/>
+              <a:buChar char="•"/>
+            </a:pPr>
+            <a:r>
+              <a:rPr lang="en-US" dirty="0"/>
+              <a:t>Insufficient staffing: There may not be enough customer support representatives to handle the volume of inquiries.</a:t>
+            </a:r>
+          </a:p>
+          <a:p>
+            <a:pPr marL="342900" lvl="0" indent="-342900">
+              <a:buFont typeface="Arial" panose="020B0604020202020204" pitchFamily="34" charset="0"/>
+              <a:buChar char="•"/>
+            </a:pPr>
+            <a:endParaRPr lang="en-US" sz="2400" dirty="0"/>
+          </a:p>
+          <a:p>
+            <a:pPr marL="171450" lvl="0" indent="-171450">
+              <a:buFont typeface="Arial" panose="020B0604020202020204" pitchFamily="34" charset="0"/>
+              <a:buChar char="•"/>
+            </a:pPr>
+            <a:r>
+              <a:rPr lang="en-US" dirty="0"/>
+              <a:t>High volume of support calls: This could be driven by: </a:t>
+            </a:r>
+            <a:endParaRPr lang="en-US" sz="2400" dirty="0"/>
+          </a:p>
+          <a:p>
+            <a:pPr marL="628650" lvl="1" indent="-171450">
+              <a:buFont typeface="Arial" panose="020B0604020202020204" pitchFamily="34" charset="0"/>
+              <a:buChar char="•"/>
+            </a:pPr>
+            <a:r>
+              <a:rPr lang="en-US" dirty="0"/>
+              <a:t>Increased app usage: More users mean more potential issues.</a:t>
+            </a:r>
+            <a:endParaRPr lang="en-US" sz="2000" dirty="0"/>
+          </a:p>
+          <a:p>
+            <a:pPr marL="628650" lvl="1" indent="-171450">
+              <a:buFont typeface="Arial" panose="020B0604020202020204" pitchFamily="34" charset="0"/>
+              <a:buChar char="•"/>
+            </a:pPr>
+            <a:r>
+              <a:rPr lang="en-US" dirty="0"/>
+              <a:t>Technical difficulties: Issues with specific app features, such as video calls and screen sharing, are causing a surge in support requests.</a:t>
+            </a:r>
+            <a:endParaRPr lang="en-US" sz="2000" dirty="0"/>
+          </a:p>
+          <a:p>
+            <a:endParaRPr lang="en-US" dirty="0"/>
+          </a:p>
+        </p:txBody>
+      </p:sp>
+      <p:sp>
+        <p:nvSpPr>
+          <p:cNvPr id="4" name="Slide Number Placeholder 3"/>
+          <p:cNvSpPr>
+            <a:spLocks noGrp="1"/>
+          </p:cNvSpPr>
+          <p:nvPr>
+            <p:ph type="sldNum" sz="quarter" idx="5"/>
+          </p:nvPr>
+        </p:nvSpPr>
+        <p:spPr/>
+        <p:txBody>
+          <a:bodyPr/>
+          <a:lstStyle/>
+          <a:p>
+            <a:fld id="{D382E34A-1616-4F68-82F2-406282942355}" type="slidenum">
+              <a:rPr lang="en-US" smtClean="0"/>
+              <a:t>13</a:t>
+            </a:fld>
+            <a:endParaRPr lang="en-US"/>
+          </a:p>
+        </p:txBody>
+      </p:sp>
+    </p:spTree>
+    <p:extLst>
+      <p:ext uri="{BB962C8B-B14F-4D97-AF65-F5344CB8AC3E}">
+        <p14:creationId xmlns:p14="http://schemas.microsoft.com/office/powerpoint/2010/main" val="558314154"/>
+      </p:ext>
+    </p:extLst>
+  </p:cSld>
+  <p:clrMapOvr>
+    <a:masterClrMapping/>
+  </p:clrMapOvr>
+</p:notes>
+</file>
+
+<file path=ppt/notesSlides/notesSlide5.xml><?xml version="1.0" encoding="utf-8"?>
+<p:notes xmlns:a="http://schemas.openxmlformats.org/drawingml/2006/main" xmlns:r="http://schemas.openxmlformats.org/officeDocument/2006/relationships" xmlns:p="http://schemas.openxmlformats.org/presentationml/2006/main">
+  <p:cSld>
+    <p:spTree>
+      <p:nvGrpSpPr>
+        <p:cNvPr id="1" name=""/>
+        <p:cNvGrpSpPr/>
+        <p:nvPr/>
+      </p:nvGrpSpPr>
+      <p:grpSpPr>
+        <a:xfrm>
+          <a:off x="0" y="0"/>
+          <a:ext cx="0" cy="0"/>
+          <a:chOff x="0" y="0"/>
+          <a:chExt cx="0" cy="0"/>
+        </a:xfrm>
+      </p:grpSpPr>
+      <p:sp>
+        <p:nvSpPr>
+          <p:cNvPr id="2" name="Slide Image Placeholder 1"/>
+          <p:cNvSpPr>
+            <a:spLocks noGrp="1" noRot="1" noChangeAspect="1"/>
+          </p:cNvSpPr>
+          <p:nvPr>
+            <p:ph type="sldImg"/>
+          </p:nvPr>
+        </p:nvSpPr>
+        <p:spPr/>
+      </p:sp>
+      <p:sp>
+        <p:nvSpPr>
+          <p:cNvPr id="3" name="Notes Placeholder 2"/>
+          <p:cNvSpPr>
+            <a:spLocks noGrp="1"/>
+          </p:cNvSpPr>
+          <p:nvPr>
+            <p:ph type="body" idx="1"/>
+          </p:nvPr>
+        </p:nvSpPr>
+        <p:spPr/>
+        <p:txBody>
+          <a:bodyPr/>
+          <a:lstStyle/>
+          <a:p>
+            <a:pPr marL="457200" lvl="1" indent="0">
+              <a:buNone/>
+            </a:pPr>
+            <a:r>
+              <a:rPr lang="en-US" dirty="0"/>
+              <a:t>These features may be experiencing technical glitches: </a:t>
+            </a:r>
+            <a:endParaRPr lang="en-US" sz="2800" dirty="0"/>
+          </a:p>
+          <a:p>
+            <a:pPr marL="1085850" lvl="2" indent="-171450">
+              <a:buFont typeface="Arial" panose="020B0604020202020204" pitchFamily="34" charset="0"/>
+              <a:buChar char="•"/>
+            </a:pPr>
+            <a:r>
+              <a:rPr lang="en-US" dirty="0"/>
+              <a:t>Frequent crashes or freezes: Disrupting user experience and leading to frustration.</a:t>
+            </a:r>
+            <a:endParaRPr lang="en-US" sz="2400" dirty="0"/>
+          </a:p>
+          <a:p>
+            <a:pPr marL="1085850" lvl="2" indent="-171450">
+              <a:buFont typeface="Arial" panose="020B0604020202020204" pitchFamily="34" charset="0"/>
+              <a:buChar char="•"/>
+            </a:pPr>
+            <a:r>
+              <a:rPr lang="en-US" dirty="0"/>
+              <a:t>Poor video/audio quality: Making communication difficult and impacting user satisfaction.</a:t>
+            </a:r>
+            <a:endParaRPr lang="en-US" sz="2400" dirty="0"/>
+          </a:p>
+          <a:p>
+            <a:pPr marL="1085850" lvl="2" indent="-171450">
+              <a:buFont typeface="Arial" panose="020B0604020202020204" pitchFamily="34" charset="0"/>
+              <a:buChar char="•"/>
+            </a:pPr>
+            <a:r>
+              <a:rPr lang="en-US" dirty="0"/>
+              <a:t>Incompatibility issues: The features may not be compatible with all devices or operating systems.</a:t>
+            </a:r>
+            <a:endParaRPr lang="en-US" sz="2400" dirty="0"/>
+          </a:p>
+          <a:p>
+            <a:endParaRPr lang="en-US" dirty="0"/>
+          </a:p>
+        </p:txBody>
+      </p:sp>
+      <p:sp>
+        <p:nvSpPr>
+          <p:cNvPr id="4" name="Slide Number Placeholder 3"/>
+          <p:cNvSpPr>
+            <a:spLocks noGrp="1"/>
+          </p:cNvSpPr>
+          <p:nvPr>
+            <p:ph type="sldNum" sz="quarter" idx="5"/>
+          </p:nvPr>
+        </p:nvSpPr>
+        <p:spPr/>
+        <p:txBody>
+          <a:bodyPr/>
+          <a:lstStyle/>
+          <a:p>
+            <a:fld id="{D382E34A-1616-4F68-82F2-406282942355}" type="slidenum">
+              <a:rPr lang="en-US" smtClean="0"/>
+              <a:t>15</a:t>
+            </a:fld>
+            <a:endParaRPr lang="en-US"/>
+          </a:p>
+        </p:txBody>
+      </p:sp>
+    </p:spTree>
+    <p:extLst>
+      <p:ext uri="{BB962C8B-B14F-4D97-AF65-F5344CB8AC3E}">
+        <p14:creationId xmlns:p14="http://schemas.microsoft.com/office/powerpoint/2010/main" val="3219771916"/>
+      </p:ext>
+    </p:extLst>
+  </p:cSld>
+  <p:clrMapOvr>
+    <a:masterClrMapping/>
+  </p:clrMapOvr>
+</p:notes>
+</file>
+
+<file path=ppt/notesSlides/notesSlide6.xml><?xml version="1.0" encoding="utf-8"?>
+<p:notes xmlns:a="http://schemas.openxmlformats.org/drawingml/2006/main" xmlns:r="http://schemas.openxmlformats.org/officeDocument/2006/relationships" xmlns:p="http://schemas.openxmlformats.org/presentationml/2006/main">
+  <p:cSld>
+    <p:spTree>
+      <p:nvGrpSpPr>
+        <p:cNvPr id="1" name=""/>
+        <p:cNvGrpSpPr/>
+        <p:nvPr/>
+      </p:nvGrpSpPr>
+      <p:grpSpPr>
+        <a:xfrm>
+          <a:off x="0" y="0"/>
+          <a:ext cx="0" cy="0"/>
+          <a:chOff x="0" y="0"/>
+          <a:chExt cx="0" cy="0"/>
+        </a:xfrm>
+      </p:grpSpPr>
+      <p:sp>
+        <p:nvSpPr>
+          <p:cNvPr id="2" name="Slide Image Placeholder 1"/>
+          <p:cNvSpPr>
+            <a:spLocks noGrp="1" noRot="1" noChangeAspect="1"/>
+          </p:cNvSpPr>
+          <p:nvPr>
+            <p:ph type="sldImg"/>
+          </p:nvPr>
+        </p:nvSpPr>
+        <p:spPr/>
+      </p:sp>
+      <p:sp>
+        <p:nvSpPr>
+          <p:cNvPr id="3" name="Notes Placeholder 2"/>
+          <p:cNvSpPr>
+            <a:spLocks noGrp="1"/>
+          </p:cNvSpPr>
+          <p:nvPr>
+            <p:ph type="body" idx="1"/>
+          </p:nvPr>
+        </p:nvSpPr>
+        <p:spPr/>
+        <p:txBody>
+          <a:bodyPr/>
+          <a:lstStyle/>
+          <a:p>
+            <a:pPr marL="628650" lvl="1" indent="-171450">
+              <a:buFont typeface="Arial" panose="020B0604020202020204" pitchFamily="34" charset="0"/>
+              <a:buChar char="•"/>
+            </a:pPr>
+            <a:r>
+              <a:rPr lang="en-US" dirty="0"/>
+              <a:t>Potential reasons: </a:t>
+            </a:r>
+            <a:endParaRPr lang="en-US" sz="2800" dirty="0"/>
+          </a:p>
+          <a:p>
+            <a:pPr marL="1085850" lvl="2" indent="-171450">
+              <a:buFont typeface="Arial" panose="020B0604020202020204" pitchFamily="34" charset="0"/>
+              <a:buChar char="•"/>
+            </a:pPr>
+            <a:r>
+              <a:rPr lang="en-US" dirty="0"/>
+              <a:t>Outdated technology: The app's underlying technology might be outdated, making it difficult to support modern video conferencing and screen sharing capabilities.</a:t>
+            </a:r>
+            <a:endParaRPr lang="en-US" sz="2400" dirty="0"/>
+          </a:p>
+          <a:p>
+            <a:pPr marL="1085850" lvl="2" indent="-171450">
+              <a:buFont typeface="Arial" panose="020B0604020202020204" pitchFamily="34" charset="0"/>
+              <a:buChar char="•"/>
+            </a:pPr>
+            <a:r>
+              <a:rPr lang="en-US" dirty="0"/>
+              <a:t>Poorly optimized code: The code responsible for these features might have bugs or inefficiencies.</a:t>
+            </a:r>
+            <a:endParaRPr lang="en-US" sz="2400" dirty="0"/>
+          </a:p>
+          <a:p>
+            <a:pPr marL="1085850" lvl="2" indent="-171450">
+              <a:buFont typeface="Arial" panose="020B0604020202020204" pitchFamily="34" charset="0"/>
+              <a:buChar char="•"/>
+            </a:pPr>
+            <a:r>
+              <a:rPr lang="en-US" dirty="0"/>
+              <a:t>Lack of regular maintenance: The app may not be receiving regular updates and bug fixes.</a:t>
+            </a:r>
+            <a:endParaRPr lang="en-US" sz="2400" dirty="0"/>
+          </a:p>
+          <a:p>
+            <a:endParaRPr lang="en-US" dirty="0"/>
+          </a:p>
+        </p:txBody>
+      </p:sp>
+      <p:sp>
+        <p:nvSpPr>
+          <p:cNvPr id="4" name="Slide Number Placeholder 3"/>
+          <p:cNvSpPr>
+            <a:spLocks noGrp="1"/>
+          </p:cNvSpPr>
+          <p:nvPr>
+            <p:ph type="sldNum" sz="quarter" idx="5"/>
+          </p:nvPr>
+        </p:nvSpPr>
+        <p:spPr/>
+        <p:txBody>
+          <a:bodyPr/>
+          <a:lstStyle/>
+          <a:p>
+            <a:fld id="{D382E34A-1616-4F68-82F2-406282942355}" type="slidenum">
+              <a:rPr lang="en-US" smtClean="0"/>
+              <a:t>17</a:t>
+            </a:fld>
+            <a:endParaRPr lang="en-US"/>
+          </a:p>
+        </p:txBody>
+      </p:sp>
+    </p:spTree>
+    <p:extLst>
+      <p:ext uri="{BB962C8B-B14F-4D97-AF65-F5344CB8AC3E}">
+        <p14:creationId xmlns:p14="http://schemas.microsoft.com/office/powerpoint/2010/main" val="1452903769"/>
+      </p:ext>
+    </p:extLst>
+  </p:cSld>
+  <p:clrMapOvr>
+    <a:masterClrMapping/>
+  </p:clrMapOvr>
+</p:notes>
+</file>
+
+<file path=ppt/notesSlides/notesSlide7.xml><?xml version="1.0" encoding="utf-8"?>
+<p:notes xmlns:a="http://schemas.openxmlformats.org/drawingml/2006/main" xmlns:r="http://schemas.openxmlformats.org/officeDocument/2006/relationships" xmlns:p="http://schemas.openxmlformats.org/presentationml/2006/main">
+  <p:cSld>
+    <p:spTree>
+      <p:nvGrpSpPr>
+        <p:cNvPr id="1" name=""/>
+        <p:cNvGrpSpPr/>
+        <p:nvPr/>
+      </p:nvGrpSpPr>
+      <p:grpSpPr>
+        <a:xfrm>
+          <a:off x="0" y="0"/>
+          <a:ext cx="0" cy="0"/>
+          <a:chOff x="0" y="0"/>
+          <a:chExt cx="0" cy="0"/>
+        </a:xfrm>
+      </p:grpSpPr>
+      <p:sp>
+        <p:nvSpPr>
+          <p:cNvPr id="2" name="Slide Image Placeholder 1"/>
+          <p:cNvSpPr>
+            <a:spLocks noGrp="1" noRot="1" noChangeAspect="1"/>
+          </p:cNvSpPr>
+          <p:nvPr>
+            <p:ph type="sldImg"/>
+          </p:nvPr>
+        </p:nvSpPr>
+        <p:spPr/>
+      </p:sp>
+      <p:sp>
+        <p:nvSpPr>
+          <p:cNvPr id="3" name="Notes Placeholder 2"/>
+          <p:cNvSpPr>
+            <a:spLocks noGrp="1"/>
+          </p:cNvSpPr>
+          <p:nvPr>
+            <p:ph type="body" idx="1"/>
+          </p:nvPr>
+        </p:nvSpPr>
+        <p:spPr/>
+        <p:txBody>
+          <a:bodyPr/>
+          <a:lstStyle/>
+          <a:p>
+            <a:pPr lvl="1"/>
+            <a:r>
+              <a:rPr lang="en-US" dirty="0"/>
+              <a:t>Possible factors: </a:t>
+            </a:r>
+            <a:endParaRPr lang="en-US" sz="2800" dirty="0"/>
+          </a:p>
+          <a:p>
+            <a:pPr marL="1085850" lvl="2" indent="-171450">
+              <a:buFont typeface="Arial" panose="020B0604020202020204" pitchFamily="34" charset="0"/>
+              <a:buChar char="•"/>
+            </a:pPr>
+            <a:r>
+              <a:rPr lang="en-US" dirty="0"/>
+              <a:t>Insufficient resources allocated to app development: Limited budget or personnel may hinder the ability to invest in regular updates and improvements.</a:t>
+            </a:r>
+            <a:endParaRPr lang="en-US" sz="2400" dirty="0"/>
+          </a:p>
+          <a:p>
+            <a:pPr marL="1085850" lvl="2" indent="-171450">
+              <a:buFont typeface="Arial" panose="020B0604020202020204" pitchFamily="34" charset="0"/>
+              <a:buChar char="•"/>
+            </a:pPr>
+            <a:r>
+              <a:rPr lang="en-US" dirty="0"/>
+              <a:t>Lack of a clear development roadmap: Without a defined roadmap, updates may be delayed or prioritized incorrectly.</a:t>
+            </a:r>
+            <a:endParaRPr lang="en-US" sz="2400" dirty="0"/>
+          </a:p>
+          <a:p>
+            <a:pPr marL="1085850" lvl="2" indent="-171450">
+              <a:buFont typeface="Arial" panose="020B0604020202020204" pitchFamily="34" charset="0"/>
+              <a:buChar char="•"/>
+            </a:pPr>
+            <a:r>
+              <a:rPr lang="en-US" dirty="0"/>
+              <a:t>Slow decision-making processes: Internal processes may be slow, hindering the timely release of updates and bug fixes.</a:t>
+            </a:r>
+            <a:endParaRPr lang="en-US" sz="2400" dirty="0"/>
+          </a:p>
+          <a:p>
+            <a:endParaRPr lang="en-US" dirty="0"/>
+          </a:p>
+        </p:txBody>
+      </p:sp>
+      <p:sp>
+        <p:nvSpPr>
+          <p:cNvPr id="4" name="Slide Number Placeholder 3"/>
+          <p:cNvSpPr>
+            <a:spLocks noGrp="1"/>
+          </p:cNvSpPr>
+          <p:nvPr>
+            <p:ph type="sldNum" sz="quarter" idx="5"/>
+          </p:nvPr>
+        </p:nvSpPr>
+        <p:spPr/>
+        <p:txBody>
+          <a:bodyPr/>
+          <a:lstStyle/>
+          <a:p>
+            <a:fld id="{D382E34A-1616-4F68-82F2-406282942355}" type="slidenum">
+              <a:rPr lang="en-US" smtClean="0"/>
+              <a:t>19</a:t>
+            </a:fld>
+            <a:endParaRPr lang="en-US"/>
+          </a:p>
+        </p:txBody>
+      </p:sp>
+    </p:spTree>
+    <p:extLst>
+      <p:ext uri="{BB962C8B-B14F-4D97-AF65-F5344CB8AC3E}">
+        <p14:creationId xmlns:p14="http://schemas.microsoft.com/office/powerpoint/2010/main" val="1113970882"/>
       </p:ext>
     </p:extLst>
   </p:cSld>
@@ -17552,7 +21628,7 @@
           <p:nvPr>
             <p:extLst>
               <p:ext uri="{D42A27DB-BD31-4B8C-83A1-F6EECF244321}">
-                <p14:modId xmlns:p14="http://schemas.microsoft.com/office/powerpoint/2010/main" val="1735936277"/>
+                <p14:modId xmlns:p14="http://schemas.microsoft.com/office/powerpoint/2010/main" val="380348881"/>
               </p:ext>
             </p:extLst>
           </p:nvPr>
@@ -17605,7 +21681,7 @@
     </p:spTree>
     <p:extLst>
       <p:ext uri="{BB962C8B-B14F-4D97-AF65-F5344CB8AC3E}">
-        <p14:creationId xmlns:p14="http://schemas.microsoft.com/office/powerpoint/2010/main" val="4141309824"/>
+        <p14:creationId xmlns:p14="http://schemas.microsoft.com/office/powerpoint/2010/main" val="2772437910"/>
       </p:ext>
     </p:extLst>
   </p:cSld>
@@ -17637,7 +21713,7 @@
           <p:cNvPr id="2" name="Title 1">
             <a:extLst>
               <a:ext uri="{FF2B5EF4-FFF2-40B4-BE49-F238E27FC236}">
-                <a16:creationId xmlns:a16="http://schemas.microsoft.com/office/drawing/2014/main" id="{09F9D18C-2C0A-46DE-8AB0-C48D58FA86B9}"/>
+                <a16:creationId xmlns:a16="http://schemas.microsoft.com/office/drawing/2014/main" id="{C82025C6-BE43-4D11-BC3E-9FE1ED8B1229}"/>
               </a:ext>
             </a:extLst>
           </p:cNvPr>
@@ -17648,7 +21724,12 @@
             <p:ph type="title"/>
           </p:nvPr>
         </p:nvSpPr>
-        <p:spPr/>
+        <p:spPr>
+          <a:xfrm>
+            <a:off x="838200" y="365125"/>
+            <a:ext cx="10515600" cy="2281822"/>
+          </a:xfrm>
+        </p:spPr>
         <p:txBody>
           <a:bodyPr>
             <a:normAutofit fontScale="90000"/>
@@ -17658,7 +21739,7 @@
             <a:pPr algn="ctr"/>
             <a:r>
               <a:rPr lang="en-US" dirty="0"/>
-              <a:t>Why is there an increase in customer support calls related to video calls and screen sharing? </a:t>
+              <a:t>Why has customer support received increasing complaints about long wait times for assistance, especially during peak hours? </a:t>
             </a:r>
             <a:br>
               <a:rPr lang="en-US" dirty="0"/>
@@ -17672,7 +21753,7 @@
           <p:cNvPr id="3" name="Content Placeholder 2">
             <a:extLst>
               <a:ext uri="{FF2B5EF4-FFF2-40B4-BE49-F238E27FC236}">
-                <a16:creationId xmlns:a16="http://schemas.microsoft.com/office/drawing/2014/main" id="{E8198C9D-AB35-4DB5-A290-84C7E2B3169A}"/>
+                <a16:creationId xmlns:a16="http://schemas.microsoft.com/office/drawing/2014/main" id="{A68537CA-A00E-45B3-A0FE-BE927279BFCA}"/>
               </a:ext>
             </a:extLst>
           </p:cNvPr>
@@ -17691,36 +21772,14 @@
             <a:endParaRPr lang="en-US" dirty="0"/>
           </a:p>
           <a:p>
-            <a:pPr lvl="1"/>
+            <a:pPr marL="457200" lvl="1" indent="0">
+              <a:buNone/>
+            </a:pPr>
             <a:r>
               <a:rPr lang="en-US" dirty="0"/>
-              <a:t>These features may be experiencing technical glitches: </a:t>
+              <a:t>Because customer support representatives feel overwhelmed and under-resourced. This leads to longer waiting times and decreased customer satisfaction.</a:t>
             </a:r>
             <a:endParaRPr lang="en-US" sz="2800" dirty="0"/>
-          </a:p>
-          <a:p>
-            <a:pPr lvl="2"/>
-            <a:r>
-              <a:rPr lang="en-US" dirty="0"/>
-              <a:t>Frequent crashes or freezes: Disrupting user experience and leading to frustration.</a:t>
-            </a:r>
-            <a:endParaRPr lang="en-US" sz="2400" dirty="0"/>
-          </a:p>
-          <a:p>
-            <a:pPr lvl="2"/>
-            <a:r>
-              <a:rPr lang="en-US" dirty="0"/>
-              <a:t>Poor video/audio quality: Making communication difficult and impacting user satisfaction.</a:t>
-            </a:r>
-            <a:endParaRPr lang="en-US" sz="2400" dirty="0"/>
-          </a:p>
-          <a:p>
-            <a:pPr lvl="2"/>
-            <a:r>
-              <a:rPr lang="en-US" dirty="0"/>
-              <a:t>Incompatibility issues: The features may not be compatible with all devices or operating systems.</a:t>
-            </a:r>
-            <a:endParaRPr lang="en-US" sz="2400" dirty="0"/>
           </a:p>
           <a:p>
             <a:endParaRPr lang="en-US" dirty="0"/>
@@ -17730,7 +21789,7 @@
     </p:spTree>
     <p:extLst>
       <p:ext uri="{BB962C8B-B14F-4D97-AF65-F5344CB8AC3E}">
-        <p14:creationId xmlns:p14="http://schemas.microsoft.com/office/powerpoint/2010/main" val="467918029"/>
+        <p14:creationId xmlns:p14="http://schemas.microsoft.com/office/powerpoint/2010/main" val="1527233216"/>
       </p:ext>
     </p:extLst>
   </p:cSld>
@@ -17770,7 +21829,7 @@
           <p:nvPr>
             <p:extLst>
               <p:ext uri="{D42A27DB-BD31-4B8C-83A1-F6EECF244321}">
-                <p14:modId xmlns:p14="http://schemas.microsoft.com/office/powerpoint/2010/main" val="3989929466"/>
+                <p14:modId xmlns:p14="http://schemas.microsoft.com/office/powerpoint/2010/main" val="241256715"/>
               </p:ext>
             </p:extLst>
           </p:nvPr>
@@ -17823,7 +21882,7 @@
     </p:spTree>
     <p:extLst>
       <p:ext uri="{BB962C8B-B14F-4D97-AF65-F5344CB8AC3E}">
-        <p14:creationId xmlns:p14="http://schemas.microsoft.com/office/powerpoint/2010/main" val="2797031131"/>
+        <p14:creationId xmlns:p14="http://schemas.microsoft.com/office/powerpoint/2010/main" val="4141309824"/>
       </p:ext>
     </p:extLst>
   </p:cSld>
@@ -17855,7 +21914,7 @@
           <p:cNvPr id="2" name="Title 1">
             <a:extLst>
               <a:ext uri="{FF2B5EF4-FFF2-40B4-BE49-F238E27FC236}">
-                <a16:creationId xmlns:a16="http://schemas.microsoft.com/office/drawing/2014/main" id="{DC17D736-62BB-47FF-9BAD-027E19A6E6A3}"/>
+                <a16:creationId xmlns:a16="http://schemas.microsoft.com/office/drawing/2014/main" id="{09F9D18C-2C0A-46DE-8AB0-C48D58FA86B9}"/>
               </a:ext>
             </a:extLst>
           </p:cNvPr>
@@ -17876,7 +21935,7 @@
             <a:pPr algn="ctr"/>
             <a:r>
               <a:rPr lang="en-US" dirty="0"/>
-              <a:t>Why are these video call and screen sharing features experiencing technical issues? </a:t>
+              <a:t>Why do customer support representatives feel overwhelmed and under-resourced? </a:t>
             </a:r>
             <a:br>
               <a:rPr lang="en-US" dirty="0"/>
@@ -17890,7 +21949,7 @@
           <p:cNvPr id="3" name="Content Placeholder 2">
             <a:extLst>
               <a:ext uri="{FF2B5EF4-FFF2-40B4-BE49-F238E27FC236}">
-                <a16:creationId xmlns:a16="http://schemas.microsoft.com/office/drawing/2014/main" id="{38BDBAEF-7CFC-4714-8CD1-FBC4A6378C8C}"/>
+                <a16:creationId xmlns:a16="http://schemas.microsoft.com/office/drawing/2014/main" id="{E8198C9D-AB35-4DB5-A290-84C7E2B3169A}"/>
               </a:ext>
             </a:extLst>
           </p:cNvPr>
@@ -17906,13 +21965,12 @@
           <a:bodyPr/>
           <a:lstStyle/>
           <a:p>
-            <a:endParaRPr lang="en-US" dirty="0"/>
-          </a:p>
-          <a:p>
-            <a:pPr lvl="1"/>
+            <a:pPr marL="457200" lvl="1" indent="0">
+              <a:buNone/>
+            </a:pPr>
             <a:r>
               <a:rPr lang="en-US" dirty="0"/>
-              <a:t>Potential reasons: </a:t>
+              <a:t>Due to a combination of factors: </a:t>
             </a:r>
             <a:endParaRPr lang="en-US" sz="2800" dirty="0"/>
           </a:p>
@@ -17920,35 +21978,38 @@
             <a:pPr lvl="2"/>
             <a:r>
               <a:rPr lang="en-US" dirty="0"/>
-              <a:t>Outdated technology: The app's underlying technology might be outdated, making it difficult to support modern video conferencing and screen sharing capabilities.</a:t>
+              <a:t>Insufficient staffing </a:t>
             </a:r>
-            <a:endParaRPr lang="en-US" sz="2400" dirty="0"/>
           </a:p>
           <a:p>
             <a:pPr lvl="2"/>
             <a:r>
               <a:rPr lang="en-US" dirty="0"/>
-              <a:t>Poorly optimized code: The code responsible for these features might have bugs or inefficiencies.</a:t>
+              <a:t>High volume of support calls: This could be driven by: </a:t>
             </a:r>
             <a:endParaRPr lang="en-US" sz="2400" dirty="0"/>
           </a:p>
           <a:p>
-            <a:pPr lvl="2"/>
+            <a:pPr lvl="3"/>
             <a:r>
               <a:rPr lang="en-US" dirty="0"/>
-              <a:t>Lack of regular maintenance: The app may not be receiving regular updates and bug fixes.</a:t>
+              <a:t>Increased app usage</a:t>
             </a:r>
-            <a:endParaRPr lang="en-US" sz="2400" dirty="0"/>
-          </a:p>
-          <a:p>
-            <a:endParaRPr lang="en-US" dirty="0"/>
+            <a:endParaRPr lang="en-US" sz="2000" dirty="0"/>
+          </a:p>
+          <a:p>
+            <a:pPr lvl="3"/>
+            <a:r>
+              <a:rPr lang="en-US" dirty="0"/>
+              <a:t>Technical difficulties</a:t>
+            </a:r>
           </a:p>
         </p:txBody>
       </p:sp>
     </p:spTree>
     <p:extLst>
       <p:ext uri="{BB962C8B-B14F-4D97-AF65-F5344CB8AC3E}">
-        <p14:creationId xmlns:p14="http://schemas.microsoft.com/office/powerpoint/2010/main" val="2418023997"/>
+        <p14:creationId xmlns:p14="http://schemas.microsoft.com/office/powerpoint/2010/main" val="1044404445"/>
       </p:ext>
     </p:extLst>
   </p:cSld>
@@ -17988,7 +22049,7 @@
           <p:nvPr>
             <p:extLst>
               <p:ext uri="{D42A27DB-BD31-4B8C-83A1-F6EECF244321}">
-                <p14:modId xmlns:p14="http://schemas.microsoft.com/office/powerpoint/2010/main" val="2235402259"/>
+                <p14:modId xmlns:p14="http://schemas.microsoft.com/office/powerpoint/2010/main" val="1483444778"/>
               </p:ext>
             </p:extLst>
           </p:nvPr>
@@ -18041,6 +22102,222 @@
     </p:spTree>
     <p:extLst>
       <p:ext uri="{BB962C8B-B14F-4D97-AF65-F5344CB8AC3E}">
+        <p14:creationId xmlns:p14="http://schemas.microsoft.com/office/powerpoint/2010/main" val="2797031131"/>
+      </p:ext>
+    </p:extLst>
+  </p:cSld>
+  <p:clrMapOvr>
+    <a:masterClrMapping/>
+  </p:clrMapOvr>
+</p:sld>
+</file>
+
+<file path=ppt/slides/slide15.xml><?xml version="1.0" encoding="utf-8"?>
+<p:sld xmlns:a="http://schemas.openxmlformats.org/drawingml/2006/main" xmlns:r="http://schemas.openxmlformats.org/officeDocument/2006/relationships" xmlns:p="http://schemas.openxmlformats.org/presentationml/2006/main">
+  <p:cSld>
+    <p:spTree>
+      <p:nvGrpSpPr>
+        <p:cNvPr id="1" name=""/>
+        <p:cNvGrpSpPr/>
+        <p:nvPr/>
+      </p:nvGrpSpPr>
+      <p:grpSpPr>
+        <a:xfrm>
+          <a:off x="0" y="0"/>
+          <a:ext cx="0" cy="0"/>
+          <a:chOff x="0" y="0"/>
+          <a:chExt cx="0" cy="0"/>
+        </a:xfrm>
+      </p:grpSpPr>
+      <p:sp>
+        <p:nvSpPr>
+          <p:cNvPr id="2" name="Title 1">
+            <a:extLst>
+              <a:ext uri="{FF2B5EF4-FFF2-40B4-BE49-F238E27FC236}">
+                <a16:creationId xmlns:a16="http://schemas.microsoft.com/office/drawing/2014/main" id="{09F9D18C-2C0A-46DE-8AB0-C48D58FA86B9}"/>
+              </a:ext>
+            </a:extLst>
+          </p:cNvPr>
+          <p:cNvSpPr>
+            <a:spLocks noGrp="1"/>
+          </p:cNvSpPr>
+          <p:nvPr>
+            <p:ph type="title"/>
+          </p:nvPr>
+        </p:nvSpPr>
+        <p:spPr/>
+        <p:txBody>
+          <a:bodyPr>
+            <a:normAutofit fontScale="90000"/>
+          </a:bodyPr>
+          <a:lstStyle/>
+          <a:p>
+            <a:pPr algn="ctr"/>
+            <a:r>
+              <a:rPr lang="en-US" dirty="0"/>
+              <a:t>Why is there an increase in customer support calls related to video calls and screen sharing? </a:t>
+            </a:r>
+            <a:br>
+              <a:rPr lang="en-US" dirty="0"/>
+            </a:br>
+            <a:endParaRPr lang="en-US" dirty="0"/>
+          </a:p>
+        </p:txBody>
+      </p:sp>
+      <p:sp>
+        <p:nvSpPr>
+          <p:cNvPr id="3" name="Content Placeholder 2">
+            <a:extLst>
+              <a:ext uri="{FF2B5EF4-FFF2-40B4-BE49-F238E27FC236}">
+                <a16:creationId xmlns:a16="http://schemas.microsoft.com/office/drawing/2014/main" id="{E8198C9D-AB35-4DB5-A290-84C7E2B3169A}"/>
+              </a:ext>
+            </a:extLst>
+          </p:cNvPr>
+          <p:cNvSpPr>
+            <a:spLocks noGrp="1"/>
+          </p:cNvSpPr>
+          <p:nvPr>
+            <p:ph idx="1"/>
+          </p:nvPr>
+        </p:nvSpPr>
+        <p:spPr/>
+        <p:txBody>
+          <a:bodyPr/>
+          <a:lstStyle/>
+          <a:p>
+            <a:pPr marL="457200" lvl="1" indent="0">
+              <a:buNone/>
+            </a:pPr>
+            <a:r>
+              <a:rPr lang="en-US" dirty="0"/>
+              <a:t>These features may be experiencing technical glitches: </a:t>
+            </a:r>
+            <a:endParaRPr lang="en-US" sz="2800" dirty="0"/>
+          </a:p>
+          <a:p>
+            <a:pPr lvl="2"/>
+            <a:r>
+              <a:rPr lang="en-US" dirty="0"/>
+              <a:t>Frequent crashes or freezes</a:t>
+            </a:r>
+          </a:p>
+          <a:p>
+            <a:pPr lvl="2"/>
+            <a:r>
+              <a:rPr lang="en-US" dirty="0"/>
+              <a:t>Poor video/audio quality</a:t>
+            </a:r>
+            <a:endParaRPr lang="en-US" sz="2400" dirty="0"/>
+          </a:p>
+          <a:p>
+            <a:pPr lvl="2"/>
+            <a:r>
+              <a:rPr lang="en-US" dirty="0"/>
+              <a:t>Incompatibility issues</a:t>
+            </a:r>
+            <a:endParaRPr lang="en-US" sz="2400" dirty="0"/>
+          </a:p>
+          <a:p>
+            <a:endParaRPr lang="en-US" dirty="0"/>
+          </a:p>
+        </p:txBody>
+      </p:sp>
+    </p:spTree>
+    <p:extLst>
+      <p:ext uri="{BB962C8B-B14F-4D97-AF65-F5344CB8AC3E}">
+        <p14:creationId xmlns:p14="http://schemas.microsoft.com/office/powerpoint/2010/main" val="467918029"/>
+      </p:ext>
+    </p:extLst>
+  </p:cSld>
+  <p:clrMapOvr>
+    <a:masterClrMapping/>
+  </p:clrMapOvr>
+</p:sld>
+</file>
+
+<file path=ppt/slides/slide16.xml><?xml version="1.0" encoding="utf-8"?>
+<p:sld xmlns:a="http://schemas.openxmlformats.org/drawingml/2006/main" xmlns:r="http://schemas.openxmlformats.org/officeDocument/2006/relationships" xmlns:p="http://schemas.openxmlformats.org/presentationml/2006/main">
+  <p:cSld>
+    <p:spTree>
+      <p:nvGrpSpPr>
+        <p:cNvPr id="1" name=""/>
+        <p:cNvGrpSpPr/>
+        <p:nvPr/>
+      </p:nvGrpSpPr>
+      <p:grpSpPr>
+        <a:xfrm>
+          <a:off x="0" y="0"/>
+          <a:ext cx="0" cy="0"/>
+          <a:chOff x="0" y="0"/>
+          <a:chExt cx="0" cy="0"/>
+        </a:xfrm>
+      </p:grpSpPr>
+      <p:graphicFrame>
+        <p:nvGraphicFramePr>
+          <p:cNvPr id="2" name="Diagram 1" descr="Organizational chart with five blue rectangeles with the word &quot;Why?&quot; in the center of each rectangle.">
+            <a:extLst>
+              <a:ext uri="{FF2B5EF4-FFF2-40B4-BE49-F238E27FC236}">
+                <a16:creationId xmlns:a16="http://schemas.microsoft.com/office/drawing/2014/main" id="{6C0A0CC5-6C76-451F-8CFC-C394F67ECBD4}"/>
+              </a:ext>
+            </a:extLst>
+          </p:cNvPr>
+          <p:cNvGraphicFramePr/>
+          <p:nvPr>
+            <p:extLst>
+              <p:ext uri="{D42A27DB-BD31-4B8C-83A1-F6EECF244321}">
+                <p14:modId xmlns:p14="http://schemas.microsoft.com/office/powerpoint/2010/main" val="2130168609"/>
+              </p:ext>
+            </p:extLst>
+          </p:nvPr>
+        </p:nvGraphicFramePr>
+        <p:xfrm>
+          <a:off x="2032000" y="719666"/>
+          <a:ext cx="8128000" cy="5418667"/>
+        </p:xfrm>
+        <a:graphic>
+          <a:graphicData uri="http://schemas.openxmlformats.org/drawingml/2006/diagram">
+            <dgm:relIds xmlns:dgm="http://schemas.openxmlformats.org/drawingml/2006/diagram" xmlns:r="http://schemas.openxmlformats.org/officeDocument/2006/relationships" r:dm="rId2" r:lo="rId3" r:qs="rId4" r:cs="rId5"/>
+          </a:graphicData>
+        </a:graphic>
+      </p:graphicFrame>
+      <p:sp>
+        <p:nvSpPr>
+          <p:cNvPr id="3" name="Title 2">
+            <a:extLst>
+              <a:ext uri="{FF2B5EF4-FFF2-40B4-BE49-F238E27FC236}">
+                <a16:creationId xmlns:a16="http://schemas.microsoft.com/office/drawing/2014/main" id="{4A8A8BB8-3A19-11EC-4AA9-B03FF9D0CCDF}"/>
+              </a:ext>
+            </a:extLst>
+          </p:cNvPr>
+          <p:cNvSpPr>
+            <a:spLocks noGrp="1"/>
+          </p:cNvSpPr>
+          <p:nvPr>
+            <p:ph type="title" idx="4294967295"/>
+          </p:nvPr>
+        </p:nvSpPr>
+        <p:spPr>
+          <a:xfrm>
+            <a:off x="838200" y="-1325563"/>
+            <a:ext cx="10515600" cy="1325563"/>
+          </a:xfrm>
+        </p:spPr>
+        <p:txBody>
+          <a:bodyPr vert="horz" lIns="91440" tIns="45720" rIns="91440" bIns="45720" rtlCol="0" anchor="b">
+            <a:normAutofit/>
+          </a:bodyPr>
+          <a:lstStyle/>
+          <a:p>
+            <a:r>
+              <a:rPr lang="en-US" dirty="0"/>
+              <a:t>Organizational Chart Or Process Flow</a:t>
+            </a:r>
+          </a:p>
+        </p:txBody>
+      </p:sp>
+    </p:spTree>
+    <p:extLst>
+      <p:ext uri="{BB962C8B-B14F-4D97-AF65-F5344CB8AC3E}">
         <p14:creationId xmlns:p14="http://schemas.microsoft.com/office/powerpoint/2010/main" val="2222344046"/>
       </p:ext>
     </p:extLst>
@@ -18051,7 +22328,7 @@
 </p:sld>
 </file>
 
-<file path=ppt/slides/slide15.xml><?xml version="1.0" encoding="utf-8"?>
+<file path=ppt/slides/slide17.xml><?xml version="1.0" encoding="utf-8"?>
 <p:sld xmlns:a="http://schemas.openxmlformats.org/drawingml/2006/main" xmlns:r="http://schemas.openxmlformats.org/officeDocument/2006/relationships" xmlns:p="http://schemas.openxmlformats.org/presentationml/2006/main">
   <p:cSld>
     <p:spTree>
@@ -18094,7 +22371,7 @@
             <a:pPr algn="ctr"/>
             <a:r>
               <a:rPr lang="en-US" dirty="0"/>
-              <a:t>Why is the app not being updated regularly to address these issues? </a:t>
+              <a:t>Why are these video call and screen sharing features experiencing technical issues? </a:t>
             </a:r>
             <a:br>
               <a:rPr lang="en-US" dirty="0"/>
@@ -18127,10 +22404,12 @@
             <a:endParaRPr lang="en-US" dirty="0"/>
           </a:p>
           <a:p>
-            <a:pPr lvl="1"/>
+            <a:pPr marL="457200" lvl="1" indent="0">
+              <a:buNone/>
+            </a:pPr>
             <a:r>
               <a:rPr lang="en-US" dirty="0"/>
-              <a:t>Possible factors: </a:t>
+              <a:t>Potential reasons: </a:t>
             </a:r>
             <a:endParaRPr lang="en-US" sz="2800" dirty="0"/>
           </a:p>
@@ -18138,216 +22417,29 @@
             <a:pPr lvl="2"/>
             <a:r>
               <a:rPr lang="en-US" dirty="0"/>
-              <a:t>Insufficient resources allocated to app development: Limited budget or personnel may hinder the ability to invest in regular updates and improvements.</a:t>
+              <a:t>Outdated technology</a:t>
             </a:r>
-            <a:endParaRPr lang="en-US" sz="2400" dirty="0"/>
           </a:p>
           <a:p>
             <a:pPr lvl="2"/>
             <a:r>
               <a:rPr lang="en-US" dirty="0"/>
-              <a:t>Lack of a clear development roadmap: Without a defined roadmap, updates may be delayed or prioritized incorrectly.</a:t>
+              <a:t>Poorly optimized code</a:t>
             </a:r>
-            <a:endParaRPr lang="en-US" sz="2400" dirty="0"/>
           </a:p>
           <a:p>
             <a:pPr lvl="2"/>
             <a:r>
               <a:rPr lang="en-US" dirty="0"/>
-              <a:t>Slow decision-making processes: Internal processes may be slow, hindering the timely release of updates and bug fixes.</a:t>
+              <a:t>Lack of regular maintenance</a:t>
             </a:r>
-            <a:endParaRPr lang="en-US" sz="2400" dirty="0"/>
-          </a:p>
-          <a:p>
-            <a:endParaRPr lang="en-US" dirty="0"/>
           </a:p>
         </p:txBody>
       </p:sp>
     </p:spTree>
     <p:extLst>
       <p:ext uri="{BB962C8B-B14F-4D97-AF65-F5344CB8AC3E}">
-        <p14:creationId xmlns:p14="http://schemas.microsoft.com/office/powerpoint/2010/main" val="389693132"/>
-      </p:ext>
-    </p:extLst>
-  </p:cSld>
-  <p:clrMapOvr>
-    <a:masterClrMapping/>
-  </p:clrMapOvr>
-</p:sld>
-</file>
-
-<file path=ppt/slides/slide16.xml><?xml version="1.0" encoding="utf-8"?>
-<p:sld xmlns:a="http://schemas.openxmlformats.org/drawingml/2006/main" xmlns:r="http://schemas.openxmlformats.org/officeDocument/2006/relationships" xmlns:p="http://schemas.openxmlformats.org/presentationml/2006/main">
-  <p:cSld>
-    <p:spTree>
-      <p:nvGrpSpPr>
-        <p:cNvPr id="1" name=""/>
-        <p:cNvGrpSpPr/>
-        <p:nvPr/>
-      </p:nvGrpSpPr>
-      <p:grpSpPr>
-        <a:xfrm>
-          <a:off x="0" y="0"/>
-          <a:ext cx="0" cy="0"/>
-          <a:chOff x="0" y="0"/>
-          <a:chExt cx="0" cy="0"/>
-        </a:xfrm>
-      </p:grpSpPr>
-      <p:sp>
-        <p:nvSpPr>
-          <p:cNvPr id="2" name="Title 1">
-            <a:extLst>
-              <a:ext uri="{FF2B5EF4-FFF2-40B4-BE49-F238E27FC236}">
-                <a16:creationId xmlns:a16="http://schemas.microsoft.com/office/drawing/2014/main" id="{07B1231E-90B3-49DA-81A0-339DD21D43D0}"/>
-              </a:ext>
-            </a:extLst>
-          </p:cNvPr>
-          <p:cNvSpPr>
-            <a:spLocks noGrp="1"/>
-          </p:cNvSpPr>
-          <p:nvPr>
-            <p:ph type="title"/>
-          </p:nvPr>
-        </p:nvSpPr>
-        <p:spPr/>
-        <p:txBody>
-          <a:bodyPr/>
-          <a:lstStyle/>
-          <a:p>
-            <a:r>
-              <a:rPr lang="en-US" dirty="0"/>
-              <a:t>Re-evaluated Problem:</a:t>
-            </a:r>
-            <a:br>
-              <a:rPr lang="en-US" dirty="0"/>
-            </a:br>
-            <a:endParaRPr lang="en-US" dirty="0"/>
-          </a:p>
-        </p:txBody>
-      </p:sp>
-      <p:sp>
-        <p:nvSpPr>
-          <p:cNvPr id="3" name="Content Placeholder 2">
-            <a:extLst>
-              <a:ext uri="{FF2B5EF4-FFF2-40B4-BE49-F238E27FC236}">
-                <a16:creationId xmlns:a16="http://schemas.microsoft.com/office/drawing/2014/main" id="{025AA9D9-F715-4E06-B2D3-6227F678F04A}"/>
-              </a:ext>
-            </a:extLst>
-          </p:cNvPr>
-          <p:cNvSpPr>
-            <a:spLocks noGrp="1"/>
-          </p:cNvSpPr>
-          <p:nvPr>
-            <p:ph idx="1"/>
-          </p:nvPr>
-        </p:nvSpPr>
-        <p:spPr/>
-        <p:txBody>
-          <a:bodyPr/>
-          <a:lstStyle/>
-          <a:p>
-            <a:r>
-              <a:rPr lang="en-US" dirty="0"/>
-              <a:t>The underlying issue is the app's declining quality and functionality, leading to:</a:t>
-            </a:r>
-          </a:p>
-          <a:p>
-            <a:pPr lvl="1"/>
-            <a:r>
-              <a:rPr lang="en-US" dirty="0"/>
-              <a:t>Increased technical difficulties: Particularly with core features like video calls and screen sharing.</a:t>
-            </a:r>
-          </a:p>
-          <a:p>
-            <a:pPr lvl="1"/>
-            <a:r>
-              <a:rPr lang="en-US" dirty="0"/>
-              <a:t>Deteriorating user experience: Frustration with technical issues, long wait times for support, and a perceived lack of app stability.</a:t>
-            </a:r>
-          </a:p>
-          <a:p>
-            <a:pPr lvl="1"/>
-            <a:r>
-              <a:rPr lang="en-US" dirty="0"/>
-              <a:t>Erosion of customer trust and loyalty: Dissatisfied users are more likely to churn and seek alternatives.</a:t>
-            </a:r>
-          </a:p>
-          <a:p>
-            <a:endParaRPr lang="en-US" dirty="0"/>
-          </a:p>
-        </p:txBody>
-      </p:sp>
-    </p:spTree>
-    <p:extLst>
-      <p:ext uri="{BB962C8B-B14F-4D97-AF65-F5344CB8AC3E}">
-        <p14:creationId xmlns:p14="http://schemas.microsoft.com/office/powerpoint/2010/main" val="127943630"/>
-      </p:ext>
-    </p:extLst>
-  </p:cSld>
-  <p:clrMapOvr>
-    <a:masterClrMapping/>
-  </p:clrMapOvr>
-</p:sld>
-</file>
-
-<file path=ppt/slides/slide17.xml><?xml version="1.0" encoding="utf-8"?>
-<p:sld xmlns:a="http://schemas.openxmlformats.org/drawingml/2006/main" xmlns:r="http://schemas.openxmlformats.org/officeDocument/2006/relationships" xmlns:p="http://schemas.openxmlformats.org/presentationml/2006/main">
-  <p:cSld>
-    <p:spTree>
-      <p:nvGrpSpPr>
-        <p:cNvPr id="1" name=""/>
-        <p:cNvGrpSpPr/>
-        <p:nvPr/>
-      </p:nvGrpSpPr>
-      <p:grpSpPr>
-        <a:xfrm>
-          <a:off x="0" y="0"/>
-          <a:ext cx="0" cy="0"/>
-          <a:chOff x="0" y="0"/>
-          <a:chExt cx="0" cy="0"/>
-        </a:xfrm>
-      </p:grpSpPr>
-      <p:sp>
-        <p:nvSpPr>
-          <p:cNvPr id="2" name="Title 1">
-            <a:extLst>
-              <a:ext uri="{FF2B5EF4-FFF2-40B4-BE49-F238E27FC236}">
-                <a16:creationId xmlns:a16="http://schemas.microsoft.com/office/drawing/2014/main" id="{4F80E3E2-E602-43BB-AC4E-5C141CF28735}"/>
-              </a:ext>
-            </a:extLst>
-          </p:cNvPr>
-          <p:cNvSpPr>
-            <a:spLocks noGrp="1"/>
-          </p:cNvSpPr>
-          <p:nvPr>
-            <p:ph type="title"/>
-          </p:nvPr>
-        </p:nvSpPr>
-        <p:spPr>
-          <a:xfrm>
-            <a:off x="838200" y="365125"/>
-            <a:ext cx="10515600" cy="6083801"/>
-          </a:xfrm>
-        </p:spPr>
-        <p:txBody>
-          <a:bodyPr/>
-          <a:lstStyle/>
-          <a:p>
-            <a:r>
-              <a:rPr lang="en-US" dirty="0"/>
-              <a:t>New Perspective and Recommendations</a:t>
-            </a:r>
-            <a:br>
-              <a:rPr lang="en-US" dirty="0"/>
-            </a:br>
-            <a:endParaRPr lang="en-US" dirty="0"/>
-          </a:p>
-        </p:txBody>
-      </p:sp>
-    </p:spTree>
-    <p:extLst>
-      <p:ext uri="{BB962C8B-B14F-4D97-AF65-F5344CB8AC3E}">
-        <p14:creationId xmlns:p14="http://schemas.microsoft.com/office/powerpoint/2010/main" val="3286840315"/>
+        <p14:creationId xmlns:p14="http://schemas.microsoft.com/office/powerpoint/2010/main" val="2418023997"/>
       </p:ext>
     </p:extLst>
   </p:cSld>
@@ -18374,12 +22466,40 @@
           <a:chExt cx="0" cy="0"/>
         </a:xfrm>
       </p:grpSpPr>
+      <p:graphicFrame>
+        <p:nvGraphicFramePr>
+          <p:cNvPr id="2" name="Diagram 1" descr="Organizational chart with five blue rectangeles with the word &quot;Why?&quot; in the center of each rectangle.">
+            <a:extLst>
+              <a:ext uri="{FF2B5EF4-FFF2-40B4-BE49-F238E27FC236}">
+                <a16:creationId xmlns:a16="http://schemas.microsoft.com/office/drawing/2014/main" id="{6C0A0CC5-6C76-451F-8CFC-C394F67ECBD4}"/>
+              </a:ext>
+            </a:extLst>
+          </p:cNvPr>
+          <p:cNvGraphicFramePr/>
+          <p:nvPr>
+            <p:extLst>
+              <p:ext uri="{D42A27DB-BD31-4B8C-83A1-F6EECF244321}">
+                <p14:modId xmlns:p14="http://schemas.microsoft.com/office/powerpoint/2010/main" val="2128160049"/>
+              </p:ext>
+            </p:extLst>
+          </p:nvPr>
+        </p:nvGraphicFramePr>
+        <p:xfrm>
+          <a:off x="2032000" y="719666"/>
+          <a:ext cx="8128000" cy="5418667"/>
+        </p:xfrm>
+        <a:graphic>
+          <a:graphicData uri="http://schemas.openxmlformats.org/drawingml/2006/diagram">
+            <dgm:relIds xmlns:dgm="http://schemas.openxmlformats.org/drawingml/2006/diagram" xmlns:r="http://schemas.openxmlformats.org/officeDocument/2006/relationships" r:dm="rId2" r:lo="rId3" r:qs="rId4" r:cs="rId5"/>
+          </a:graphicData>
+        </a:graphic>
+      </p:graphicFrame>
       <p:sp>
         <p:nvSpPr>
-          <p:cNvPr id="2" name="Title 1">
+          <p:cNvPr id="3" name="Title 2">
             <a:extLst>
               <a:ext uri="{FF2B5EF4-FFF2-40B4-BE49-F238E27FC236}">
-                <a16:creationId xmlns:a16="http://schemas.microsoft.com/office/drawing/2014/main" id="{EF7EB3E5-BD6F-4562-8E96-0F202466D02B}"/>
+                <a16:creationId xmlns:a16="http://schemas.microsoft.com/office/drawing/2014/main" id="{4A8A8BB8-3A19-11EC-4AA9-B03FF9D0CCDF}"/>
               </a:ext>
             </a:extLst>
           </p:cNvPr>
@@ -18387,76 +22507,32 @@
             <a:spLocks noGrp="1"/>
           </p:cNvSpPr>
           <p:nvPr>
-            <p:ph type="title"/>
+            <p:ph type="title" idx="4294967295"/>
           </p:nvPr>
         </p:nvSpPr>
-        <p:spPr/>
+        <p:spPr>
+          <a:xfrm>
+            <a:off x="838200" y="-1325563"/>
+            <a:ext cx="10515600" cy="1325563"/>
+          </a:xfrm>
+        </p:spPr>
         <p:txBody>
-          <a:bodyPr/>
+          <a:bodyPr vert="horz" lIns="91440" tIns="45720" rIns="91440" bIns="45720" rtlCol="0" anchor="b">
+            <a:normAutofit/>
+          </a:bodyPr>
           <a:lstStyle/>
           <a:p>
-            <a:pPr lvl="0"/>
             <a:r>
               <a:rPr lang="en-US" dirty="0"/>
-              <a:t>Prioritize app quality and innovation:</a:t>
+              <a:t>Organizational Chart Or Process Flow</a:t>
             </a:r>
-            <a:endParaRPr lang="en-US" sz="4800" dirty="0"/>
-          </a:p>
-        </p:txBody>
-      </p:sp>
-      <p:sp>
-        <p:nvSpPr>
-          <p:cNvPr id="3" name="Content Placeholder 2">
-            <a:extLst>
-              <a:ext uri="{FF2B5EF4-FFF2-40B4-BE49-F238E27FC236}">
-                <a16:creationId xmlns:a16="http://schemas.microsoft.com/office/drawing/2014/main" id="{FF027754-AF79-455B-8F44-27B89694E88F}"/>
-              </a:ext>
-            </a:extLst>
-          </p:cNvPr>
-          <p:cNvSpPr>
-            <a:spLocks noGrp="1"/>
-          </p:cNvSpPr>
-          <p:nvPr>
-            <p:ph idx="1"/>
-          </p:nvPr>
-        </p:nvSpPr>
-        <p:spPr/>
-        <p:txBody>
-          <a:bodyPr/>
-          <a:lstStyle/>
-          <a:p>
-            <a:pPr lvl="1"/>
-            <a:r>
-              <a:rPr lang="en-US" dirty="0"/>
-              <a:t>Invest in app development and maintenance: Allocate sufficient resources, establish a clear roadmap, and streamline decision-making processes.</a:t>
-            </a:r>
-            <a:endParaRPr lang="en-US" sz="2800" dirty="0"/>
-          </a:p>
-          <a:p>
-            <a:pPr lvl="1"/>
-            <a:r>
-              <a:rPr lang="en-US" dirty="0"/>
-              <a:t>Regularly update the app with bug fixes, performance improvements, and new features: Focus on enhancing core features like video calls and screen sharing.</a:t>
-            </a:r>
-            <a:endParaRPr lang="en-US" sz="2800" dirty="0"/>
-          </a:p>
-          <a:p>
-            <a:pPr lvl="1"/>
-            <a:r>
-              <a:rPr lang="en-US" dirty="0"/>
-              <a:t>Conduct thorough testing and quality assurance: Minimize the occurrence of bugs and ensure a stable user experience.</a:t>
-            </a:r>
-            <a:endParaRPr lang="en-US" sz="2800" dirty="0"/>
-          </a:p>
-          <a:p>
-            <a:endParaRPr lang="en-US" dirty="0"/>
           </a:p>
         </p:txBody>
       </p:sp>
     </p:spTree>
     <p:extLst>
       <p:ext uri="{BB962C8B-B14F-4D97-AF65-F5344CB8AC3E}">
-        <p14:creationId xmlns:p14="http://schemas.microsoft.com/office/powerpoint/2010/main" val="1727342553"/>
+        <p14:creationId xmlns:p14="http://schemas.microsoft.com/office/powerpoint/2010/main" val="1436495687"/>
       </p:ext>
     </p:extLst>
   </p:cSld>
@@ -18488,7 +22564,7 @@
           <p:cNvPr id="2" name="Title 1">
             <a:extLst>
               <a:ext uri="{FF2B5EF4-FFF2-40B4-BE49-F238E27FC236}">
-                <a16:creationId xmlns:a16="http://schemas.microsoft.com/office/drawing/2014/main" id="{2A30D912-037A-4DAA-8B3C-AE1F390CD240}"/>
+                <a16:creationId xmlns:a16="http://schemas.microsoft.com/office/drawing/2014/main" id="{DC17D736-62BB-47FF-9BAD-027E19A6E6A3}"/>
               </a:ext>
             </a:extLst>
           </p:cNvPr>
@@ -18501,13 +22577,20 @@
         </p:nvSpPr>
         <p:spPr/>
         <p:txBody>
-          <a:bodyPr/>
+          <a:bodyPr>
+            <a:normAutofit fontScale="90000"/>
+          </a:bodyPr>
           <a:lstStyle/>
           <a:p>
+            <a:pPr algn="ctr"/>
             <a:r>
               <a:rPr lang="en-US" dirty="0"/>
-              <a:t>Enhance customer support:</a:t>
+              <a:t>Why is the app not being updated regularly to address these issues? </a:t>
             </a:r>
+            <a:br>
+              <a:rPr lang="en-US" dirty="0"/>
+            </a:br>
+            <a:endParaRPr lang="en-US" dirty="0"/>
           </a:p>
         </p:txBody>
       </p:sp>
@@ -18516,7 +22599,7 @@
           <p:cNvPr id="3" name="Content Placeholder 2">
             <a:extLst>
               <a:ext uri="{FF2B5EF4-FFF2-40B4-BE49-F238E27FC236}">
-                <a16:creationId xmlns:a16="http://schemas.microsoft.com/office/drawing/2014/main" id="{2E475039-BCD2-4376-8FC6-DBF603DDA282}"/>
+                <a16:creationId xmlns:a16="http://schemas.microsoft.com/office/drawing/2014/main" id="{38BDBAEF-7CFC-4714-8CD1-FBC4A6378C8C}"/>
               </a:ext>
             </a:extLst>
           </p:cNvPr>
@@ -18532,36 +22615,39 @@
           <a:bodyPr/>
           <a:lstStyle/>
           <a:p>
-            <a:endParaRPr lang="en-US" dirty="0"/>
-          </a:p>
-          <a:p>
-            <a:pPr lvl="1"/>
+            <a:pPr marL="457200" lvl="1" indent="0">
+              <a:buNone/>
+            </a:pPr>
             <a:r>
               <a:rPr lang="en-US" dirty="0"/>
-              <a:t>Increase staffing levels: Hire additional customer support representatives to handle increased call volumes.</a:t>
+              <a:t>Possible factors: </a:t>
             </a:r>
             <a:endParaRPr lang="en-US" sz="2800" dirty="0"/>
           </a:p>
           <a:p>
-            <a:pPr lvl="1"/>
+            <a:pPr lvl="2"/>
             <a:r>
               <a:rPr lang="en-US" dirty="0"/>
-              <a:t>Improve support processes: Implement efficient workflows, utilize AI-powered chatbots, and provide self-service options to reduce reliance on human agents.</a:t>
+              <a:t>Insufficient resources allocated to app development</a:t>
             </a:r>
-            <a:endParaRPr lang="en-US" sz="2800" dirty="0"/>
-          </a:p>
-          <a:p>
-            <a:pPr lvl="1"/>
+            <a:endParaRPr lang="en-US" sz="2400" dirty="0"/>
+          </a:p>
+          <a:p>
+            <a:pPr lvl="2"/>
             <a:r>
               <a:rPr lang="en-US" dirty="0"/>
-              <a:t>Invest in employee training and development: Equip support representatives with the knowledge and skills to effectively resolve customer issues.</a:t>
+              <a:t>Lack of a clear development roadmap</a:t>
             </a:r>
-            <a:endParaRPr lang="en-US" sz="2800" dirty="0"/>
-          </a:p>
-          <a:p>
-            <a:pPr marL="0" indent="0">
-              <a:buNone/>
-            </a:pPr>
+          </a:p>
+          <a:p>
+            <a:pPr lvl="2"/>
+            <a:r>
+              <a:rPr lang="en-US" dirty="0"/>
+              <a:t>Slow decision-making processes.</a:t>
+            </a:r>
+            <a:endParaRPr lang="en-US" sz="2400" dirty="0"/>
+          </a:p>
+          <a:p>
             <a:endParaRPr lang="en-US" dirty="0"/>
           </a:p>
         </p:txBody>
@@ -18569,7 +22655,7 @@
     </p:spTree>
     <p:extLst>
       <p:ext uri="{BB962C8B-B14F-4D97-AF65-F5344CB8AC3E}">
-        <p14:creationId xmlns:p14="http://schemas.microsoft.com/office/powerpoint/2010/main" val="830200570"/>
+        <p14:creationId xmlns:p14="http://schemas.microsoft.com/office/powerpoint/2010/main" val="389693132"/>
       </p:ext>
     </p:extLst>
   </p:cSld>
@@ -18715,6 +22801,409 @@
           <p:cNvPr id="2" name="Title 1">
             <a:extLst>
               <a:ext uri="{FF2B5EF4-FFF2-40B4-BE49-F238E27FC236}">
+                <a16:creationId xmlns:a16="http://schemas.microsoft.com/office/drawing/2014/main" id="{07B1231E-90B3-49DA-81A0-339DD21D43D0}"/>
+              </a:ext>
+            </a:extLst>
+          </p:cNvPr>
+          <p:cNvSpPr>
+            <a:spLocks noGrp="1"/>
+          </p:cNvSpPr>
+          <p:nvPr>
+            <p:ph type="title"/>
+          </p:nvPr>
+        </p:nvSpPr>
+        <p:spPr/>
+        <p:txBody>
+          <a:bodyPr/>
+          <a:lstStyle/>
+          <a:p>
+            <a:r>
+              <a:rPr lang="en-US" dirty="0"/>
+              <a:t>Re-evaluated Problem:</a:t>
+            </a:r>
+            <a:br>
+              <a:rPr lang="en-US" dirty="0"/>
+            </a:br>
+            <a:endParaRPr lang="en-US" dirty="0"/>
+          </a:p>
+        </p:txBody>
+      </p:sp>
+      <p:sp>
+        <p:nvSpPr>
+          <p:cNvPr id="3" name="Content Placeholder 2">
+            <a:extLst>
+              <a:ext uri="{FF2B5EF4-FFF2-40B4-BE49-F238E27FC236}">
+                <a16:creationId xmlns:a16="http://schemas.microsoft.com/office/drawing/2014/main" id="{025AA9D9-F715-4E06-B2D3-6227F678F04A}"/>
+              </a:ext>
+            </a:extLst>
+          </p:cNvPr>
+          <p:cNvSpPr>
+            <a:spLocks noGrp="1"/>
+          </p:cNvSpPr>
+          <p:nvPr>
+            <p:ph idx="1"/>
+          </p:nvPr>
+        </p:nvSpPr>
+        <p:spPr/>
+        <p:txBody>
+          <a:bodyPr/>
+          <a:lstStyle/>
+          <a:p>
+            <a:r>
+              <a:rPr lang="en-US" dirty="0"/>
+              <a:t>The underlying issue is the app's declining quality and functionality, leading to:</a:t>
+            </a:r>
+          </a:p>
+          <a:p>
+            <a:pPr lvl="1"/>
+            <a:r>
+              <a:rPr lang="en-US" dirty="0"/>
+              <a:t>Increased technical difficulties: Particularly with core features like video calls and screen sharing.</a:t>
+            </a:r>
+          </a:p>
+          <a:p>
+            <a:pPr lvl="1"/>
+            <a:r>
+              <a:rPr lang="en-US" dirty="0"/>
+              <a:t>Deteriorating user experience: Frustration with technical issues, long wait times for support, and a perceived lack of app stability.</a:t>
+            </a:r>
+          </a:p>
+          <a:p>
+            <a:pPr lvl="1"/>
+            <a:r>
+              <a:rPr lang="en-US" dirty="0"/>
+              <a:t>Erosion of customer trust and loyalty: Dissatisfied users are more likely to churn and seek alternatives.</a:t>
+            </a:r>
+          </a:p>
+          <a:p>
+            <a:endParaRPr lang="en-US" dirty="0"/>
+          </a:p>
+        </p:txBody>
+      </p:sp>
+    </p:spTree>
+    <p:extLst>
+      <p:ext uri="{BB962C8B-B14F-4D97-AF65-F5344CB8AC3E}">
+        <p14:creationId xmlns:p14="http://schemas.microsoft.com/office/powerpoint/2010/main" val="127943630"/>
+      </p:ext>
+    </p:extLst>
+  </p:cSld>
+  <p:clrMapOvr>
+    <a:masterClrMapping/>
+  </p:clrMapOvr>
+</p:sld>
+</file>
+
+<file path=ppt/slides/slide21.xml><?xml version="1.0" encoding="utf-8"?>
+<p:sld xmlns:a="http://schemas.openxmlformats.org/drawingml/2006/main" xmlns:r="http://schemas.openxmlformats.org/officeDocument/2006/relationships" xmlns:p="http://schemas.openxmlformats.org/presentationml/2006/main">
+  <p:cSld>
+    <p:spTree>
+      <p:nvGrpSpPr>
+        <p:cNvPr id="1" name=""/>
+        <p:cNvGrpSpPr/>
+        <p:nvPr/>
+      </p:nvGrpSpPr>
+      <p:grpSpPr>
+        <a:xfrm>
+          <a:off x="0" y="0"/>
+          <a:ext cx="0" cy="0"/>
+          <a:chOff x="0" y="0"/>
+          <a:chExt cx="0" cy="0"/>
+        </a:xfrm>
+      </p:grpSpPr>
+      <p:sp>
+        <p:nvSpPr>
+          <p:cNvPr id="2" name="Title 1">
+            <a:extLst>
+              <a:ext uri="{FF2B5EF4-FFF2-40B4-BE49-F238E27FC236}">
+                <a16:creationId xmlns:a16="http://schemas.microsoft.com/office/drawing/2014/main" id="{4F80E3E2-E602-43BB-AC4E-5C141CF28735}"/>
+              </a:ext>
+            </a:extLst>
+          </p:cNvPr>
+          <p:cNvSpPr>
+            <a:spLocks noGrp="1"/>
+          </p:cNvSpPr>
+          <p:nvPr>
+            <p:ph type="title"/>
+          </p:nvPr>
+        </p:nvSpPr>
+        <p:spPr>
+          <a:xfrm>
+            <a:off x="838200" y="365125"/>
+            <a:ext cx="10515600" cy="6083801"/>
+          </a:xfrm>
+        </p:spPr>
+        <p:txBody>
+          <a:bodyPr/>
+          <a:lstStyle/>
+          <a:p>
+            <a:r>
+              <a:rPr lang="en-US" dirty="0"/>
+              <a:t>New Perspective and Recommendations</a:t>
+            </a:r>
+            <a:br>
+              <a:rPr lang="en-US" dirty="0"/>
+            </a:br>
+            <a:endParaRPr lang="en-US" dirty="0"/>
+          </a:p>
+        </p:txBody>
+      </p:sp>
+    </p:spTree>
+    <p:extLst>
+      <p:ext uri="{BB962C8B-B14F-4D97-AF65-F5344CB8AC3E}">
+        <p14:creationId xmlns:p14="http://schemas.microsoft.com/office/powerpoint/2010/main" val="3286840315"/>
+      </p:ext>
+    </p:extLst>
+  </p:cSld>
+  <p:clrMapOvr>
+    <a:masterClrMapping/>
+  </p:clrMapOvr>
+</p:sld>
+</file>
+
+<file path=ppt/slides/slide22.xml><?xml version="1.0" encoding="utf-8"?>
+<p:sld xmlns:a="http://schemas.openxmlformats.org/drawingml/2006/main" xmlns:r="http://schemas.openxmlformats.org/officeDocument/2006/relationships" xmlns:p="http://schemas.openxmlformats.org/presentationml/2006/main">
+  <p:cSld>
+    <p:spTree>
+      <p:nvGrpSpPr>
+        <p:cNvPr id="1" name=""/>
+        <p:cNvGrpSpPr/>
+        <p:nvPr/>
+      </p:nvGrpSpPr>
+      <p:grpSpPr>
+        <a:xfrm>
+          <a:off x="0" y="0"/>
+          <a:ext cx="0" cy="0"/>
+          <a:chOff x="0" y="0"/>
+          <a:chExt cx="0" cy="0"/>
+        </a:xfrm>
+      </p:grpSpPr>
+      <p:sp>
+        <p:nvSpPr>
+          <p:cNvPr id="2" name="Title 1">
+            <a:extLst>
+              <a:ext uri="{FF2B5EF4-FFF2-40B4-BE49-F238E27FC236}">
+                <a16:creationId xmlns:a16="http://schemas.microsoft.com/office/drawing/2014/main" id="{EF7EB3E5-BD6F-4562-8E96-0F202466D02B}"/>
+              </a:ext>
+            </a:extLst>
+          </p:cNvPr>
+          <p:cNvSpPr>
+            <a:spLocks noGrp="1"/>
+          </p:cNvSpPr>
+          <p:nvPr>
+            <p:ph type="title"/>
+          </p:nvPr>
+        </p:nvSpPr>
+        <p:spPr/>
+        <p:txBody>
+          <a:bodyPr/>
+          <a:lstStyle/>
+          <a:p>
+            <a:pPr lvl="0"/>
+            <a:r>
+              <a:rPr lang="en-US" dirty="0"/>
+              <a:t>Prioritize app quality and innovation:</a:t>
+            </a:r>
+            <a:endParaRPr lang="en-US" sz="4800" dirty="0"/>
+          </a:p>
+        </p:txBody>
+      </p:sp>
+      <p:sp>
+        <p:nvSpPr>
+          <p:cNvPr id="3" name="Content Placeholder 2">
+            <a:extLst>
+              <a:ext uri="{FF2B5EF4-FFF2-40B4-BE49-F238E27FC236}">
+                <a16:creationId xmlns:a16="http://schemas.microsoft.com/office/drawing/2014/main" id="{FF027754-AF79-455B-8F44-27B89694E88F}"/>
+              </a:ext>
+            </a:extLst>
+          </p:cNvPr>
+          <p:cNvSpPr>
+            <a:spLocks noGrp="1"/>
+          </p:cNvSpPr>
+          <p:nvPr>
+            <p:ph idx="1"/>
+          </p:nvPr>
+        </p:nvSpPr>
+        <p:spPr/>
+        <p:txBody>
+          <a:bodyPr/>
+          <a:lstStyle/>
+          <a:p>
+            <a:pPr lvl="1"/>
+            <a:r>
+              <a:rPr lang="en-US" dirty="0"/>
+              <a:t>Invest in app development and maintenance: Allocate sufficient resources, establish a clear roadmap, and streamline decision-making processes.</a:t>
+            </a:r>
+            <a:endParaRPr lang="en-US" sz="2800" dirty="0"/>
+          </a:p>
+          <a:p>
+            <a:pPr lvl="1"/>
+            <a:r>
+              <a:rPr lang="en-US" dirty="0"/>
+              <a:t>Regularly update the app with bug fixes, performance improvements, and new features: Focus on enhancing core features like video calls and screen sharing.</a:t>
+            </a:r>
+            <a:endParaRPr lang="en-US" sz="2800" dirty="0"/>
+          </a:p>
+          <a:p>
+            <a:pPr lvl="1"/>
+            <a:r>
+              <a:rPr lang="en-US" dirty="0"/>
+              <a:t>Conduct thorough testing and quality assurance: Minimize the occurrence of bugs and ensure a stable user experience.</a:t>
+            </a:r>
+            <a:endParaRPr lang="en-US" sz="2800" dirty="0"/>
+          </a:p>
+          <a:p>
+            <a:endParaRPr lang="en-US" dirty="0"/>
+          </a:p>
+        </p:txBody>
+      </p:sp>
+    </p:spTree>
+    <p:extLst>
+      <p:ext uri="{BB962C8B-B14F-4D97-AF65-F5344CB8AC3E}">
+        <p14:creationId xmlns:p14="http://schemas.microsoft.com/office/powerpoint/2010/main" val="1727342553"/>
+      </p:ext>
+    </p:extLst>
+  </p:cSld>
+  <p:clrMapOvr>
+    <a:masterClrMapping/>
+  </p:clrMapOvr>
+</p:sld>
+</file>
+
+<file path=ppt/slides/slide23.xml><?xml version="1.0" encoding="utf-8"?>
+<p:sld xmlns:a="http://schemas.openxmlformats.org/drawingml/2006/main" xmlns:r="http://schemas.openxmlformats.org/officeDocument/2006/relationships" xmlns:p="http://schemas.openxmlformats.org/presentationml/2006/main">
+  <p:cSld>
+    <p:spTree>
+      <p:nvGrpSpPr>
+        <p:cNvPr id="1" name=""/>
+        <p:cNvGrpSpPr/>
+        <p:nvPr/>
+      </p:nvGrpSpPr>
+      <p:grpSpPr>
+        <a:xfrm>
+          <a:off x="0" y="0"/>
+          <a:ext cx="0" cy="0"/>
+          <a:chOff x="0" y="0"/>
+          <a:chExt cx="0" cy="0"/>
+        </a:xfrm>
+      </p:grpSpPr>
+      <p:sp>
+        <p:nvSpPr>
+          <p:cNvPr id="2" name="Title 1">
+            <a:extLst>
+              <a:ext uri="{FF2B5EF4-FFF2-40B4-BE49-F238E27FC236}">
+                <a16:creationId xmlns:a16="http://schemas.microsoft.com/office/drawing/2014/main" id="{2A30D912-037A-4DAA-8B3C-AE1F390CD240}"/>
+              </a:ext>
+            </a:extLst>
+          </p:cNvPr>
+          <p:cNvSpPr>
+            <a:spLocks noGrp="1"/>
+          </p:cNvSpPr>
+          <p:nvPr>
+            <p:ph type="title"/>
+          </p:nvPr>
+        </p:nvSpPr>
+        <p:spPr/>
+        <p:txBody>
+          <a:bodyPr/>
+          <a:lstStyle/>
+          <a:p>
+            <a:r>
+              <a:rPr lang="en-US" dirty="0"/>
+              <a:t>Enhance customer support:</a:t>
+            </a:r>
+          </a:p>
+        </p:txBody>
+      </p:sp>
+      <p:sp>
+        <p:nvSpPr>
+          <p:cNvPr id="3" name="Content Placeholder 2">
+            <a:extLst>
+              <a:ext uri="{FF2B5EF4-FFF2-40B4-BE49-F238E27FC236}">
+                <a16:creationId xmlns:a16="http://schemas.microsoft.com/office/drawing/2014/main" id="{2E475039-BCD2-4376-8FC6-DBF603DDA282}"/>
+              </a:ext>
+            </a:extLst>
+          </p:cNvPr>
+          <p:cNvSpPr>
+            <a:spLocks noGrp="1"/>
+          </p:cNvSpPr>
+          <p:nvPr>
+            <p:ph idx="1"/>
+          </p:nvPr>
+        </p:nvSpPr>
+        <p:spPr/>
+        <p:txBody>
+          <a:bodyPr/>
+          <a:lstStyle/>
+          <a:p>
+            <a:endParaRPr lang="en-US" dirty="0"/>
+          </a:p>
+          <a:p>
+            <a:pPr lvl="1"/>
+            <a:r>
+              <a:rPr lang="en-US" dirty="0"/>
+              <a:t>Increase staffing levels: Hire additional customer support representatives to handle increased call volumes.</a:t>
+            </a:r>
+            <a:endParaRPr lang="en-US" sz="2800" dirty="0"/>
+          </a:p>
+          <a:p>
+            <a:pPr lvl="1"/>
+            <a:r>
+              <a:rPr lang="en-US" dirty="0"/>
+              <a:t>Improve support processes: Implement efficient workflows, utilize AI-powered chatbots, and provide self-service options to reduce reliance on human agents.</a:t>
+            </a:r>
+            <a:endParaRPr lang="en-US" sz="2800" dirty="0"/>
+          </a:p>
+          <a:p>
+            <a:pPr lvl="1"/>
+            <a:r>
+              <a:rPr lang="en-US" dirty="0"/>
+              <a:t>Invest in employee training and development: Equip support representatives with the knowledge and skills to effectively resolve customer issues.</a:t>
+            </a:r>
+            <a:endParaRPr lang="en-US" sz="2800" dirty="0"/>
+          </a:p>
+          <a:p>
+            <a:pPr marL="0" indent="0">
+              <a:buNone/>
+            </a:pPr>
+            <a:endParaRPr lang="en-US" dirty="0"/>
+          </a:p>
+        </p:txBody>
+      </p:sp>
+    </p:spTree>
+    <p:extLst>
+      <p:ext uri="{BB962C8B-B14F-4D97-AF65-F5344CB8AC3E}">
+        <p14:creationId xmlns:p14="http://schemas.microsoft.com/office/powerpoint/2010/main" val="830200570"/>
+      </p:ext>
+    </p:extLst>
+  </p:cSld>
+  <p:clrMapOvr>
+    <a:masterClrMapping/>
+  </p:clrMapOvr>
+</p:sld>
+</file>
+
+<file path=ppt/slides/slide24.xml><?xml version="1.0" encoding="utf-8"?>
+<p:sld xmlns:a="http://schemas.openxmlformats.org/drawingml/2006/main" xmlns:r="http://schemas.openxmlformats.org/officeDocument/2006/relationships" xmlns:p="http://schemas.openxmlformats.org/presentationml/2006/main">
+  <p:cSld>
+    <p:spTree>
+      <p:nvGrpSpPr>
+        <p:cNvPr id="1" name=""/>
+        <p:cNvGrpSpPr/>
+        <p:nvPr/>
+      </p:nvGrpSpPr>
+      <p:grpSpPr>
+        <a:xfrm>
+          <a:off x="0" y="0"/>
+          <a:ext cx="0" cy="0"/>
+          <a:chOff x="0" y="0"/>
+          <a:chExt cx="0" cy="0"/>
+        </a:xfrm>
+      </p:grpSpPr>
+      <p:sp>
+        <p:nvSpPr>
+          <p:cNvPr id="2" name="Title 1">
+            <a:extLst>
+              <a:ext uri="{FF2B5EF4-FFF2-40B4-BE49-F238E27FC236}">
                 <a16:creationId xmlns:a16="http://schemas.microsoft.com/office/drawing/2014/main" id="{DE3FBF0D-B4A1-4255-8574-7B390C03351A}"/>
               </a:ext>
             </a:extLst>
@@ -18807,7 +23296,7 @@
 </p:sld>
 </file>
 
-<file path=ppt/slides/slide21.xml><?xml version="1.0" encoding="utf-8"?>
+<file path=ppt/slides/slide25.xml><?xml version="1.0" encoding="utf-8"?>
 <p:sld xmlns:a="http://schemas.openxmlformats.org/drawingml/2006/main" xmlns:r="http://schemas.openxmlformats.org/officeDocument/2006/relationships" xmlns:p="http://schemas.openxmlformats.org/presentationml/2006/main">
   <p:cSld>
     <p:spTree>
@@ -19527,7 +24016,7 @@
         <p:spPr>
           <a:xfrm>
             <a:off x="1594956" y="3418517"/>
-            <a:ext cx="1174458" cy="411054"/>
+            <a:ext cx="1174458" cy="369332"/>
           </a:xfrm>
           <a:prstGeom prst="rect">
             <a:avLst/>
@@ -19857,7 +24346,7 @@
           <p:cNvPr id="2" name="Title 1">
             <a:extLst>
               <a:ext uri="{FF2B5EF4-FFF2-40B4-BE49-F238E27FC236}">
-                <a16:creationId xmlns:a16="http://schemas.microsoft.com/office/drawing/2014/main" id="{626D3E99-C06E-4D28-9F00-61D914A30792}"/>
+                <a16:creationId xmlns:a16="http://schemas.microsoft.com/office/drawing/2014/main" id="{607ADE67-DA00-44F7-92ED-F3F27C335F95}"/>
               </a:ext>
             </a:extLst>
           </p:cNvPr>
@@ -19868,58 +24357,28 @@
             <p:ph type="title"/>
           </p:nvPr>
         </p:nvSpPr>
-        <p:spPr/>
+        <p:spPr>
+          <a:xfrm>
+            <a:off x="838200" y="365125"/>
+            <a:ext cx="10515600" cy="5897130"/>
+          </a:xfrm>
+        </p:spPr>
         <p:txBody>
           <a:bodyPr/>
           <a:lstStyle/>
           <a:p>
+            <a:pPr algn="ctr"/>
             <a:r>
               <a:rPr lang="en-US" dirty="0"/>
-              <a:t>Improving Customer Satisfaction in a Call Center</a:t>
+              <a:t>Root Cause Analysis Example</a:t>
             </a:r>
-          </a:p>
-        </p:txBody>
-      </p:sp>
-      <p:sp>
-        <p:nvSpPr>
-          <p:cNvPr id="3" name="Content Placeholder 2">
-            <a:extLst>
-              <a:ext uri="{FF2B5EF4-FFF2-40B4-BE49-F238E27FC236}">
-                <a16:creationId xmlns:a16="http://schemas.microsoft.com/office/drawing/2014/main" id="{3B28B7BD-A50E-42C3-8BA8-28370EC82A8F}"/>
-              </a:ext>
-            </a:extLst>
-          </p:cNvPr>
-          <p:cNvSpPr>
-            <a:spLocks noGrp="1"/>
-          </p:cNvSpPr>
-          <p:nvPr>
-            <p:ph idx="1"/>
-          </p:nvPr>
-        </p:nvSpPr>
-        <p:spPr/>
-        <p:txBody>
-          <a:bodyPr>
-            <a:normAutofit/>
-          </a:bodyPr>
-          <a:lstStyle/>
-          <a:p>
-            <a:pPr marL="0" indent="0">
-              <a:buNone/>
-            </a:pPr>
-            <a:r>
-              <a:rPr lang="en-US" dirty="0"/>
-              <a:t>A call center was experiencing a high volume of customer complaints about long wait times and unresolved issues.</a:t>
-            </a:r>
-          </a:p>
-          <a:p>
-            <a:endParaRPr lang="en-US" dirty="0"/>
           </a:p>
         </p:txBody>
       </p:sp>
     </p:spTree>
     <p:extLst>
       <p:ext uri="{BB962C8B-B14F-4D97-AF65-F5344CB8AC3E}">
-        <p14:creationId xmlns:p14="http://schemas.microsoft.com/office/powerpoint/2010/main" val="604013563"/>
+        <p14:creationId xmlns:p14="http://schemas.microsoft.com/office/powerpoint/2010/main" val="3582005078"/>
       </p:ext>
     </p:extLst>
   </p:cSld>
@@ -19967,6 +24426,7 @@
           <a:bodyPr/>
           <a:lstStyle/>
           <a:p>
+            <a:pPr algn="ctr"/>
             <a:r>
               <a:rPr lang="en-US" dirty="0"/>
               <a:t>Improving Customer Satisfaction in a Call Center</a:t>
@@ -19997,54 +24457,12 @@
           </a:bodyPr>
           <a:lstStyle/>
           <a:p>
-            <a:r>
-              <a:rPr lang="en-US" b="1" dirty="0"/>
-              <a:t>Root Cause Analysis:</a:t>
-            </a:r>
-            <a:endParaRPr lang="en-US" dirty="0"/>
-          </a:p>
-          <a:p>
-            <a:pPr lvl="1"/>
-            <a:r>
-              <a:rPr lang="en-US" b="1" dirty="0"/>
-              <a:t>Data Collection:</a:t>
-            </a:r>
+            <a:pPr marL="0" indent="0">
+              <a:buNone/>
+            </a:pPr>
             <a:r>
               <a:rPr lang="en-US" dirty="0"/>
-              <a:t> The call center collected data on call wait times, call durations, and customer feedback.</a:t>
-            </a:r>
-          </a:p>
-          <a:p>
-            <a:pPr lvl="1"/>
-            <a:r>
-              <a:rPr lang="en-US" b="1" dirty="0"/>
-              <a:t>Identifying Possible Causes:</a:t>
-            </a:r>
-            <a:r>
-              <a:rPr lang="en-US" dirty="0"/>
-              <a:t> The team identified several potential causes, including understaffing, inadequate training, and outdated technology.</a:t>
-            </a:r>
-          </a:p>
-          <a:p>
-            <a:pPr lvl="1"/>
-            <a:r>
-              <a:rPr lang="en-US" b="1" dirty="0"/>
-              <a:t>Analyzing the Causes:</a:t>
-            </a:r>
-            <a:r>
-              <a:rPr lang="en-US" dirty="0"/>
-              <a:t> Through further analysis, the team discovered that the primary root cause was inadequate training, which led to longer call durations and unresolved issues.</a:t>
-            </a:r>
-          </a:p>
-          <a:p>
-            <a:pPr lvl="1"/>
-            <a:r>
-              <a:rPr lang="en-US" b="1" dirty="0"/>
-              <a:t>Implementing Solutions:</a:t>
-            </a:r>
-            <a:r>
-              <a:rPr lang="en-US" dirty="0"/>
-              <a:t> The call center implemented a comprehensive training program for its staff, focusing on improving their problem-solving skills and product knowledge.</a:t>
+              <a:t>A call center was experiencing a high volume of customer complaints about long wait times and unresolved issues.</a:t>
             </a:r>
           </a:p>
           <a:p>
@@ -20055,7 +24473,7 @@
     </p:spTree>
     <p:extLst>
       <p:ext uri="{BB962C8B-B14F-4D97-AF65-F5344CB8AC3E}">
-        <p14:creationId xmlns:p14="http://schemas.microsoft.com/office/powerpoint/2010/main" val="3711895261"/>
+        <p14:creationId xmlns:p14="http://schemas.microsoft.com/office/powerpoint/2010/main" val="604013563"/>
       </p:ext>
     </p:extLst>
   </p:cSld>
@@ -20103,6 +24521,7 @@
           <a:bodyPr/>
           <a:lstStyle/>
           <a:p>
+            <a:pPr algn="ctr"/>
             <a:r>
               <a:rPr lang="en-US" dirty="0"/>
               <a:t>Improving Customer Satisfaction in a Call Center</a:t>
@@ -20135,22 +24554,135 @@
           <a:p>
             <a:r>
               <a:rPr lang="en-US" b="1" dirty="0"/>
-              <a:t>Framing the Problem:</a:t>
+              <a:t>Root Cause Analysis:</a:t>
             </a:r>
+            <a:endParaRPr lang="en-US" dirty="0"/>
+          </a:p>
+          <a:p>
+            <a:pPr lvl="1"/>
+            <a:r>
+              <a:rPr lang="en-US" b="1" dirty="0"/>
+              <a:t>Data Collection</a:t>
+            </a:r>
+            <a:endParaRPr lang="en-US" dirty="0"/>
+          </a:p>
+          <a:p>
+            <a:pPr lvl="1"/>
+            <a:r>
+              <a:rPr lang="en-US" b="1" dirty="0"/>
+              <a:t>Identifying Possible Causes</a:t>
+            </a:r>
+          </a:p>
+          <a:p>
+            <a:pPr lvl="1"/>
+            <a:r>
+              <a:rPr lang="en-US" b="1" dirty="0"/>
+              <a:t>Analyzing the Causes</a:t>
+            </a:r>
+          </a:p>
+          <a:p>
+            <a:pPr lvl="1"/>
+            <a:r>
+              <a:rPr lang="en-US" b="1" dirty="0"/>
+              <a:t>Implementing Solutions</a:t>
+            </a:r>
+            <a:endParaRPr lang="en-US" dirty="0"/>
+          </a:p>
+        </p:txBody>
+      </p:sp>
+    </p:spTree>
+    <p:extLst>
+      <p:ext uri="{BB962C8B-B14F-4D97-AF65-F5344CB8AC3E}">
+        <p14:creationId xmlns:p14="http://schemas.microsoft.com/office/powerpoint/2010/main" val="3711895261"/>
+      </p:ext>
+    </p:extLst>
+  </p:cSld>
+  <p:clrMapOvr>
+    <a:masterClrMapping/>
+  </p:clrMapOvr>
+</p:sld>
+</file>
+
+<file path=ppt/slides/slide6.xml><?xml version="1.0" encoding="utf-8"?>
+<p:sld xmlns:a="http://schemas.openxmlformats.org/drawingml/2006/main" xmlns:r="http://schemas.openxmlformats.org/officeDocument/2006/relationships" xmlns:p="http://schemas.openxmlformats.org/presentationml/2006/main">
+  <p:cSld>
+    <p:spTree>
+      <p:nvGrpSpPr>
+        <p:cNvPr id="1" name=""/>
+        <p:cNvGrpSpPr/>
+        <p:nvPr/>
+      </p:nvGrpSpPr>
+      <p:grpSpPr>
+        <a:xfrm>
+          <a:off x="0" y="0"/>
+          <a:ext cx="0" cy="0"/>
+          <a:chOff x="0" y="0"/>
+          <a:chExt cx="0" cy="0"/>
+        </a:xfrm>
+      </p:grpSpPr>
+      <p:sp>
+        <p:nvSpPr>
+          <p:cNvPr id="2" name="Title 1">
+            <a:extLst>
+              <a:ext uri="{FF2B5EF4-FFF2-40B4-BE49-F238E27FC236}">
+                <a16:creationId xmlns:a16="http://schemas.microsoft.com/office/drawing/2014/main" id="{626D3E99-C06E-4D28-9F00-61D914A30792}"/>
+              </a:ext>
+            </a:extLst>
+          </p:cNvPr>
+          <p:cNvSpPr>
+            <a:spLocks noGrp="1"/>
+          </p:cNvSpPr>
+          <p:nvPr>
+            <p:ph type="title"/>
+          </p:nvPr>
+        </p:nvSpPr>
+        <p:spPr/>
+        <p:txBody>
+          <a:bodyPr/>
+          <a:lstStyle/>
+          <a:p>
+            <a:pPr algn="ctr"/>
             <a:r>
               <a:rPr lang="en-US" dirty="0"/>
-              <a:t> The call center framed the problem as a need to improve customer satisfaction by reducing wait times and increasing the resolution rate. This framing helped the team focus on the most critical aspects of the issue and develop targeted solutions.</a:t>
+              <a:t>Improving Customer Satisfaction in a Call Center</a:t>
             </a:r>
           </a:p>
+        </p:txBody>
+      </p:sp>
+      <p:sp>
+        <p:nvSpPr>
+          <p:cNvPr id="3" name="Content Placeholder 2">
+            <a:extLst>
+              <a:ext uri="{FF2B5EF4-FFF2-40B4-BE49-F238E27FC236}">
+                <a16:creationId xmlns:a16="http://schemas.microsoft.com/office/drawing/2014/main" id="{3B28B7BD-A50E-42C3-8BA8-28370EC82A8F}"/>
+              </a:ext>
+            </a:extLst>
+          </p:cNvPr>
+          <p:cNvSpPr>
+            <a:spLocks noGrp="1"/>
+          </p:cNvSpPr>
+          <p:nvPr>
+            <p:ph idx="1"/>
+          </p:nvPr>
+        </p:nvSpPr>
+        <p:spPr/>
+        <p:txBody>
+          <a:bodyPr>
+            <a:normAutofit/>
+          </a:bodyPr>
+          <a:lstStyle/>
           <a:p>
             <a:r>
               <a:rPr lang="en-US" b="1" dirty="0"/>
-              <a:t>Outcome:</a:t>
+              <a:t>Framing the Problem</a:t>
             </a:r>
+          </a:p>
+          <a:p>
             <a:r>
-              <a:rPr lang="en-US" dirty="0"/>
-              <a:t> By addressing the root cause and properly framing the problem, the call center was able to reduce wait times, improve issue resolution rates, and ultimately increase customer satisfaction.</a:t>
+              <a:rPr lang="en-US" b="1" dirty="0"/>
+              <a:t>Outcome</a:t>
             </a:r>
+            <a:endParaRPr lang="en-US" dirty="0"/>
           </a:p>
           <a:p>
             <a:endParaRPr lang="en-US" dirty="0"/>
@@ -20170,7 +24702,71 @@
 </p:sld>
 </file>
 
-<file path=ppt/slides/slide6.xml><?xml version="1.0" encoding="utf-8"?>
+<file path=ppt/slides/slide7.xml><?xml version="1.0" encoding="utf-8"?>
+<p:sld xmlns:a="http://schemas.openxmlformats.org/drawingml/2006/main" xmlns:r="http://schemas.openxmlformats.org/officeDocument/2006/relationships" xmlns:p="http://schemas.openxmlformats.org/presentationml/2006/main">
+  <p:cSld>
+    <p:spTree>
+      <p:nvGrpSpPr>
+        <p:cNvPr id="1" name=""/>
+        <p:cNvGrpSpPr/>
+        <p:nvPr/>
+      </p:nvGrpSpPr>
+      <p:grpSpPr>
+        <a:xfrm>
+          <a:off x="0" y="0"/>
+          <a:ext cx="0" cy="0"/>
+          <a:chOff x="0" y="0"/>
+          <a:chExt cx="0" cy="0"/>
+        </a:xfrm>
+      </p:grpSpPr>
+      <p:sp>
+        <p:nvSpPr>
+          <p:cNvPr id="2" name="Title 1">
+            <a:extLst>
+              <a:ext uri="{FF2B5EF4-FFF2-40B4-BE49-F238E27FC236}">
+                <a16:creationId xmlns:a16="http://schemas.microsoft.com/office/drawing/2014/main" id="{33FB786F-743A-4482-8D9B-DFED2B5FEF5C}"/>
+              </a:ext>
+            </a:extLst>
+          </p:cNvPr>
+          <p:cNvSpPr>
+            <a:spLocks noGrp="1"/>
+          </p:cNvSpPr>
+          <p:nvPr>
+            <p:ph type="title"/>
+          </p:nvPr>
+        </p:nvSpPr>
+        <p:spPr>
+          <a:xfrm>
+            <a:off x="838200" y="365125"/>
+            <a:ext cx="10515600" cy="6492875"/>
+          </a:xfrm>
+        </p:spPr>
+        <p:txBody>
+          <a:bodyPr/>
+          <a:lstStyle/>
+          <a:p>
+            <a:pPr algn="ctr"/>
+            <a:r>
+              <a:rPr lang="en-US" dirty="0"/>
+              <a:t>Exploring App’s Usage Decline in The Past Six Months</a:t>
+            </a:r>
+          </a:p>
+        </p:txBody>
+      </p:sp>
+    </p:spTree>
+    <p:extLst>
+      <p:ext uri="{BB962C8B-B14F-4D97-AF65-F5344CB8AC3E}">
+        <p14:creationId xmlns:p14="http://schemas.microsoft.com/office/powerpoint/2010/main" val="553297362"/>
+      </p:ext>
+    </p:extLst>
+  </p:cSld>
+  <p:clrMapOvr>
+    <a:masterClrMapping/>
+  </p:clrMapOvr>
+</p:sld>
+</file>
+
+<file path=ppt/slides/slide8.xml><?xml version="1.0" encoding="utf-8"?>
 <p:sld xmlns:a="http://schemas.openxmlformats.org/drawingml/2006/main" xmlns:r="http://schemas.openxmlformats.org/officeDocument/2006/relationships" xmlns:p="http://schemas.openxmlformats.org/presentationml/2006/main">
   <p:cSld>
     <p:spTree>
@@ -20200,7 +24796,7 @@
           <p:nvPr>
             <p:extLst>
               <p:ext uri="{D42A27DB-BD31-4B8C-83A1-F6EECF244321}">
-                <p14:modId xmlns:p14="http://schemas.microsoft.com/office/powerpoint/2010/main" val="992145717"/>
+                <p14:modId xmlns:p14="http://schemas.microsoft.com/office/powerpoint/2010/main" val="1397198842"/>
               </p:ext>
             </p:extLst>
           </p:nvPr>
@@ -20263,7 +24859,7 @@
 </p:sld>
 </file>
 
-<file path=ppt/slides/slide7.xml><?xml version="1.0" encoding="utf-8"?>
+<file path=ppt/slides/slide9.xml><?xml version="1.0" encoding="utf-8"?>
 <p:sld xmlns:a="http://schemas.openxmlformats.org/drawingml/2006/main" xmlns:r="http://schemas.openxmlformats.org/officeDocument/2006/relationships" xmlns:p="http://schemas.openxmlformats.org/presentationml/2006/main">
   <p:cSld>
     <p:spTree>
@@ -20304,19 +24900,30 @@
         </p:spPr>
         <p:txBody>
           <a:bodyPr>
-            <a:normAutofit fontScale="90000"/>
+            <a:normAutofit/>
           </a:bodyPr>
           <a:lstStyle/>
           <a:p>
             <a:pPr algn="ctr"/>
             <a:r>
               <a:rPr lang="en-US" dirty="0"/>
-              <a:t>Why has customer support received increasing complaints about long wait times for assistance, especially during peak hours? </a:t>
+              <a:t>Why Hass the Usage of </a:t>
+            </a:r>
+            <a:r>
+              <a:rPr lang="en-US" dirty="0" err="1"/>
+              <a:t>QuickTech’s</a:t>
+            </a:r>
+            <a:r>
+              <a:rPr lang="en-US" dirty="0"/>
+              <a:t> App</a:t>
             </a:r>
             <a:br>
               <a:rPr lang="en-US" dirty="0"/>
             </a:br>
-            <a:endParaRPr lang="en-US" dirty="0"/>
+            <a:r>
+              <a:rPr lang="en-US" dirty="0"/>
+              <a:t>Has Declined in the past six moths?</a:t>
+            </a:r>
           </a:p>
         </p:txBody>
       </p:sp>
@@ -20344,12 +24951,13 @@
             <a:endParaRPr lang="en-US" dirty="0"/>
           </a:p>
           <a:p>
-            <a:pPr lvl="1"/>
+            <a:pPr marL="457200" lvl="1" indent="0">
+              <a:buNone/>
+            </a:pPr>
             <a:r>
-              <a:rPr lang="en-US" dirty="0"/>
-              <a:t>Because customer support representatives feel overwhelmed and under-resourced. This leads to longer waiting times and decreased customer satisfaction.</a:t>
+              <a:rPr lang="en-US" sz="2800" dirty="0"/>
+              <a:t>The findings of a recent survey show that there has been an increase of customer service calls which has led to overwhelm the customer’s service team specially during peak hours. This might have some relationship to usage decline.</a:t>
             </a:r>
-            <a:endParaRPr lang="en-US" sz="2800" dirty="0"/>
           </a:p>
           <a:p>
             <a:endParaRPr lang="en-US" dirty="0"/>
@@ -20360,232 +24968,6 @@
     <p:extLst>
       <p:ext uri="{BB962C8B-B14F-4D97-AF65-F5344CB8AC3E}">
         <p14:creationId xmlns:p14="http://schemas.microsoft.com/office/powerpoint/2010/main" val="160915464"/>
-      </p:ext>
-    </p:extLst>
-  </p:cSld>
-  <p:clrMapOvr>
-    <a:masterClrMapping/>
-  </p:clrMapOvr>
-</p:sld>
-</file>
-
-<file path=ppt/slides/slide8.xml><?xml version="1.0" encoding="utf-8"?>
-<p:sld xmlns:a="http://schemas.openxmlformats.org/drawingml/2006/main" xmlns:r="http://schemas.openxmlformats.org/officeDocument/2006/relationships" xmlns:p="http://schemas.openxmlformats.org/presentationml/2006/main">
-  <p:cSld>
-    <p:spTree>
-      <p:nvGrpSpPr>
-        <p:cNvPr id="1" name=""/>
-        <p:cNvGrpSpPr/>
-        <p:nvPr/>
-      </p:nvGrpSpPr>
-      <p:grpSpPr>
-        <a:xfrm>
-          <a:off x="0" y="0"/>
-          <a:ext cx="0" cy="0"/>
-          <a:chOff x="0" y="0"/>
-          <a:chExt cx="0" cy="0"/>
-        </a:xfrm>
-      </p:grpSpPr>
-      <p:graphicFrame>
-        <p:nvGraphicFramePr>
-          <p:cNvPr id="2" name="Diagram 1" descr="Organizational chart with five blue rectangeles with the word &quot;Why?&quot; in the center of each rectangle.">
-            <a:extLst>
-              <a:ext uri="{FF2B5EF4-FFF2-40B4-BE49-F238E27FC236}">
-                <a16:creationId xmlns:a16="http://schemas.microsoft.com/office/drawing/2014/main" id="{6C0A0CC5-6C76-451F-8CFC-C394F67ECBD4}"/>
-              </a:ext>
-            </a:extLst>
-          </p:cNvPr>
-          <p:cNvGraphicFramePr/>
-          <p:nvPr>
-            <p:extLst>
-              <p:ext uri="{D42A27DB-BD31-4B8C-83A1-F6EECF244321}">
-                <p14:modId xmlns:p14="http://schemas.microsoft.com/office/powerpoint/2010/main" val="3337250899"/>
-              </p:ext>
-            </p:extLst>
-          </p:nvPr>
-        </p:nvGraphicFramePr>
-        <p:xfrm>
-          <a:off x="2032000" y="719666"/>
-          <a:ext cx="8128000" cy="5418667"/>
-        </p:xfrm>
-        <a:graphic>
-          <a:graphicData uri="http://schemas.openxmlformats.org/drawingml/2006/diagram">
-            <dgm:relIds xmlns:dgm="http://schemas.openxmlformats.org/drawingml/2006/diagram" xmlns:r="http://schemas.openxmlformats.org/officeDocument/2006/relationships" r:dm="rId2" r:lo="rId3" r:qs="rId4" r:cs="rId5"/>
-          </a:graphicData>
-        </a:graphic>
-      </p:graphicFrame>
-      <p:sp>
-        <p:nvSpPr>
-          <p:cNvPr id="3" name="Title 2">
-            <a:extLst>
-              <a:ext uri="{FF2B5EF4-FFF2-40B4-BE49-F238E27FC236}">
-                <a16:creationId xmlns:a16="http://schemas.microsoft.com/office/drawing/2014/main" id="{4A8A8BB8-3A19-11EC-4AA9-B03FF9D0CCDF}"/>
-              </a:ext>
-            </a:extLst>
-          </p:cNvPr>
-          <p:cNvSpPr>
-            <a:spLocks noGrp="1"/>
-          </p:cNvSpPr>
-          <p:nvPr>
-            <p:ph type="title" idx="4294967295"/>
-          </p:nvPr>
-        </p:nvSpPr>
-        <p:spPr>
-          <a:xfrm>
-            <a:off x="838200" y="-1325563"/>
-            <a:ext cx="10515600" cy="1325563"/>
-          </a:xfrm>
-        </p:spPr>
-        <p:txBody>
-          <a:bodyPr vert="horz" lIns="91440" tIns="45720" rIns="91440" bIns="45720" rtlCol="0" anchor="b">
-            <a:normAutofit/>
-          </a:bodyPr>
-          <a:lstStyle/>
-          <a:p>
-            <a:r>
-              <a:rPr lang="en-US" dirty="0"/>
-              <a:t>Organizational Chart Or Process Flow</a:t>
-            </a:r>
-          </a:p>
-        </p:txBody>
-      </p:sp>
-    </p:spTree>
-    <p:extLst>
-      <p:ext uri="{BB962C8B-B14F-4D97-AF65-F5344CB8AC3E}">
-        <p14:creationId xmlns:p14="http://schemas.microsoft.com/office/powerpoint/2010/main" val="2772437910"/>
-      </p:ext>
-    </p:extLst>
-  </p:cSld>
-  <p:clrMapOvr>
-    <a:masterClrMapping/>
-  </p:clrMapOvr>
-</p:sld>
-</file>
-
-<file path=ppt/slides/slide9.xml><?xml version="1.0" encoding="utf-8"?>
-<p:sld xmlns:a="http://schemas.openxmlformats.org/drawingml/2006/main" xmlns:r="http://schemas.openxmlformats.org/officeDocument/2006/relationships" xmlns:p="http://schemas.openxmlformats.org/presentationml/2006/main">
-  <p:cSld>
-    <p:spTree>
-      <p:nvGrpSpPr>
-        <p:cNvPr id="1" name=""/>
-        <p:cNvGrpSpPr/>
-        <p:nvPr/>
-      </p:nvGrpSpPr>
-      <p:grpSpPr>
-        <a:xfrm>
-          <a:off x="0" y="0"/>
-          <a:ext cx="0" cy="0"/>
-          <a:chOff x="0" y="0"/>
-          <a:chExt cx="0" cy="0"/>
-        </a:xfrm>
-      </p:grpSpPr>
-      <p:sp>
-        <p:nvSpPr>
-          <p:cNvPr id="2" name="Title 1">
-            <a:extLst>
-              <a:ext uri="{FF2B5EF4-FFF2-40B4-BE49-F238E27FC236}">
-                <a16:creationId xmlns:a16="http://schemas.microsoft.com/office/drawing/2014/main" id="{09F9D18C-2C0A-46DE-8AB0-C48D58FA86B9}"/>
-              </a:ext>
-            </a:extLst>
-          </p:cNvPr>
-          <p:cNvSpPr>
-            <a:spLocks noGrp="1"/>
-          </p:cNvSpPr>
-          <p:nvPr>
-            <p:ph type="title"/>
-          </p:nvPr>
-        </p:nvSpPr>
-        <p:spPr/>
-        <p:txBody>
-          <a:bodyPr>
-            <a:normAutofit fontScale="90000"/>
-          </a:bodyPr>
-          <a:lstStyle/>
-          <a:p>
-            <a:pPr algn="ctr"/>
-            <a:r>
-              <a:rPr lang="en-US" dirty="0"/>
-              <a:t>Why do customer support representatives feel overwhelmed and under-resourced? </a:t>
-            </a:r>
-            <a:br>
-              <a:rPr lang="en-US" dirty="0"/>
-            </a:br>
-            <a:endParaRPr lang="en-US" dirty="0"/>
-          </a:p>
-        </p:txBody>
-      </p:sp>
-      <p:sp>
-        <p:nvSpPr>
-          <p:cNvPr id="3" name="Content Placeholder 2">
-            <a:extLst>
-              <a:ext uri="{FF2B5EF4-FFF2-40B4-BE49-F238E27FC236}">
-                <a16:creationId xmlns:a16="http://schemas.microsoft.com/office/drawing/2014/main" id="{E8198C9D-AB35-4DB5-A290-84C7E2B3169A}"/>
-              </a:ext>
-            </a:extLst>
-          </p:cNvPr>
-          <p:cNvSpPr>
-            <a:spLocks noGrp="1"/>
-          </p:cNvSpPr>
-          <p:nvPr>
-            <p:ph idx="1"/>
-          </p:nvPr>
-        </p:nvSpPr>
-        <p:spPr/>
-        <p:txBody>
-          <a:bodyPr/>
-          <a:lstStyle/>
-          <a:p>
-            <a:endParaRPr lang="en-US" dirty="0"/>
-          </a:p>
-          <a:p>
-            <a:pPr lvl="1"/>
-            <a:r>
-              <a:rPr lang="en-US" dirty="0"/>
-              <a:t>Due to a combination of factors: </a:t>
-            </a:r>
-            <a:endParaRPr lang="en-US" sz="2800" dirty="0"/>
-          </a:p>
-          <a:p>
-            <a:pPr lvl="2"/>
-            <a:r>
-              <a:rPr lang="en-US" dirty="0"/>
-              <a:t>Insufficient staffing: There may not be enough customer support representatives to handle the volume of inquiries.</a:t>
-            </a:r>
-            <a:endParaRPr lang="en-US" sz="2400" dirty="0"/>
-          </a:p>
-          <a:p>
-            <a:pPr lvl="2"/>
-            <a:r>
-              <a:rPr lang="en-US" dirty="0"/>
-              <a:t>High volume of support calls: This could be driven by: </a:t>
-            </a:r>
-            <a:endParaRPr lang="en-US" sz="2400" dirty="0"/>
-          </a:p>
-          <a:p>
-            <a:pPr lvl="3"/>
-            <a:r>
-              <a:rPr lang="en-US" dirty="0"/>
-              <a:t>Increased app usage: More users mean more potential issues.</a:t>
-            </a:r>
-            <a:endParaRPr lang="en-US" sz="2000" dirty="0"/>
-          </a:p>
-          <a:p>
-            <a:pPr lvl="3"/>
-            <a:r>
-              <a:rPr lang="en-US" dirty="0"/>
-              <a:t>Technical difficulties: Issues with specific app features, such as video calls and screen sharing, are causing a surge in support requests.</a:t>
-            </a:r>
-            <a:endParaRPr lang="en-US" sz="2000" dirty="0"/>
-          </a:p>
-          <a:p>
-            <a:endParaRPr lang="en-US" dirty="0"/>
-          </a:p>
-        </p:txBody>
-      </p:sp>
-    </p:spTree>
-    <p:extLst>
-      <p:ext uri="{BB962C8B-B14F-4D97-AF65-F5344CB8AC3E}">
-        <p14:creationId xmlns:p14="http://schemas.microsoft.com/office/powerpoint/2010/main" val="1044404445"/>
       </p:ext>
     </p:extLst>
   </p:cSld>
